--- a/paper_elements/diagrams.pptx
+++ b/paper_elements/diagrams.pptx
@@ -5,11 +5,12 @@
     <p:sldMasterId id="2147483648" r:id="rId1"/>
   </p:sldMasterIdLst>
   <p:notesMasterIdLst>
-    <p:notesMasterId r:id="rId4"/>
+    <p:notesMasterId r:id="rId5"/>
   </p:notesMasterIdLst>
   <p:sldIdLst>
     <p:sldId id="256" r:id="rId2"/>
     <p:sldId id="257" r:id="rId3"/>
+    <p:sldId id="258" r:id="rId4"/>
   </p:sldIdLst>
   <p:sldSz cx="12192000" cy="6858000"/>
   <p:notesSz cx="6858000" cy="9144000"/>
@@ -198,7 +199,7 @@
           <a:p>
             <a:fld id="{B362C91A-940B-1E4F-9193-1B428BBCD413}" type="datetimeFigureOut">
               <a:rPr lang="en-US" smtClean="0"/>
-              <a:t>4/26/25</a:t>
+              <a:t>5/1/25</a:t>
             </a:fld>
             <a:endParaRPr lang="en-US"/>
           </a:p>
@@ -696,7 +697,7 @@
           <a:p>
             <a:fld id="{3D263C57-0E3A-474A-99FA-CB3F9C0F1CD7}" type="datetimeFigureOut">
               <a:rPr lang="en-US" smtClean="0"/>
-              <a:t>4/26/25</a:t>
+              <a:t>5/1/25</a:t>
             </a:fld>
             <a:endParaRPr lang="en-US"/>
           </a:p>
@@ -894,7 +895,7 @@
           <a:p>
             <a:fld id="{3D263C57-0E3A-474A-99FA-CB3F9C0F1CD7}" type="datetimeFigureOut">
               <a:rPr lang="en-US" smtClean="0"/>
-              <a:t>4/26/25</a:t>
+              <a:t>5/1/25</a:t>
             </a:fld>
             <a:endParaRPr lang="en-US"/>
           </a:p>
@@ -1102,7 +1103,7 @@
           <a:p>
             <a:fld id="{3D263C57-0E3A-474A-99FA-CB3F9C0F1CD7}" type="datetimeFigureOut">
               <a:rPr lang="en-US" smtClean="0"/>
-              <a:t>4/26/25</a:t>
+              <a:t>5/1/25</a:t>
             </a:fld>
             <a:endParaRPr lang="en-US"/>
           </a:p>
@@ -1300,7 +1301,7 @@
           <a:p>
             <a:fld id="{3D263C57-0E3A-474A-99FA-CB3F9C0F1CD7}" type="datetimeFigureOut">
               <a:rPr lang="en-US" smtClean="0"/>
-              <a:t>4/26/25</a:t>
+              <a:t>5/1/25</a:t>
             </a:fld>
             <a:endParaRPr lang="en-US"/>
           </a:p>
@@ -1575,7 +1576,7 @@
           <a:p>
             <a:fld id="{3D263C57-0E3A-474A-99FA-CB3F9C0F1CD7}" type="datetimeFigureOut">
               <a:rPr lang="en-US" smtClean="0"/>
-              <a:t>4/26/25</a:t>
+              <a:t>5/1/25</a:t>
             </a:fld>
             <a:endParaRPr lang="en-US"/>
           </a:p>
@@ -1840,7 +1841,7 @@
           <a:p>
             <a:fld id="{3D263C57-0E3A-474A-99FA-CB3F9C0F1CD7}" type="datetimeFigureOut">
               <a:rPr lang="en-US" smtClean="0"/>
-              <a:t>4/26/25</a:t>
+              <a:t>5/1/25</a:t>
             </a:fld>
             <a:endParaRPr lang="en-US"/>
           </a:p>
@@ -2252,7 +2253,7 @@
           <a:p>
             <a:fld id="{3D263C57-0E3A-474A-99FA-CB3F9C0F1CD7}" type="datetimeFigureOut">
               <a:rPr lang="en-US" smtClean="0"/>
-              <a:t>4/26/25</a:t>
+              <a:t>5/1/25</a:t>
             </a:fld>
             <a:endParaRPr lang="en-US"/>
           </a:p>
@@ -2393,7 +2394,7 @@
           <a:p>
             <a:fld id="{3D263C57-0E3A-474A-99FA-CB3F9C0F1CD7}" type="datetimeFigureOut">
               <a:rPr lang="en-US" smtClean="0"/>
-              <a:t>4/26/25</a:t>
+              <a:t>5/1/25</a:t>
             </a:fld>
             <a:endParaRPr lang="en-US"/>
           </a:p>
@@ -2506,7 +2507,7 @@
           <a:p>
             <a:fld id="{3D263C57-0E3A-474A-99FA-CB3F9C0F1CD7}" type="datetimeFigureOut">
               <a:rPr lang="en-US" smtClean="0"/>
-              <a:t>4/26/25</a:t>
+              <a:t>5/1/25</a:t>
             </a:fld>
             <a:endParaRPr lang="en-US"/>
           </a:p>
@@ -2817,7 +2818,7 @@
           <a:p>
             <a:fld id="{3D263C57-0E3A-474A-99FA-CB3F9C0F1CD7}" type="datetimeFigureOut">
               <a:rPr lang="en-US" smtClean="0"/>
-              <a:t>4/26/25</a:t>
+              <a:t>5/1/25</a:t>
             </a:fld>
             <a:endParaRPr lang="en-US"/>
           </a:p>
@@ -3105,7 +3106,7 @@
           <a:p>
             <a:fld id="{3D263C57-0E3A-474A-99FA-CB3F9C0F1CD7}" type="datetimeFigureOut">
               <a:rPr lang="en-US" smtClean="0"/>
-              <a:t>4/26/25</a:t>
+              <a:t>5/1/25</a:t>
             </a:fld>
             <a:endParaRPr lang="en-US"/>
           </a:p>
@@ -3346,7 +3347,7 @@
           <a:p>
             <a:fld id="{3D263C57-0E3A-474A-99FA-CB3F9C0F1CD7}" type="datetimeFigureOut">
               <a:rPr lang="en-US" smtClean="0"/>
-              <a:t>4/26/25</a:t>
+              <a:t>5/1/25</a:t>
             </a:fld>
             <a:endParaRPr lang="en-US"/>
           </a:p>
@@ -7410,8 +7411,8 @@
                 </a:p>
               </p:txBody>
             </p:sp>
-            <mc:AlternateContent xmlns:mc="http://schemas.openxmlformats.org/markup-compatibility/2006">
-              <mc:Choice xmlns:a14="http://schemas.microsoft.com/office/drawing/2010/main" Requires="a14">
+            <mc:AlternateContent xmlns:mc="http://schemas.openxmlformats.org/markup-compatibility/2006" xmlns:a14="http://schemas.microsoft.com/office/drawing/2010/main">
+              <mc:Choice Requires="a14">
                 <p:sp>
                   <p:nvSpPr>
                     <p:cNvPr id="5" name="TextBox 4">
@@ -7497,7 +7498,7 @@
                   </p:txBody>
                 </p:sp>
               </mc:Choice>
-              <mc:Fallback>
+              <mc:Fallback xmlns="">
                 <p:sp>
                   <p:nvSpPr>
                     <p:cNvPr id="5" name="TextBox 4">
@@ -8975,6 +8976,2165 @@
 </p:sld>
 </file>
 
+<file path=ppt/slides/slide3.xml><?xml version="1.0" encoding="utf-8"?>
+<p:sld xmlns:a="http://schemas.openxmlformats.org/drawingml/2006/main" xmlns:r="http://schemas.openxmlformats.org/officeDocument/2006/relationships" xmlns:p="http://schemas.openxmlformats.org/presentationml/2006/main">
+  <p:cSld>
+    <p:spTree>
+      <p:nvGrpSpPr>
+        <p:cNvPr id="1" name=""/>
+        <p:cNvGrpSpPr/>
+        <p:nvPr/>
+      </p:nvGrpSpPr>
+      <p:grpSpPr>
+        <a:xfrm>
+          <a:off x="0" y="0"/>
+          <a:ext cx="0" cy="0"/>
+          <a:chOff x="0" y="0"/>
+          <a:chExt cx="0" cy="0"/>
+        </a:xfrm>
+      </p:grpSpPr>
+      <p:grpSp>
+        <p:nvGrpSpPr>
+          <p:cNvPr id="51" name="Group 50">
+            <a:extLst>
+              <a:ext uri="{FF2B5EF4-FFF2-40B4-BE49-F238E27FC236}">
+                <a16:creationId xmlns:a16="http://schemas.microsoft.com/office/drawing/2014/main" id="{D46BA243-69EE-8EE9-9AC5-01548611AE12}"/>
+              </a:ext>
+            </a:extLst>
+          </p:cNvPr>
+          <p:cNvGrpSpPr/>
+          <p:nvPr/>
+        </p:nvGrpSpPr>
+        <p:grpSpPr>
+          <a:xfrm>
+            <a:off x="1471479" y="3205401"/>
+            <a:ext cx="1861275" cy="892674"/>
+            <a:chOff x="5917842" y="1252534"/>
+            <a:chExt cx="2801472" cy="966444"/>
+          </a:xfrm>
+        </p:grpSpPr>
+        <p:sp>
+          <p:nvSpPr>
+            <p:cNvPr id="92" name="Rectangle 91">
+              <a:extLst>
+                <a:ext uri="{FF2B5EF4-FFF2-40B4-BE49-F238E27FC236}">
+                  <a16:creationId xmlns:a16="http://schemas.microsoft.com/office/drawing/2014/main" id="{5CC2913A-843E-FC72-D74C-78650AC2C8B7}"/>
+                </a:ext>
+              </a:extLst>
+            </p:cNvPr>
+            <p:cNvSpPr/>
+            <p:nvPr/>
+          </p:nvSpPr>
+          <p:spPr>
+            <a:xfrm>
+              <a:off x="5917844" y="1252534"/>
+              <a:ext cx="2801470" cy="966444"/>
+            </a:xfrm>
+            <a:prstGeom prst="rect">
+              <a:avLst/>
+            </a:prstGeom>
+            <a:solidFill>
+              <a:schemeClr val="bg1">
+                <a:lumMod val="85000"/>
+              </a:schemeClr>
+            </a:solidFill>
+          </p:spPr>
+          <p:style>
+            <a:lnRef idx="2">
+              <a:schemeClr val="accent1">
+                <a:shade val="15000"/>
+              </a:schemeClr>
+            </a:lnRef>
+            <a:fillRef idx="1">
+              <a:schemeClr val="accent1"/>
+            </a:fillRef>
+            <a:effectRef idx="0">
+              <a:schemeClr val="accent1"/>
+            </a:effectRef>
+            <a:fontRef idx="minor">
+              <a:schemeClr val="lt1"/>
+            </a:fontRef>
+          </p:style>
+          <p:txBody>
+            <a:bodyPr rtlCol="0" anchor="ctr"/>
+            <a:lstStyle/>
+            <a:p>
+              <a:pPr algn="ctr"/>
+              <a:endParaRPr lang="en-US" sz="1600"/>
+            </a:p>
+          </p:txBody>
+        </p:sp>
+        <p:sp>
+          <p:nvSpPr>
+            <p:cNvPr id="93" name="TextBox 92">
+              <a:extLst>
+                <a:ext uri="{FF2B5EF4-FFF2-40B4-BE49-F238E27FC236}">
+                  <a16:creationId xmlns:a16="http://schemas.microsoft.com/office/drawing/2014/main" id="{23934092-417A-E2A3-282D-83CF0521D968}"/>
+                </a:ext>
+              </a:extLst>
+            </p:cNvPr>
+            <p:cNvSpPr txBox="1"/>
+            <p:nvPr/>
+          </p:nvSpPr>
+          <p:spPr>
+            <a:xfrm>
+              <a:off x="5980661" y="1265858"/>
+              <a:ext cx="2714522" cy="366532"/>
+            </a:xfrm>
+            <a:prstGeom prst="rect">
+              <a:avLst/>
+            </a:prstGeom>
+            <a:noFill/>
+          </p:spPr>
+          <p:txBody>
+            <a:bodyPr wrap="square" rtlCol="0">
+              <a:spAutoFit/>
+            </a:bodyPr>
+            <a:lstStyle/>
+            <a:p>
+              <a:pPr algn="ctr"/>
+              <a:r>
+                <a:rPr lang="en-US" sz="1600" dirty="0">
+                  <a:latin typeface="Helvetica" pitchFamily="2" charset="0"/>
+                </a:rPr>
+                <a:t>0-shot baselines</a:t>
+              </a:r>
+            </a:p>
+          </p:txBody>
+        </p:sp>
+        <mc:AlternateContent xmlns:mc="http://schemas.openxmlformats.org/markup-compatibility/2006">
+          <mc:Choice xmlns:a14="http://schemas.microsoft.com/office/drawing/2010/main" Requires="a14">
+            <p:sp>
+              <p:nvSpPr>
+                <p:cNvPr id="94" name="TextBox 93">
+                  <a:extLst>
+                    <a:ext uri="{FF2B5EF4-FFF2-40B4-BE49-F238E27FC236}">
+                      <a16:creationId xmlns:a16="http://schemas.microsoft.com/office/drawing/2014/main" id="{399272A2-8C7D-C87A-6BBA-042DBE56697A}"/>
+                    </a:ext>
+                  </a:extLst>
+                </p:cNvPr>
+                <p:cNvSpPr txBox="1"/>
+                <p:nvPr/>
+              </p:nvSpPr>
+              <p:spPr>
+                <a:xfrm>
+                  <a:off x="6047717" y="1643516"/>
+                  <a:ext cx="2671597" cy="566458"/>
+                </a:xfrm>
+                <a:prstGeom prst="rect">
+                  <a:avLst/>
+                </a:prstGeom>
+                <a:noFill/>
+              </p:spPr>
+              <p:txBody>
+                <a:bodyPr wrap="square" rtlCol="0">
+                  <a:spAutoFit/>
+                </a:bodyPr>
+                <a:lstStyle/>
+                <a:p>
+                  <a:pPr algn="ctr"/>
+                  <a14:m>
+                    <m:oMath xmlns:m="http://schemas.openxmlformats.org/officeDocument/2006/math">
+                      <m:func>
+                        <m:funcPr>
+                          <m:ctrlPr>
+                            <a:rPr lang="en-US" sz="1400" i="1" smtClean="0">
+                              <a:latin typeface="Cambria Math" panose="02040503050406030204" pitchFamily="18" charset="0"/>
+                            </a:rPr>
+                          </m:ctrlPr>
+                        </m:funcPr>
+                        <m:fName>
+                          <m:r>
+                            <m:rPr>
+                              <m:sty m:val="p"/>
+                            </m:rPr>
+                            <a:rPr lang="en-US" sz="1400" i="0" smtClean="0">
+                              <a:latin typeface="Cambria Math" panose="02040503050406030204" pitchFamily="18" charset="0"/>
+                            </a:rPr>
+                            <m:t>log</m:t>
+                          </m:r>
+                        </m:fName>
+                        <m:e>
+                          <m:r>
+                            <a:rPr lang="en-US" sz="1400" b="0" i="1" smtClean="0">
+                              <a:latin typeface="Cambria Math" panose="02040503050406030204" pitchFamily="18" charset="0"/>
+                            </a:rPr>
+                            <m:t>𝑝</m:t>
+                          </m:r>
+                        </m:e>
+                      </m:func>
+                      <m:d>
+                        <m:dPr>
+                          <m:ctrlPr>
+                            <a:rPr lang="en-US" sz="1400" i="1" smtClean="0">
+                              <a:latin typeface="Cambria Math" panose="02040503050406030204" pitchFamily="18" charset="0"/>
+                            </a:rPr>
+                          </m:ctrlPr>
+                        </m:dPr>
+                        <m:e>
+                          <m:r>
+                            <a:rPr lang="en-US" sz="1400" b="1" i="1" smtClean="0">
+                              <a:latin typeface="Cambria Math" panose="02040503050406030204" pitchFamily="18" charset="0"/>
+                            </a:rPr>
+                            <m:t>𝒙</m:t>
+                          </m:r>
+                        </m:e>
+                      </m:d>
+                      <m:r>
+                        <a:rPr lang="en-US" sz="1400" b="0" i="0" smtClean="0">
+                          <a:latin typeface="Cambria Math" panose="02040503050406030204" pitchFamily="18" charset="0"/>
+                        </a:rPr>
+                        <m:t>, </m:t>
+                      </m:r>
+                    </m:oMath>
+                  </a14:m>
+                  <a:r>
+                    <a:rPr lang="en-US" sz="1400" dirty="0">
+                      <a:latin typeface="Helvetica" pitchFamily="2" charset="0"/>
+                    </a:rPr>
+                    <a:t>Rank, </a:t>
+                  </a:r>
+                  <a:r>
+                    <a:rPr lang="en-US" sz="1400" dirty="0" err="1">
+                      <a:latin typeface="Helvetica" pitchFamily="2" charset="0"/>
+                    </a:rPr>
+                    <a:t>LogRank</a:t>
+                  </a:r>
+                  <a:r>
+                    <a:rPr lang="en-US" sz="1400" dirty="0">
+                      <a:latin typeface="Helvetica" pitchFamily="2" charset="0"/>
+                    </a:rPr>
+                    <a:t>, Entropy</a:t>
+                  </a:r>
+                </a:p>
+              </p:txBody>
+            </p:sp>
+          </mc:Choice>
+          <mc:Fallback>
+            <p:sp>
+              <p:nvSpPr>
+                <p:cNvPr id="94" name="TextBox 93">
+                  <a:extLst>
+                    <a:ext uri="{FF2B5EF4-FFF2-40B4-BE49-F238E27FC236}">
+                      <a16:creationId xmlns:a16="http://schemas.microsoft.com/office/drawing/2014/main" id="{399272A2-8C7D-C87A-6BBA-042DBE56697A}"/>
+                    </a:ext>
+                  </a:extLst>
+                </p:cNvPr>
+                <p:cNvSpPr txBox="1">
+                  <a:spLocks noRot="1" noChangeAspect="1" noMove="1" noResize="1" noEditPoints="1" noAdjustHandles="1" noChangeArrowheads="1" noChangeShapeType="1" noTextEdit="1"/>
+                </p:cNvSpPr>
+                <p:nvPr/>
+              </p:nvSpPr>
+              <p:spPr>
+                <a:xfrm>
+                  <a:off x="6047717" y="1643516"/>
+                  <a:ext cx="2671597" cy="566458"/>
+                </a:xfrm>
+                <a:prstGeom prst="rect">
+                  <a:avLst/>
+                </a:prstGeom>
+                <a:blipFill>
+                  <a:blip r:embed="rId2"/>
+                  <a:stretch>
+                    <a:fillRect t="-2326" b="-11628"/>
+                  </a:stretch>
+                </a:blipFill>
+              </p:spPr>
+              <p:txBody>
+                <a:bodyPr/>
+                <a:lstStyle/>
+                <a:p>
+                  <a:r>
+                    <a:rPr lang="en-US">
+                      <a:noFill/>
+                    </a:rPr>
+                    <a:t> </a:t>
+                  </a:r>
+                </a:p>
+              </p:txBody>
+            </p:sp>
+          </mc:Fallback>
+        </mc:AlternateContent>
+        <p:cxnSp>
+          <p:nvCxnSpPr>
+            <p:cNvPr id="95" name="Straight Connector 94">
+              <a:extLst>
+                <a:ext uri="{FF2B5EF4-FFF2-40B4-BE49-F238E27FC236}">
+                  <a16:creationId xmlns:a16="http://schemas.microsoft.com/office/drawing/2014/main" id="{AA044DE4-4FAA-B63A-6B8A-BEFB9455D74C}"/>
+                </a:ext>
+              </a:extLst>
+            </p:cNvPr>
+            <p:cNvCxnSpPr>
+              <a:cxnSpLocks/>
+            </p:cNvCxnSpPr>
+            <p:nvPr/>
+          </p:nvCxnSpPr>
+          <p:spPr>
+            <a:xfrm flipV="1">
+              <a:off x="5917842" y="1624410"/>
+              <a:ext cx="2801471" cy="10104"/>
+            </a:xfrm>
+            <a:prstGeom prst="line">
+              <a:avLst/>
+            </a:prstGeom>
+            <a:ln>
+              <a:solidFill>
+                <a:schemeClr val="tx1">
+                  <a:lumMod val="65000"/>
+                  <a:lumOff val="35000"/>
+                </a:schemeClr>
+              </a:solidFill>
+            </a:ln>
+          </p:spPr>
+          <p:style>
+            <a:lnRef idx="2">
+              <a:schemeClr val="accent3"/>
+            </a:lnRef>
+            <a:fillRef idx="0">
+              <a:schemeClr val="accent3"/>
+            </a:fillRef>
+            <a:effectRef idx="1">
+              <a:schemeClr val="accent3"/>
+            </a:effectRef>
+            <a:fontRef idx="minor">
+              <a:schemeClr val="tx1"/>
+            </a:fontRef>
+          </p:style>
+        </p:cxnSp>
+      </p:grpSp>
+      <mc:AlternateContent xmlns:mc="http://schemas.openxmlformats.org/markup-compatibility/2006">
+        <mc:Choice xmlns:a14="http://schemas.microsoft.com/office/drawing/2010/main" Requires="a14">
+          <p:sp>
+            <p:nvSpPr>
+              <p:cNvPr id="90" name="Rectangle 89">
+                <a:extLst>
+                  <a:ext uri="{FF2B5EF4-FFF2-40B4-BE49-F238E27FC236}">
+                    <a16:creationId xmlns:a16="http://schemas.microsoft.com/office/drawing/2014/main" id="{7C5A07E3-FC9E-1A5A-5BFA-F9D596F28C6B}"/>
+                  </a:ext>
+                </a:extLst>
+              </p:cNvPr>
+              <p:cNvSpPr/>
+              <p:nvPr/>
+            </p:nvSpPr>
+            <p:spPr>
+              <a:xfrm>
+                <a:off x="3507847" y="707055"/>
+                <a:ext cx="1399227" cy="806096"/>
+              </a:xfrm>
+              <a:prstGeom prst="rect">
+                <a:avLst/>
+              </a:prstGeom>
+              <a:solidFill>
+                <a:schemeClr val="accent2">
+                  <a:lumMod val="40000"/>
+                  <a:lumOff val="60000"/>
+                </a:schemeClr>
+              </a:solidFill>
+            </p:spPr>
+            <p:style>
+              <a:lnRef idx="2">
+                <a:schemeClr val="accent1">
+                  <a:shade val="15000"/>
+                </a:schemeClr>
+              </a:lnRef>
+              <a:fillRef idx="1">
+                <a:schemeClr val="accent1"/>
+              </a:fillRef>
+              <a:effectRef idx="0">
+                <a:schemeClr val="accent1"/>
+              </a:effectRef>
+              <a:fontRef idx="minor">
+                <a:schemeClr val="lt1"/>
+              </a:fontRef>
+            </p:style>
+            <p:txBody>
+              <a:bodyPr rtlCol="0" anchor="ctr"/>
+              <a:lstStyle/>
+              <a:p>
+                <a:pPr algn="ctr"/>
+                <a:r>
+                  <a:rPr lang="en-US" sz="1600" dirty="0">
+                    <a:solidFill>
+                      <a:schemeClr val="tx1"/>
+                    </a:solidFill>
+                  </a:rPr>
+                  <a:t>Generator</a:t>
+                </a:r>
+              </a:p>
+              <a:p>
+                <a:pPr algn="ctr"/>
+                <a:r>
+                  <a:rPr lang="en-US" sz="1600" dirty="0">
+                    <a:solidFill>
+                      <a:schemeClr val="tx1"/>
+                    </a:solidFill>
+                  </a:rPr>
+                  <a:t>model </a:t>
+                </a:r>
+                <a14:m>
+                  <m:oMath xmlns:m="http://schemas.openxmlformats.org/officeDocument/2006/math">
+                    <m:sSub>
+                      <m:sSubPr>
+                        <m:ctrlPr>
+                          <a:rPr lang="en-US" sz="1600" i="1" smtClean="0">
+                            <a:solidFill>
+                              <a:schemeClr val="tx1"/>
+                            </a:solidFill>
+                            <a:latin typeface="Cambria Math" panose="02040503050406030204" pitchFamily="18" charset="0"/>
+                          </a:rPr>
+                        </m:ctrlPr>
+                      </m:sSubPr>
+                      <m:e>
+                        <m:r>
+                          <a:rPr lang="en-US" sz="1600" b="0" i="1" smtClean="0">
+                            <a:solidFill>
+                              <a:schemeClr val="tx1"/>
+                            </a:solidFill>
+                            <a:latin typeface="Cambria Math" panose="02040503050406030204" pitchFamily="18" charset="0"/>
+                          </a:rPr>
+                          <m:t>𝑃</m:t>
+                        </m:r>
+                      </m:e>
+                      <m:sub>
+                        <m:r>
+                          <a:rPr lang="el-GR" sz="1600" b="0" i="1" smtClean="0">
+                            <a:solidFill>
+                              <a:schemeClr val="tx1"/>
+                            </a:solidFill>
+                            <a:latin typeface="Cambria Math" panose="02040503050406030204" pitchFamily="18" charset="0"/>
+                          </a:rPr>
+                          <m:t>𝜃</m:t>
+                        </m:r>
+                      </m:sub>
+                    </m:sSub>
+                  </m:oMath>
+                </a14:m>
+                <a:endParaRPr lang="en-US" sz="1600" dirty="0">
+                  <a:solidFill>
+                    <a:schemeClr val="tx1"/>
+                  </a:solidFill>
+                </a:endParaRPr>
+              </a:p>
+            </p:txBody>
+          </p:sp>
+        </mc:Choice>
+        <mc:Fallback>
+          <p:sp>
+            <p:nvSpPr>
+              <p:cNvPr id="90" name="Rectangle 89">
+                <a:extLst>
+                  <a:ext uri="{FF2B5EF4-FFF2-40B4-BE49-F238E27FC236}">
+                    <a16:creationId xmlns:a16="http://schemas.microsoft.com/office/drawing/2014/main" id="{7C5A07E3-FC9E-1A5A-5BFA-F9D596F28C6B}"/>
+                  </a:ext>
+                </a:extLst>
+              </p:cNvPr>
+              <p:cNvSpPr>
+                <a:spLocks noRot="1" noChangeAspect="1" noMove="1" noResize="1" noEditPoints="1" noAdjustHandles="1" noChangeArrowheads="1" noChangeShapeType="1" noTextEdit="1"/>
+              </p:cNvSpPr>
+              <p:nvPr/>
+            </p:nvSpPr>
+            <p:spPr>
+              <a:xfrm>
+                <a:off x="3507847" y="707055"/>
+                <a:ext cx="1399227" cy="806096"/>
+              </a:xfrm>
+              <a:prstGeom prst="rect">
+                <a:avLst/>
+              </a:prstGeom>
+              <a:blipFill>
+                <a:blip r:embed="rId3"/>
+                <a:stretch>
+                  <a:fillRect/>
+                </a:stretch>
+              </a:blipFill>
+            </p:spPr>
+            <p:txBody>
+              <a:bodyPr/>
+              <a:lstStyle/>
+              <a:p>
+                <a:r>
+                  <a:rPr lang="en-US">
+                    <a:noFill/>
+                  </a:rPr>
+                  <a:t> </a:t>
+                </a:r>
+              </a:p>
+            </p:txBody>
+          </p:sp>
+        </mc:Fallback>
+      </mc:AlternateContent>
+      <mc:AlternateContent xmlns:mc="http://schemas.openxmlformats.org/markup-compatibility/2006">
+        <mc:Choice xmlns:a14="http://schemas.microsoft.com/office/drawing/2010/main" Requires="a14">
+          <p:sp>
+            <p:nvSpPr>
+              <p:cNvPr id="88" name="Rectangle 87">
+                <a:extLst>
+                  <a:ext uri="{FF2B5EF4-FFF2-40B4-BE49-F238E27FC236}">
+                    <a16:creationId xmlns:a16="http://schemas.microsoft.com/office/drawing/2014/main" id="{C4478B9C-F28E-683D-E174-060BE6B4BBE4}"/>
+                  </a:ext>
+                </a:extLst>
+              </p:cNvPr>
+              <p:cNvSpPr/>
+              <p:nvPr/>
+            </p:nvSpPr>
+            <p:spPr>
+              <a:xfrm>
+                <a:off x="3412136" y="3205402"/>
+                <a:ext cx="1560219" cy="892673"/>
+              </a:xfrm>
+              <a:prstGeom prst="rect">
+                <a:avLst/>
+              </a:prstGeom>
+              <a:solidFill>
+                <a:schemeClr val="accent6">
+                  <a:lumMod val="20000"/>
+                  <a:lumOff val="80000"/>
+                </a:schemeClr>
+              </a:solidFill>
+            </p:spPr>
+            <p:style>
+              <a:lnRef idx="2">
+                <a:schemeClr val="accent1">
+                  <a:shade val="15000"/>
+                </a:schemeClr>
+              </a:lnRef>
+              <a:fillRef idx="1">
+                <a:schemeClr val="accent1"/>
+              </a:fillRef>
+              <a:effectRef idx="0">
+                <a:schemeClr val="accent1"/>
+              </a:effectRef>
+              <a:fontRef idx="minor">
+                <a:schemeClr val="lt1"/>
+              </a:fontRef>
+            </p:style>
+            <p:txBody>
+              <a:bodyPr rtlCol="0" anchor="ctr"/>
+              <a:lstStyle/>
+              <a:p>
+                <a:pPr algn="ctr"/>
+                <a:r>
+                  <a:rPr lang="en-US" sz="1600" dirty="0">
+                    <a:solidFill>
+                      <a:schemeClr val="tx1"/>
+                    </a:solidFill>
+                    <a:latin typeface="Helvetica" pitchFamily="2" charset="0"/>
+                  </a:rPr>
+                  <a:t>DetectGPT</a:t>
+                </a:r>
+              </a:p>
+              <a:p>
+                <a:pPr algn="ctr"/>
+                <a:r>
+                  <a:rPr lang="en-US" sz="1400" dirty="0">
+                    <a:solidFill>
+                      <a:schemeClr val="tx1"/>
+                    </a:solidFill>
+                    <a:latin typeface="Helvetica" pitchFamily="2" charset="0"/>
+                  </a:rPr>
+                  <a:t>(scoring</a:t>
+                </a:r>
+              </a:p>
+              <a:p>
+                <a:pPr algn="ctr"/>
+                <a:r>
+                  <a:rPr lang="en-US" sz="1400" dirty="0">
+                    <a:solidFill>
+                      <a:schemeClr val="tx1"/>
+                    </a:solidFill>
+                    <a:latin typeface="Helvetica" pitchFamily="2" charset="0"/>
+                  </a:rPr>
+                  <a:t>model </a:t>
+                </a:r>
+                <a14:m>
+                  <m:oMath xmlns:m="http://schemas.openxmlformats.org/officeDocument/2006/math">
+                    <m:sSub>
+                      <m:sSubPr>
+                        <m:ctrlPr>
+                          <a:rPr lang="en-US" sz="1400" i="1" smtClean="0">
+                            <a:solidFill>
+                              <a:schemeClr val="tx1"/>
+                            </a:solidFill>
+                            <a:latin typeface="Cambria Math" panose="02040503050406030204" pitchFamily="18" charset="0"/>
+                          </a:rPr>
+                        </m:ctrlPr>
+                      </m:sSubPr>
+                      <m:e>
+                        <m:r>
+                          <a:rPr lang="en-US" sz="1400" b="0" i="1" smtClean="0">
+                            <a:solidFill>
+                              <a:schemeClr val="tx1"/>
+                            </a:solidFill>
+                            <a:latin typeface="Cambria Math" panose="02040503050406030204" pitchFamily="18" charset="0"/>
+                          </a:rPr>
+                          <m:t>𝑝</m:t>
+                        </m:r>
+                      </m:e>
+                      <m:sub>
+                        <m:r>
+                          <a:rPr lang="el-GR" sz="1400" b="0" i="1" smtClean="0">
+                            <a:solidFill>
+                              <a:schemeClr val="tx1"/>
+                            </a:solidFill>
+                            <a:latin typeface="Cambria Math" panose="02040503050406030204" pitchFamily="18" charset="0"/>
+                          </a:rPr>
+                          <m:t>𝜃</m:t>
+                        </m:r>
+                      </m:sub>
+                    </m:sSub>
+                  </m:oMath>
+                </a14:m>
+                <a:r>
+                  <a:rPr lang="en-US" sz="1400" dirty="0">
+                    <a:solidFill>
+                      <a:schemeClr val="tx1"/>
+                    </a:solidFill>
+                    <a:latin typeface="Helvetica" pitchFamily="2" charset="0"/>
+                  </a:rPr>
+                  <a:t>)</a:t>
+                </a:r>
+              </a:p>
+            </p:txBody>
+          </p:sp>
+        </mc:Choice>
+        <mc:Fallback>
+          <p:sp>
+            <p:nvSpPr>
+              <p:cNvPr id="88" name="Rectangle 87">
+                <a:extLst>
+                  <a:ext uri="{FF2B5EF4-FFF2-40B4-BE49-F238E27FC236}">
+                    <a16:creationId xmlns:a16="http://schemas.microsoft.com/office/drawing/2014/main" id="{C4478B9C-F28E-683D-E174-060BE6B4BBE4}"/>
+                  </a:ext>
+                </a:extLst>
+              </p:cNvPr>
+              <p:cNvSpPr>
+                <a:spLocks noRot="1" noChangeAspect="1" noMove="1" noResize="1" noEditPoints="1" noAdjustHandles="1" noChangeArrowheads="1" noChangeShapeType="1" noTextEdit="1"/>
+              </p:cNvSpPr>
+              <p:nvPr/>
+            </p:nvSpPr>
+            <p:spPr>
+              <a:xfrm>
+                <a:off x="3412136" y="3205402"/>
+                <a:ext cx="1560219" cy="892673"/>
+              </a:xfrm>
+              <a:prstGeom prst="rect">
+                <a:avLst/>
+              </a:prstGeom>
+              <a:blipFill>
+                <a:blip r:embed="rId4"/>
+                <a:stretch>
+                  <a:fillRect/>
+                </a:stretch>
+              </a:blipFill>
+            </p:spPr>
+            <p:txBody>
+              <a:bodyPr/>
+              <a:lstStyle/>
+              <a:p>
+                <a:r>
+                  <a:rPr lang="en-US">
+                    <a:noFill/>
+                  </a:rPr>
+                  <a:t> </a:t>
+                </a:r>
+              </a:p>
+            </p:txBody>
+          </p:sp>
+        </mc:Fallback>
+      </mc:AlternateContent>
+      <p:grpSp>
+        <p:nvGrpSpPr>
+          <p:cNvPr id="80" name="Group 79">
+            <a:extLst>
+              <a:ext uri="{FF2B5EF4-FFF2-40B4-BE49-F238E27FC236}">
+                <a16:creationId xmlns:a16="http://schemas.microsoft.com/office/drawing/2014/main" id="{42B0EF23-D7A2-F2E6-2A38-69886470652D}"/>
+              </a:ext>
+            </a:extLst>
+          </p:cNvPr>
+          <p:cNvGrpSpPr/>
+          <p:nvPr/>
+        </p:nvGrpSpPr>
+        <p:grpSpPr>
+          <a:xfrm>
+            <a:off x="1512239" y="707055"/>
+            <a:ext cx="1692718" cy="806097"/>
+            <a:chOff x="1889062" y="1941767"/>
+            <a:chExt cx="2195856" cy="761953"/>
+          </a:xfrm>
+        </p:grpSpPr>
+        <p:sp>
+          <p:nvSpPr>
+            <p:cNvPr id="83" name="Rectangle 82">
+              <a:extLst>
+                <a:ext uri="{FF2B5EF4-FFF2-40B4-BE49-F238E27FC236}">
+                  <a16:creationId xmlns:a16="http://schemas.microsoft.com/office/drawing/2014/main" id="{1453FE3A-5CE9-3E83-EC6A-57165806F844}"/>
+                </a:ext>
+              </a:extLst>
+            </p:cNvPr>
+            <p:cNvSpPr/>
+            <p:nvPr/>
+          </p:nvSpPr>
+          <p:spPr>
+            <a:xfrm>
+              <a:off x="1889070" y="1941767"/>
+              <a:ext cx="2195848" cy="761953"/>
+            </a:xfrm>
+            <a:prstGeom prst="rect">
+              <a:avLst/>
+            </a:prstGeom>
+            <a:solidFill>
+              <a:schemeClr val="tx2">
+                <a:lumMod val="25000"/>
+                <a:lumOff val="75000"/>
+              </a:schemeClr>
+            </a:solidFill>
+          </p:spPr>
+          <p:style>
+            <a:lnRef idx="2">
+              <a:schemeClr val="accent1">
+                <a:shade val="15000"/>
+              </a:schemeClr>
+            </a:lnRef>
+            <a:fillRef idx="1">
+              <a:schemeClr val="accent1"/>
+            </a:fillRef>
+            <a:effectRef idx="0">
+              <a:schemeClr val="accent1"/>
+            </a:effectRef>
+            <a:fontRef idx="minor">
+              <a:schemeClr val="lt1"/>
+            </a:fontRef>
+          </p:style>
+          <p:txBody>
+            <a:bodyPr rtlCol="0" anchor="ctr"/>
+            <a:lstStyle/>
+            <a:p>
+              <a:pPr algn="ctr"/>
+              <a:endParaRPr lang="en-US"/>
+            </a:p>
+          </p:txBody>
+        </p:sp>
+        <p:sp>
+          <p:nvSpPr>
+            <p:cNvPr id="84" name="TextBox 83">
+              <a:extLst>
+                <a:ext uri="{FF2B5EF4-FFF2-40B4-BE49-F238E27FC236}">
+                  <a16:creationId xmlns:a16="http://schemas.microsoft.com/office/drawing/2014/main" id="{87B656DD-E4DB-6528-14CF-0D132C646592}"/>
+                </a:ext>
+              </a:extLst>
+            </p:cNvPr>
+            <p:cNvSpPr txBox="1"/>
+            <p:nvPr/>
+          </p:nvSpPr>
+          <p:spPr>
+            <a:xfrm>
+              <a:off x="3519153" y="1960808"/>
+              <a:ext cx="65" cy="276999"/>
+            </a:xfrm>
+            <a:prstGeom prst="rect">
+              <a:avLst/>
+            </a:prstGeom>
+            <a:noFill/>
+          </p:spPr>
+          <p:txBody>
+            <a:bodyPr wrap="none" lIns="0" tIns="0" rIns="0" bIns="0" rtlCol="0">
+              <a:spAutoFit/>
+            </a:bodyPr>
+            <a:lstStyle/>
+            <a:p>
+              <a:endParaRPr lang="en-US" dirty="0"/>
+            </a:p>
+          </p:txBody>
+        </p:sp>
+        <p:sp>
+          <p:nvSpPr>
+            <p:cNvPr id="85" name="TextBox 84">
+              <a:extLst>
+                <a:ext uri="{FF2B5EF4-FFF2-40B4-BE49-F238E27FC236}">
+                  <a16:creationId xmlns:a16="http://schemas.microsoft.com/office/drawing/2014/main" id="{EEE68ED4-4252-50E9-BFA4-F38FD96DFD31}"/>
+                </a:ext>
+              </a:extLst>
+            </p:cNvPr>
+            <p:cNvSpPr txBox="1"/>
+            <p:nvPr/>
+          </p:nvSpPr>
+          <p:spPr>
+            <a:xfrm>
+              <a:off x="1913638" y="1943419"/>
+              <a:ext cx="2146694" cy="320014"/>
+            </a:xfrm>
+            <a:prstGeom prst="rect">
+              <a:avLst/>
+            </a:prstGeom>
+            <a:noFill/>
+          </p:spPr>
+          <p:txBody>
+            <a:bodyPr wrap="square" rtlCol="0">
+              <a:spAutoFit/>
+            </a:bodyPr>
+            <a:lstStyle/>
+            <a:p>
+              <a:pPr algn="ctr"/>
+              <a:r>
+                <a:rPr lang="en-US" sz="1600" dirty="0">
+                  <a:latin typeface="Helvetica" pitchFamily="2" charset="0"/>
+                </a:rPr>
+                <a:t>Corpus</a:t>
+              </a:r>
+              <a:endParaRPr lang="en-US" dirty="0">
+                <a:latin typeface="Helvetica" pitchFamily="2" charset="0"/>
+              </a:endParaRPr>
+            </a:p>
+          </p:txBody>
+        </p:sp>
+        <mc:AlternateContent xmlns:mc="http://schemas.openxmlformats.org/markup-compatibility/2006">
+          <mc:Choice xmlns:a14="http://schemas.microsoft.com/office/drawing/2010/main" Requires="a14">
+            <p:sp>
+              <p:nvSpPr>
+                <p:cNvPr id="86" name="TextBox 85">
+                  <a:extLst>
+                    <a:ext uri="{FF2B5EF4-FFF2-40B4-BE49-F238E27FC236}">
+                      <a16:creationId xmlns:a16="http://schemas.microsoft.com/office/drawing/2014/main" id="{2FA44ED9-8607-C8C0-F299-77CBD1F1A542}"/>
+                    </a:ext>
+                  </a:extLst>
+                </p:cNvPr>
+                <p:cNvSpPr txBox="1"/>
+                <p:nvPr/>
+              </p:nvSpPr>
+              <p:spPr>
+                <a:xfrm>
+                  <a:off x="1889062" y="2342914"/>
+                  <a:ext cx="2195848" cy="299347"/>
+                </a:xfrm>
+                <a:prstGeom prst="rect">
+                  <a:avLst/>
+                </a:prstGeom>
+                <a:noFill/>
+              </p:spPr>
+              <p:txBody>
+                <a:bodyPr wrap="square" rtlCol="0">
+                  <a:spAutoFit/>
+                </a:bodyPr>
+                <a:lstStyle/>
+                <a:p>
+                  <a:pPr algn="ctr"/>
+                  <a:r>
+                    <a:rPr lang="en-US" sz="1400" dirty="0">
+                      <a:latin typeface="Helvetica" pitchFamily="2" charset="0"/>
+                    </a:rPr>
+                    <a:t>human-written</a:t>
+                  </a:r>
+                  <a:r>
+                    <a:rPr lang="en-US" sz="1400" dirty="0"/>
+                    <a:t> </a:t>
+                  </a:r>
+                  <a14:m>
+                    <m:oMath xmlns:m="http://schemas.openxmlformats.org/officeDocument/2006/math">
+                      <m:sSup>
+                        <m:sSupPr>
+                          <m:ctrlPr>
+                            <a:rPr lang="en-US" sz="1400" i="1" smtClean="0">
+                              <a:latin typeface="Cambria Math" panose="02040503050406030204" pitchFamily="18" charset="0"/>
+                            </a:rPr>
+                          </m:ctrlPr>
+                        </m:sSupPr>
+                        <m:e>
+                          <m:r>
+                            <a:rPr lang="en-US" sz="1400" b="1" i="1" smtClean="0">
+                              <a:latin typeface="Cambria Math" panose="02040503050406030204" pitchFamily="18" charset="0"/>
+                            </a:rPr>
+                            <m:t>𝒙</m:t>
+                          </m:r>
+                        </m:e>
+                        <m:sup>
+                          <m:r>
+                            <a:rPr lang="en-US" sz="1400" b="0" i="1" smtClean="0">
+                              <a:latin typeface="Cambria Math" panose="02040503050406030204" pitchFamily="18" charset="0"/>
+                            </a:rPr>
+                            <m:t>(</m:t>
+                          </m:r>
+                          <m:r>
+                            <a:rPr lang="en-US" sz="1400" b="0" i="1" smtClean="0">
+                              <a:latin typeface="Cambria Math" panose="02040503050406030204" pitchFamily="18" charset="0"/>
+                            </a:rPr>
+                            <m:t>𝑖</m:t>
+                          </m:r>
+                          <m:r>
+                            <a:rPr lang="en-US" sz="1400" b="0" i="1" smtClean="0">
+                              <a:latin typeface="Cambria Math" panose="02040503050406030204" pitchFamily="18" charset="0"/>
+                            </a:rPr>
+                            <m:t>)</m:t>
+                          </m:r>
+                        </m:sup>
+                      </m:sSup>
+                    </m:oMath>
+                  </a14:m>
+                  <a:endParaRPr lang="en-US" sz="1400" b="1" dirty="0"/>
+                </a:p>
+              </p:txBody>
+            </p:sp>
+          </mc:Choice>
+          <mc:Fallback>
+            <p:sp>
+              <p:nvSpPr>
+                <p:cNvPr id="86" name="TextBox 85">
+                  <a:extLst>
+                    <a:ext uri="{FF2B5EF4-FFF2-40B4-BE49-F238E27FC236}">
+                      <a16:creationId xmlns:a16="http://schemas.microsoft.com/office/drawing/2014/main" id="{2FA44ED9-8607-C8C0-F299-77CBD1F1A542}"/>
+                    </a:ext>
+                  </a:extLst>
+                </p:cNvPr>
+                <p:cNvSpPr txBox="1">
+                  <a:spLocks noRot="1" noChangeAspect="1" noMove="1" noResize="1" noEditPoints="1" noAdjustHandles="1" noChangeArrowheads="1" noChangeShapeType="1" noTextEdit="1"/>
+                </p:cNvSpPr>
+                <p:nvPr/>
+              </p:nvSpPr>
+              <p:spPr>
+                <a:xfrm>
+                  <a:off x="1889062" y="2342914"/>
+                  <a:ext cx="2195848" cy="299347"/>
+                </a:xfrm>
+                <a:prstGeom prst="rect">
+                  <a:avLst/>
+                </a:prstGeom>
+                <a:blipFill>
+                  <a:blip r:embed="rId5"/>
+                  <a:stretch>
+                    <a:fillRect b="-19231"/>
+                  </a:stretch>
+                </a:blipFill>
+              </p:spPr>
+              <p:txBody>
+                <a:bodyPr/>
+                <a:lstStyle/>
+                <a:p>
+                  <a:r>
+                    <a:rPr lang="en-US">
+                      <a:noFill/>
+                    </a:rPr>
+                    <a:t> </a:t>
+                  </a:r>
+                </a:p>
+              </p:txBody>
+            </p:sp>
+          </mc:Fallback>
+        </mc:AlternateContent>
+        <p:cxnSp>
+          <p:nvCxnSpPr>
+            <p:cNvPr id="87" name="Straight Connector 86">
+              <a:extLst>
+                <a:ext uri="{FF2B5EF4-FFF2-40B4-BE49-F238E27FC236}">
+                  <a16:creationId xmlns:a16="http://schemas.microsoft.com/office/drawing/2014/main" id="{8236529B-EB35-9BB7-AF35-C7603C316F31}"/>
+                </a:ext>
+              </a:extLst>
+            </p:cNvPr>
+            <p:cNvCxnSpPr>
+              <a:cxnSpLocks/>
+            </p:cNvCxnSpPr>
+            <p:nvPr/>
+          </p:nvCxnSpPr>
+          <p:spPr>
+            <a:xfrm>
+              <a:off x="1889062" y="2265085"/>
+              <a:ext cx="2195848" cy="0"/>
+            </a:xfrm>
+            <a:prstGeom prst="line">
+              <a:avLst/>
+            </a:prstGeom>
+          </p:spPr>
+          <p:style>
+            <a:lnRef idx="2">
+              <a:schemeClr val="accent1"/>
+            </a:lnRef>
+            <a:fillRef idx="0">
+              <a:schemeClr val="accent1"/>
+            </a:fillRef>
+            <a:effectRef idx="1">
+              <a:schemeClr val="accent1"/>
+            </a:effectRef>
+            <a:fontRef idx="minor">
+              <a:schemeClr val="tx1"/>
+            </a:fontRef>
+          </p:style>
+        </p:cxnSp>
+      </p:grpSp>
+      <p:grpSp>
+        <p:nvGrpSpPr>
+          <p:cNvPr id="97" name="Group 96">
+            <a:extLst>
+              <a:ext uri="{FF2B5EF4-FFF2-40B4-BE49-F238E27FC236}">
+                <a16:creationId xmlns:a16="http://schemas.microsoft.com/office/drawing/2014/main" id="{8DA4CA50-DACB-4313-205B-A02BA3567751}"/>
+              </a:ext>
+            </a:extLst>
+          </p:cNvPr>
+          <p:cNvGrpSpPr/>
+          <p:nvPr/>
+        </p:nvGrpSpPr>
+        <p:grpSpPr>
+          <a:xfrm>
+            <a:off x="2065211" y="1652290"/>
+            <a:ext cx="2279480" cy="1164602"/>
+            <a:chOff x="3175360" y="2293019"/>
+            <a:chExt cx="2621063" cy="1164602"/>
+          </a:xfrm>
+        </p:grpSpPr>
+        <p:grpSp>
+          <p:nvGrpSpPr>
+            <p:cNvPr id="56" name="Group 55">
+              <a:extLst>
+                <a:ext uri="{FF2B5EF4-FFF2-40B4-BE49-F238E27FC236}">
+                  <a16:creationId xmlns:a16="http://schemas.microsoft.com/office/drawing/2014/main" id="{43BD5599-8EFF-6CCA-A96C-1C32CFB2CC2E}"/>
+                </a:ext>
+              </a:extLst>
+            </p:cNvPr>
+            <p:cNvGrpSpPr/>
+            <p:nvPr/>
+          </p:nvGrpSpPr>
+          <p:grpSpPr>
+            <a:xfrm>
+              <a:off x="3175360" y="2293019"/>
+              <a:ext cx="2621063" cy="1164602"/>
+              <a:chOff x="3369324" y="1355625"/>
+              <a:chExt cx="2621063" cy="1464009"/>
+            </a:xfrm>
+          </p:grpSpPr>
+          <p:grpSp>
+            <p:nvGrpSpPr>
+              <p:cNvPr id="71" name="Group 70">
+                <a:extLst>
+                  <a:ext uri="{FF2B5EF4-FFF2-40B4-BE49-F238E27FC236}">
+                    <a16:creationId xmlns:a16="http://schemas.microsoft.com/office/drawing/2014/main" id="{0D902053-70F1-2D57-6BC9-4EC47446E2D4}"/>
+                  </a:ext>
+                </a:extLst>
+              </p:cNvPr>
+              <p:cNvGrpSpPr/>
+              <p:nvPr/>
+            </p:nvGrpSpPr>
+            <p:grpSpPr>
+              <a:xfrm>
+                <a:off x="3369324" y="1355625"/>
+                <a:ext cx="2621063" cy="1464009"/>
+                <a:chOff x="4981225" y="2281022"/>
+                <a:chExt cx="2621063" cy="1464009"/>
+              </a:xfrm>
+            </p:grpSpPr>
+            <p:sp>
+              <p:nvSpPr>
+                <p:cNvPr id="73" name="Rectangle 72">
+                  <a:extLst>
+                    <a:ext uri="{FF2B5EF4-FFF2-40B4-BE49-F238E27FC236}">
+                      <a16:creationId xmlns:a16="http://schemas.microsoft.com/office/drawing/2014/main" id="{6B939AEA-5B87-F16F-78C9-676ED673EAAD}"/>
+                    </a:ext>
+                  </a:extLst>
+                </p:cNvPr>
+                <p:cNvSpPr/>
+                <p:nvPr/>
+              </p:nvSpPr>
+              <p:spPr>
+                <a:xfrm>
+                  <a:off x="4981225" y="2301548"/>
+                  <a:ext cx="2601532" cy="1443483"/>
+                </a:xfrm>
+                <a:prstGeom prst="rect">
+                  <a:avLst/>
+                </a:prstGeom>
+                <a:solidFill>
+                  <a:schemeClr val="tx2">
+                    <a:lumMod val="25000"/>
+                    <a:lumOff val="75000"/>
+                  </a:schemeClr>
+                </a:solidFill>
+              </p:spPr>
+              <p:style>
+                <a:lnRef idx="2">
+                  <a:schemeClr val="accent1">
+                    <a:shade val="15000"/>
+                  </a:schemeClr>
+                </a:lnRef>
+                <a:fillRef idx="1">
+                  <a:schemeClr val="accent1"/>
+                </a:fillRef>
+                <a:effectRef idx="0">
+                  <a:schemeClr val="accent1"/>
+                </a:effectRef>
+                <a:fontRef idx="minor">
+                  <a:schemeClr val="lt1"/>
+                </a:fontRef>
+              </p:style>
+              <p:txBody>
+                <a:bodyPr rtlCol="0" anchor="ctr"/>
+                <a:lstStyle/>
+                <a:p>
+                  <a:pPr algn="ctr"/>
+                  <a:endParaRPr lang="en-US" dirty="0"/>
+                </a:p>
+              </p:txBody>
+            </p:sp>
+            <p:cxnSp>
+              <p:nvCxnSpPr>
+                <p:cNvPr id="74" name="Straight Connector 73">
+                  <a:extLst>
+                    <a:ext uri="{FF2B5EF4-FFF2-40B4-BE49-F238E27FC236}">
+                      <a16:creationId xmlns:a16="http://schemas.microsoft.com/office/drawing/2014/main" id="{0A232C5A-0D17-8602-22EF-7CF39C741818}"/>
+                    </a:ext>
+                  </a:extLst>
+                </p:cNvPr>
+                <p:cNvCxnSpPr>
+                  <a:cxnSpLocks/>
+                  <a:stCxn id="73" idx="2"/>
+                </p:cNvCxnSpPr>
+                <p:nvPr/>
+              </p:nvCxnSpPr>
+              <p:spPr>
+                <a:xfrm flipV="1">
+                  <a:off x="6281991" y="2733824"/>
+                  <a:ext cx="0" cy="1011206"/>
+                </a:xfrm>
+                <a:prstGeom prst="line">
+                  <a:avLst/>
+                </a:prstGeom>
+              </p:spPr>
+              <p:style>
+                <a:lnRef idx="2">
+                  <a:schemeClr val="accent1"/>
+                </a:lnRef>
+                <a:fillRef idx="0">
+                  <a:schemeClr val="accent1"/>
+                </a:fillRef>
+                <a:effectRef idx="1">
+                  <a:schemeClr val="accent1"/>
+                </a:effectRef>
+                <a:fontRef idx="minor">
+                  <a:schemeClr val="tx1"/>
+                </a:fontRef>
+              </p:style>
+            </p:cxnSp>
+            <p:sp>
+              <p:nvSpPr>
+                <p:cNvPr id="75" name="TextBox 74">
+                  <a:extLst>
+                    <a:ext uri="{FF2B5EF4-FFF2-40B4-BE49-F238E27FC236}">
+                      <a16:creationId xmlns:a16="http://schemas.microsoft.com/office/drawing/2014/main" id="{B87346B2-5575-029B-383D-D4CD35C47042}"/>
+                    </a:ext>
+                  </a:extLst>
+                </p:cNvPr>
+                <p:cNvSpPr txBox="1"/>
+                <p:nvPr/>
+              </p:nvSpPr>
+              <p:spPr>
+                <a:xfrm>
+                  <a:off x="4981225" y="2281022"/>
+                  <a:ext cx="2601532" cy="464285"/>
+                </a:xfrm>
+                <a:prstGeom prst="rect">
+                  <a:avLst/>
+                </a:prstGeom>
+                <a:noFill/>
+              </p:spPr>
+              <p:txBody>
+                <a:bodyPr wrap="square" rtlCol="0">
+                  <a:spAutoFit/>
+                </a:bodyPr>
+                <a:lstStyle/>
+                <a:p>
+                  <a:pPr algn="ctr"/>
+                  <a:r>
+                    <a:rPr lang="en-US" sz="1600" dirty="0">
+                      <a:latin typeface="Helvetica" pitchFamily="2" charset="0"/>
+                    </a:rPr>
+                    <a:t>Testing</a:t>
+                  </a:r>
+                  <a:r>
+                    <a:rPr lang="en-US" dirty="0">
+                      <a:latin typeface="Helvetica" pitchFamily="2" charset="0"/>
+                    </a:rPr>
+                    <a:t> dataset</a:t>
+                  </a:r>
+                </a:p>
+              </p:txBody>
+            </p:sp>
+            <p:cxnSp>
+              <p:nvCxnSpPr>
+                <p:cNvPr id="76" name="Straight Connector 75">
+                  <a:extLst>
+                    <a:ext uri="{FF2B5EF4-FFF2-40B4-BE49-F238E27FC236}">
+                      <a16:creationId xmlns:a16="http://schemas.microsoft.com/office/drawing/2014/main" id="{869782CF-50E4-3084-3E25-3544821AFC38}"/>
+                    </a:ext>
+                  </a:extLst>
+                </p:cNvPr>
+                <p:cNvCxnSpPr>
+                  <a:cxnSpLocks/>
+                </p:cNvCxnSpPr>
+                <p:nvPr/>
+              </p:nvCxnSpPr>
+              <p:spPr>
+                <a:xfrm>
+                  <a:off x="4981225" y="2733825"/>
+                  <a:ext cx="2601532" cy="0"/>
+                </a:xfrm>
+                <a:prstGeom prst="line">
+                  <a:avLst/>
+                </a:prstGeom>
+              </p:spPr>
+              <p:style>
+                <a:lnRef idx="2">
+                  <a:schemeClr val="accent1"/>
+                </a:lnRef>
+                <a:fillRef idx="0">
+                  <a:schemeClr val="accent1"/>
+                </a:fillRef>
+                <a:effectRef idx="1">
+                  <a:schemeClr val="accent1"/>
+                </a:effectRef>
+                <a:fontRef idx="minor">
+                  <a:schemeClr val="tx1"/>
+                </a:fontRef>
+              </p:style>
+            </p:cxnSp>
+            <p:sp>
+              <p:nvSpPr>
+                <p:cNvPr id="77" name="TextBox 76">
+                  <a:extLst>
+                    <a:ext uri="{FF2B5EF4-FFF2-40B4-BE49-F238E27FC236}">
+                      <a16:creationId xmlns:a16="http://schemas.microsoft.com/office/drawing/2014/main" id="{A5654254-16CA-5E18-1D3B-DF3BE9EE7471}"/>
+                    </a:ext>
+                  </a:extLst>
+                </p:cNvPr>
+                <p:cNvSpPr txBox="1"/>
+                <p:nvPr/>
+              </p:nvSpPr>
+              <p:spPr>
+                <a:xfrm>
+                  <a:off x="5000756" y="2744955"/>
+                  <a:ext cx="1257337" cy="386903"/>
+                </a:xfrm>
+                <a:prstGeom prst="rect">
+                  <a:avLst/>
+                </a:prstGeom>
+                <a:noFill/>
+              </p:spPr>
+              <p:txBody>
+                <a:bodyPr wrap="square" rtlCol="0">
+                  <a:spAutoFit/>
+                </a:bodyPr>
+                <a:lstStyle/>
+                <a:p>
+                  <a:pPr algn="ctr"/>
+                  <a:r>
+                    <a:rPr lang="en-US" sz="1400" i="1" dirty="0">
+                      <a:latin typeface="Helvetica" pitchFamily="2" charset="0"/>
+                    </a:rPr>
+                    <a:t>Human</a:t>
+                  </a:r>
+                  <a:endParaRPr lang="en-US" sz="1600" i="1" dirty="0">
+                    <a:latin typeface="Helvetica" pitchFamily="2" charset="0"/>
+                  </a:endParaRPr>
+                </a:p>
+              </p:txBody>
+            </p:sp>
+            <p:sp>
+              <p:nvSpPr>
+                <p:cNvPr id="78" name="TextBox 77">
+                  <a:extLst>
+                    <a:ext uri="{FF2B5EF4-FFF2-40B4-BE49-F238E27FC236}">
+                      <a16:creationId xmlns:a16="http://schemas.microsoft.com/office/drawing/2014/main" id="{7D8DAD1D-CBC0-DC05-B164-E4A87B5B3D57}"/>
+                    </a:ext>
+                  </a:extLst>
+                </p:cNvPr>
+                <p:cNvSpPr txBox="1"/>
+                <p:nvPr/>
+              </p:nvSpPr>
+              <p:spPr>
+                <a:xfrm>
+                  <a:off x="6305889" y="2744955"/>
+                  <a:ext cx="1252968" cy="386903"/>
+                </a:xfrm>
+                <a:prstGeom prst="rect">
+                  <a:avLst/>
+                </a:prstGeom>
+                <a:noFill/>
+              </p:spPr>
+              <p:txBody>
+                <a:bodyPr wrap="square" rtlCol="0">
+                  <a:spAutoFit/>
+                </a:bodyPr>
+                <a:lstStyle/>
+                <a:p>
+                  <a:pPr algn="ctr"/>
+                  <a:r>
+                    <a:rPr lang="en-US" sz="1400" i="1" dirty="0">
+                      <a:latin typeface="Helvetica" pitchFamily="2" charset="0"/>
+                    </a:rPr>
+                    <a:t>LLM</a:t>
+                  </a:r>
+                  <a:endParaRPr lang="en-US" i="1" dirty="0">
+                    <a:latin typeface="Helvetica" pitchFamily="2" charset="0"/>
+                  </a:endParaRPr>
+                </a:p>
+              </p:txBody>
+            </p:sp>
+            <p:cxnSp>
+              <p:nvCxnSpPr>
+                <p:cNvPr id="79" name="Straight Connector 78">
+                  <a:extLst>
+                    <a:ext uri="{FF2B5EF4-FFF2-40B4-BE49-F238E27FC236}">
+                      <a16:creationId xmlns:a16="http://schemas.microsoft.com/office/drawing/2014/main" id="{723928EB-4226-3BB3-8DA3-B458EEFD095D}"/>
+                    </a:ext>
+                  </a:extLst>
+                </p:cNvPr>
+                <p:cNvCxnSpPr>
+                  <a:cxnSpLocks/>
+                </p:cNvCxnSpPr>
+                <p:nvPr/>
+              </p:nvCxnSpPr>
+              <p:spPr>
+                <a:xfrm>
+                  <a:off x="5000756" y="3117643"/>
+                  <a:ext cx="2601532" cy="0"/>
+                </a:xfrm>
+                <a:prstGeom prst="line">
+                  <a:avLst/>
+                </a:prstGeom>
+                <a:ln>
+                  <a:prstDash val="sysDash"/>
+                </a:ln>
+              </p:spPr>
+              <p:style>
+                <a:lnRef idx="2">
+                  <a:schemeClr val="accent1"/>
+                </a:lnRef>
+                <a:fillRef idx="0">
+                  <a:schemeClr val="accent1"/>
+                </a:fillRef>
+                <a:effectRef idx="1">
+                  <a:schemeClr val="accent1"/>
+                </a:effectRef>
+                <a:fontRef idx="minor">
+                  <a:schemeClr val="tx1"/>
+                </a:fontRef>
+              </p:style>
+            </p:cxnSp>
+          </p:grpSp>
+          <mc:AlternateContent xmlns:mc="http://schemas.openxmlformats.org/markup-compatibility/2006">
+            <mc:Choice xmlns:a14="http://schemas.microsoft.com/office/drawing/2010/main" Requires="a14">
+              <p:sp>
+                <p:nvSpPr>
+                  <p:cNvPr id="72" name="TextBox 71">
+                    <a:extLst>
+                      <a:ext uri="{FF2B5EF4-FFF2-40B4-BE49-F238E27FC236}">
+                        <a16:creationId xmlns:a16="http://schemas.microsoft.com/office/drawing/2014/main" id="{64E8069F-1B39-E862-B2A6-DBD521A6D517}"/>
+                      </a:ext>
+                    </a:extLst>
+                  </p:cNvPr>
+                  <p:cNvSpPr txBox="1"/>
+                  <p:nvPr/>
+                </p:nvSpPr>
+                <p:spPr>
+                  <a:xfrm>
+                    <a:off x="3571368" y="2239036"/>
+                    <a:ext cx="872828" cy="495235"/>
+                  </a:xfrm>
+                  <a:prstGeom prst="rect">
+                    <a:avLst/>
+                  </a:prstGeom>
+                  <a:noFill/>
+                </p:spPr>
+                <p:txBody>
+                  <a:bodyPr wrap="square" rtlCol="0">
+                    <a:spAutoFit/>
+                  </a:bodyPr>
+                  <a:lstStyle/>
+                  <a:p>
+                    <a:pPr algn="ctr"/>
+                    <a14:m>
+                      <m:oMathPara xmlns:m="http://schemas.openxmlformats.org/officeDocument/2006/math">
+                        <m:oMathParaPr>
+                          <m:jc m:val="center"/>
+                        </m:oMathParaPr>
+                        <m:oMath xmlns:m="http://schemas.openxmlformats.org/officeDocument/2006/math">
+                          <m:sSubSup>
+                            <m:sSubSupPr>
+                              <m:ctrlPr>
+                                <a:rPr lang="en-US" sz="1400" b="1" i="1" smtClean="0">
+                                  <a:latin typeface="Cambria Math" panose="02040503050406030204" pitchFamily="18" charset="0"/>
+                                </a:rPr>
+                              </m:ctrlPr>
+                            </m:sSubSupPr>
+                            <m:e>
+                              <m:r>
+                                <a:rPr lang="en-US" sz="1400" b="1" i="1" smtClean="0">
+                                  <a:latin typeface="Cambria Math" panose="02040503050406030204" pitchFamily="18" charset="0"/>
+                                </a:rPr>
+                                <m:t>𝒙</m:t>
+                              </m:r>
+                            </m:e>
+                            <m:sub>
+                              <m:r>
+                                <m:rPr>
+                                  <m:nor/>
+                                </m:rPr>
+                                <a:rPr lang="en-US" sz="1400" b="0" i="0" smtClean="0">
+                                  <a:latin typeface="Cambria Math" panose="02040503050406030204" pitchFamily="18" charset="0"/>
+                                </a:rPr>
+                                <m:t>human</m:t>
+                              </m:r>
+                            </m:sub>
+                            <m:sup>
+                              <m:r>
+                                <a:rPr lang="en-US" sz="1400" b="0" i="1" smtClean="0">
+                                  <a:latin typeface="Cambria Math" panose="02040503050406030204" pitchFamily="18" charset="0"/>
+                                </a:rPr>
+                                <m:t>(</m:t>
+                              </m:r>
+                              <m:r>
+                                <a:rPr lang="en-US" sz="1400" b="0" i="1" smtClean="0">
+                                  <a:latin typeface="Cambria Math" panose="02040503050406030204" pitchFamily="18" charset="0"/>
+                                </a:rPr>
+                                <m:t>𝑖</m:t>
+                              </m:r>
+                              <m:r>
+                                <a:rPr lang="en-US" sz="1400" b="0" i="1" smtClean="0">
+                                  <a:latin typeface="Cambria Math" panose="02040503050406030204" pitchFamily="18" charset="0"/>
+                                </a:rPr>
+                                <m:t>)</m:t>
+                              </m:r>
+                            </m:sup>
+                          </m:sSubSup>
+                        </m:oMath>
+                      </m:oMathPara>
+                    </a14:m>
+                    <a:endParaRPr lang="en-US" sz="1400" dirty="0"/>
+                  </a:p>
+                </p:txBody>
+              </p:sp>
+            </mc:Choice>
+            <mc:Fallback>
+              <p:sp>
+                <p:nvSpPr>
+                  <p:cNvPr id="72" name="TextBox 71">
+                    <a:extLst>
+                      <a:ext uri="{FF2B5EF4-FFF2-40B4-BE49-F238E27FC236}">
+                        <a16:creationId xmlns:a16="http://schemas.microsoft.com/office/drawing/2014/main" id="{64E8069F-1B39-E862-B2A6-DBD521A6D517}"/>
+                      </a:ext>
+                    </a:extLst>
+                  </p:cNvPr>
+                  <p:cNvSpPr txBox="1">
+                    <a:spLocks noRot="1" noChangeAspect="1" noMove="1" noResize="1" noEditPoints="1" noAdjustHandles="1" noChangeArrowheads="1" noChangeShapeType="1" noTextEdit="1"/>
+                  </p:cNvSpPr>
+                  <p:nvPr/>
+                </p:nvSpPr>
+                <p:spPr>
+                  <a:xfrm>
+                    <a:off x="3571368" y="2239036"/>
+                    <a:ext cx="872828" cy="495235"/>
+                  </a:xfrm>
+                  <a:prstGeom prst="rect">
+                    <a:avLst/>
+                  </a:prstGeom>
+                  <a:blipFill>
+                    <a:blip r:embed="rId6"/>
+                    <a:stretch>
+                      <a:fillRect l="-1639" b="-3125"/>
+                    </a:stretch>
+                  </a:blipFill>
+                </p:spPr>
+                <p:txBody>
+                  <a:bodyPr/>
+                  <a:lstStyle/>
+                  <a:p>
+                    <a:r>
+                      <a:rPr lang="en-US">
+                        <a:noFill/>
+                      </a:rPr>
+                      <a:t> </a:t>
+                    </a:r>
+                  </a:p>
+                </p:txBody>
+              </p:sp>
+            </mc:Fallback>
+          </mc:AlternateContent>
+        </p:grpSp>
+        <mc:AlternateContent xmlns:mc="http://schemas.openxmlformats.org/markup-compatibility/2006">
+          <mc:Choice xmlns:a14="http://schemas.microsoft.com/office/drawing/2010/main" Requires="a14">
+            <p:sp>
+              <p:nvSpPr>
+                <p:cNvPr id="57" name="TextBox 56">
+                  <a:extLst>
+                    <a:ext uri="{FF2B5EF4-FFF2-40B4-BE49-F238E27FC236}">
+                      <a16:creationId xmlns:a16="http://schemas.microsoft.com/office/drawing/2014/main" id="{799E1ECB-C66F-AC54-C71A-53AFFC0F759F}"/>
+                    </a:ext>
+                  </a:extLst>
+                </p:cNvPr>
+                <p:cNvSpPr txBox="1"/>
+                <p:nvPr/>
+              </p:nvSpPr>
+              <p:spPr>
+                <a:xfrm>
+                  <a:off x="4841021" y="2981494"/>
+                  <a:ext cx="567157" cy="393954"/>
+                </a:xfrm>
+                <a:prstGeom prst="rect">
+                  <a:avLst/>
+                </a:prstGeom>
+                <a:noFill/>
+              </p:spPr>
+              <p:txBody>
+                <a:bodyPr wrap="square" rtlCol="0">
+                  <a:spAutoFit/>
+                </a:bodyPr>
+                <a:lstStyle/>
+                <a:p>
+                  <a:pPr algn="ctr"/>
+                  <a14:m>
+                    <m:oMathPara xmlns:m="http://schemas.openxmlformats.org/officeDocument/2006/math">
+                      <m:oMathParaPr>
+                        <m:jc m:val="center"/>
+                      </m:oMathParaPr>
+                      <m:oMath xmlns:m="http://schemas.openxmlformats.org/officeDocument/2006/math">
+                        <m:sSubSup>
+                          <m:sSubSupPr>
+                            <m:ctrlPr>
+                              <a:rPr lang="en-US" sz="1400" b="1" i="1" smtClean="0">
+                                <a:latin typeface="Cambria Math" panose="02040503050406030204" pitchFamily="18" charset="0"/>
+                              </a:rPr>
+                            </m:ctrlPr>
+                          </m:sSubSupPr>
+                          <m:e>
+                            <m:r>
+                              <a:rPr lang="en-US" sz="1400" b="1" i="1" smtClean="0">
+                                <a:latin typeface="Cambria Math" panose="02040503050406030204" pitchFamily="18" charset="0"/>
+                              </a:rPr>
+                              <m:t>𝒙</m:t>
+                            </m:r>
+                          </m:e>
+                          <m:sub>
+                            <m:r>
+                              <m:rPr>
+                                <m:nor/>
+                              </m:rPr>
+                              <a:rPr lang="en-US" sz="1400" b="0" i="0" smtClean="0">
+                                <a:latin typeface="Cambria Math" panose="02040503050406030204" pitchFamily="18" charset="0"/>
+                              </a:rPr>
+                              <m:t>llm</m:t>
+                            </m:r>
+                          </m:sub>
+                          <m:sup>
+                            <m:r>
+                              <a:rPr lang="en-US" sz="1400" b="0" i="1" smtClean="0">
+                                <a:latin typeface="Cambria Math" panose="02040503050406030204" pitchFamily="18" charset="0"/>
+                              </a:rPr>
+                              <m:t>(</m:t>
+                            </m:r>
+                            <m:r>
+                              <a:rPr lang="en-US" sz="1400" b="0" i="1" smtClean="0">
+                                <a:latin typeface="Cambria Math" panose="02040503050406030204" pitchFamily="18" charset="0"/>
+                              </a:rPr>
+                              <m:t>𝑖</m:t>
+                            </m:r>
+                            <m:r>
+                              <a:rPr lang="en-US" sz="1400" b="0" i="1" smtClean="0">
+                                <a:latin typeface="Cambria Math" panose="02040503050406030204" pitchFamily="18" charset="0"/>
+                              </a:rPr>
+                              <m:t>)</m:t>
+                            </m:r>
+                          </m:sup>
+                        </m:sSubSup>
+                      </m:oMath>
+                    </m:oMathPara>
+                  </a14:m>
+                  <a:endParaRPr lang="en-US" sz="1400" dirty="0"/>
+                </a:p>
+              </p:txBody>
+            </p:sp>
+          </mc:Choice>
+          <mc:Fallback>
+            <p:sp>
+              <p:nvSpPr>
+                <p:cNvPr id="57" name="TextBox 56">
+                  <a:extLst>
+                    <a:ext uri="{FF2B5EF4-FFF2-40B4-BE49-F238E27FC236}">
+                      <a16:creationId xmlns:a16="http://schemas.microsoft.com/office/drawing/2014/main" id="{799E1ECB-C66F-AC54-C71A-53AFFC0F759F}"/>
+                    </a:ext>
+                  </a:extLst>
+                </p:cNvPr>
+                <p:cNvSpPr txBox="1">
+                  <a:spLocks noRot="1" noChangeAspect="1" noMove="1" noResize="1" noEditPoints="1" noAdjustHandles="1" noChangeArrowheads="1" noChangeShapeType="1" noTextEdit="1"/>
+                </p:cNvSpPr>
+                <p:nvPr/>
+              </p:nvSpPr>
+              <p:spPr>
+                <a:xfrm>
+                  <a:off x="4841021" y="2981494"/>
+                  <a:ext cx="567157" cy="393954"/>
+                </a:xfrm>
+                <a:prstGeom prst="rect">
+                  <a:avLst/>
+                </a:prstGeom>
+                <a:blipFill>
+                  <a:blip r:embed="rId7"/>
+                  <a:stretch>
+                    <a:fillRect b="-3125"/>
+                  </a:stretch>
+                </a:blipFill>
+              </p:spPr>
+              <p:txBody>
+                <a:bodyPr/>
+                <a:lstStyle/>
+                <a:p>
+                  <a:r>
+                    <a:rPr lang="en-US">
+                      <a:noFill/>
+                    </a:rPr>
+                    <a:t> </a:t>
+                  </a:r>
+                </a:p>
+              </p:txBody>
+            </p:sp>
+          </mc:Fallback>
+        </mc:AlternateContent>
+      </p:grpSp>
+      <p:sp>
+        <p:nvSpPr>
+          <p:cNvPr id="67" name="TextBox 66">
+            <a:extLst>
+              <a:ext uri="{FF2B5EF4-FFF2-40B4-BE49-F238E27FC236}">
+                <a16:creationId xmlns:a16="http://schemas.microsoft.com/office/drawing/2014/main" id="{A7B7E7C6-6B32-5059-2E5C-40D68ACFDCC6}"/>
+              </a:ext>
+            </a:extLst>
+          </p:cNvPr>
+          <p:cNvSpPr txBox="1"/>
+          <p:nvPr/>
+        </p:nvSpPr>
+        <p:spPr>
+          <a:xfrm>
+            <a:off x="2533540" y="4803910"/>
+            <a:ext cx="1284269" cy="338554"/>
+          </a:xfrm>
+          <a:prstGeom prst="rect">
+            <a:avLst/>
+          </a:prstGeom>
+          <a:noFill/>
+        </p:spPr>
+        <p:txBody>
+          <a:bodyPr wrap="square" rtlCol="0">
+            <a:spAutoFit/>
+          </a:bodyPr>
+          <a:lstStyle/>
+          <a:p>
+            <a:pPr algn="ctr"/>
+            <a:r>
+              <a:rPr lang="en-US" sz="1600" dirty="0">
+                <a:latin typeface="Helvetica" pitchFamily="2" charset="0"/>
+              </a:rPr>
+              <a:t>AUROC</a:t>
+            </a:r>
+            <a:endParaRPr lang="en-US" dirty="0">
+              <a:latin typeface="Helvetica" pitchFamily="2" charset="0"/>
+            </a:endParaRPr>
+          </a:p>
+        </p:txBody>
+      </p:sp>
+      <p:grpSp>
+        <p:nvGrpSpPr>
+          <p:cNvPr id="101" name="Group 100">
+            <a:extLst>
+              <a:ext uri="{FF2B5EF4-FFF2-40B4-BE49-F238E27FC236}">
+                <a16:creationId xmlns:a16="http://schemas.microsoft.com/office/drawing/2014/main" id="{DFC312B2-3452-51E7-CF72-230041C15239}"/>
+              </a:ext>
+            </a:extLst>
+          </p:cNvPr>
+          <p:cNvGrpSpPr/>
+          <p:nvPr/>
+        </p:nvGrpSpPr>
+        <p:grpSpPr>
+          <a:xfrm>
+            <a:off x="1282284" y="4262920"/>
+            <a:ext cx="3829641" cy="1059621"/>
+            <a:chOff x="1216528" y="4418912"/>
+            <a:chExt cx="3829641" cy="1059621"/>
+          </a:xfrm>
+        </p:grpSpPr>
+        <p:pic>
+          <p:nvPicPr>
+            <p:cNvPr id="63" name="Picture 2" descr="AUC ROC Curve in Machine Learning | GeeksforGeeks">
+              <a:extLst>
+                <a:ext uri="{FF2B5EF4-FFF2-40B4-BE49-F238E27FC236}">
+                  <a16:creationId xmlns:a16="http://schemas.microsoft.com/office/drawing/2014/main" id="{892B49FE-381E-71F5-E78F-2BE1E18283CD}"/>
+                </a:ext>
+              </a:extLst>
+            </p:cNvPr>
+            <p:cNvPicPr>
+              <a:picLocks noChangeAspect="1" noChangeArrowheads="1"/>
+            </p:cNvPicPr>
+            <p:nvPr/>
+          </p:nvPicPr>
+          <p:blipFill>
+            <a:blip r:embed="rId8">
+              <a:extLst>
+                <a:ext uri="{28A0092B-C50C-407E-A947-70E740481C1C}">
+                  <a14:useLocalDpi xmlns:a14="http://schemas.microsoft.com/office/drawing/2010/main" val="0"/>
+                </a:ext>
+              </a:extLst>
+            </a:blip>
+            <a:srcRect/>
+            <a:stretch>
+              <a:fillRect/>
+            </a:stretch>
+          </p:blipFill>
+          <p:spPr bwMode="auto">
+            <a:xfrm>
+              <a:off x="3605084" y="4418912"/>
+              <a:ext cx="1441085" cy="1059621"/>
+            </a:xfrm>
+            <a:prstGeom prst="rect">
+              <a:avLst/>
+            </a:prstGeom>
+            <a:noFill/>
+            <a:extLst>
+              <a:ext uri="{909E8E84-426E-40DD-AFC4-6F175D3DCCD1}">
+                <a14:hiddenFill xmlns:a14="http://schemas.microsoft.com/office/drawing/2010/main">
+                  <a:solidFill>
+                    <a:srgbClr val="FFFFFF"/>
+                  </a:solidFill>
+                </a14:hiddenFill>
+              </a:ext>
+            </a:extLst>
+          </p:spPr>
+        </p:pic>
+        <p:pic>
+          <p:nvPicPr>
+            <p:cNvPr id="100" name="Picture 2" descr="AUC ROC Curve in Machine Learning | GeeksforGeeks">
+              <a:extLst>
+                <a:ext uri="{FF2B5EF4-FFF2-40B4-BE49-F238E27FC236}">
+                  <a16:creationId xmlns:a16="http://schemas.microsoft.com/office/drawing/2014/main" id="{D4426AEA-2620-28AB-357F-FCEB9FED5512}"/>
+                </a:ext>
+              </a:extLst>
+            </p:cNvPr>
+            <p:cNvPicPr>
+              <a:picLocks noChangeAspect="1" noChangeArrowheads="1"/>
+            </p:cNvPicPr>
+            <p:nvPr/>
+          </p:nvPicPr>
+          <p:blipFill>
+            <a:blip r:embed="rId9">
+              <a:grayscl/>
+              <a:extLst>
+                <a:ext uri="{28A0092B-C50C-407E-A947-70E740481C1C}">
+                  <a14:useLocalDpi xmlns:a14="http://schemas.microsoft.com/office/drawing/2010/main" val="0"/>
+                </a:ext>
+              </a:extLst>
+            </a:blip>
+            <a:srcRect/>
+            <a:stretch>
+              <a:fillRect/>
+            </a:stretch>
+          </p:blipFill>
+          <p:spPr bwMode="auto">
+            <a:xfrm>
+              <a:off x="1216528" y="4418912"/>
+              <a:ext cx="1441085" cy="1059621"/>
+            </a:xfrm>
+            <a:prstGeom prst="rect">
+              <a:avLst/>
+            </a:prstGeom>
+            <a:noFill/>
+            <a:extLst>
+              <a:ext uri="{909E8E84-426E-40DD-AFC4-6F175D3DCCD1}">
+                <a14:hiddenFill xmlns:a14="http://schemas.microsoft.com/office/drawing/2010/main">
+                  <a:solidFill>
+                    <a:srgbClr val="FFFFFF"/>
+                  </a:solidFill>
+                </a14:hiddenFill>
+              </a:ext>
+            </a:extLst>
+          </p:spPr>
+        </p:pic>
+      </p:grpSp>
+      <p:cxnSp>
+        <p:nvCxnSpPr>
+          <p:cNvPr id="105" name="Elbow Connector 104">
+            <a:extLst>
+              <a:ext uri="{FF2B5EF4-FFF2-40B4-BE49-F238E27FC236}">
+                <a16:creationId xmlns:a16="http://schemas.microsoft.com/office/drawing/2014/main" id="{B0DEF531-1463-9FDF-2ECD-7BEC0351F960}"/>
+              </a:ext>
+            </a:extLst>
+          </p:cNvPr>
+          <p:cNvCxnSpPr>
+            <a:cxnSpLocks/>
+            <a:stCxn id="83" idx="3"/>
+            <a:endCxn id="90" idx="1"/>
+          </p:cNvCxnSpPr>
+          <p:nvPr/>
+        </p:nvCxnSpPr>
+        <p:spPr>
+          <a:xfrm flipV="1">
+            <a:off x="3204957" y="1110103"/>
+            <a:ext cx="302890" cy="1"/>
+          </a:xfrm>
+          <a:prstGeom prst="bentConnector3">
+            <a:avLst/>
+          </a:prstGeom>
+          <a:ln w="38100">
+            <a:solidFill>
+              <a:schemeClr val="tx1"/>
+            </a:solidFill>
+            <a:tailEnd type="triangle"/>
+          </a:ln>
+        </p:spPr>
+        <p:style>
+          <a:lnRef idx="2">
+            <a:schemeClr val="accent1"/>
+          </a:lnRef>
+          <a:fillRef idx="0">
+            <a:schemeClr val="accent1"/>
+          </a:fillRef>
+          <a:effectRef idx="1">
+            <a:schemeClr val="accent1"/>
+          </a:effectRef>
+          <a:fontRef idx="minor">
+            <a:schemeClr val="tx1"/>
+          </a:fontRef>
+        </p:style>
+      </p:cxnSp>
+      <p:cxnSp>
+        <p:nvCxnSpPr>
+          <p:cNvPr id="106" name="Elbow Connector 105">
+            <a:extLst>
+              <a:ext uri="{FF2B5EF4-FFF2-40B4-BE49-F238E27FC236}">
+                <a16:creationId xmlns:a16="http://schemas.microsoft.com/office/drawing/2014/main" id="{DDE60987-4F33-4F28-F277-4694AB8319E6}"/>
+              </a:ext>
+            </a:extLst>
+          </p:cNvPr>
+          <p:cNvCxnSpPr>
+            <a:cxnSpLocks/>
+            <a:endCxn id="57" idx="3"/>
+          </p:cNvCxnSpPr>
+          <p:nvPr/>
+        </p:nvCxnSpPr>
+        <p:spPr>
+          <a:xfrm rot="5400000">
+            <a:off x="3848413" y="1671781"/>
+            <a:ext cx="1024592" cy="707331"/>
+          </a:xfrm>
+          <a:prstGeom prst="bentConnector2">
+            <a:avLst/>
+          </a:prstGeom>
+          <a:ln w="38100">
+            <a:solidFill>
+              <a:schemeClr val="tx1"/>
+            </a:solidFill>
+            <a:tailEnd type="triangle"/>
+          </a:ln>
+        </p:spPr>
+        <p:style>
+          <a:lnRef idx="2">
+            <a:schemeClr val="accent1"/>
+          </a:lnRef>
+          <a:fillRef idx="0">
+            <a:schemeClr val="accent1"/>
+          </a:fillRef>
+          <a:effectRef idx="1">
+            <a:schemeClr val="accent1"/>
+          </a:effectRef>
+          <a:fontRef idx="minor">
+            <a:schemeClr val="tx1"/>
+          </a:fontRef>
+        </p:style>
+      </p:cxnSp>
+      <p:cxnSp>
+        <p:nvCxnSpPr>
+          <p:cNvPr id="113" name="Elbow Connector 112">
+            <a:extLst>
+              <a:ext uri="{FF2B5EF4-FFF2-40B4-BE49-F238E27FC236}">
+                <a16:creationId xmlns:a16="http://schemas.microsoft.com/office/drawing/2014/main" id="{8666E3E5-8705-059C-FD4D-82F1425C8601}"/>
+              </a:ext>
+            </a:extLst>
+          </p:cNvPr>
+          <p:cNvCxnSpPr>
+            <a:cxnSpLocks/>
+            <a:endCxn id="72" idx="1"/>
+          </p:cNvCxnSpPr>
+          <p:nvPr/>
+        </p:nvCxnSpPr>
+        <p:spPr>
+          <a:xfrm rot="16200000" flipH="1">
+            <a:off x="1457289" y="1768374"/>
+            <a:ext cx="1038859" cy="528412"/>
+          </a:xfrm>
+          <a:prstGeom prst="bentConnector2">
+            <a:avLst/>
+          </a:prstGeom>
+          <a:ln w="38100">
+            <a:solidFill>
+              <a:schemeClr val="tx1"/>
+            </a:solidFill>
+            <a:tailEnd type="triangle"/>
+          </a:ln>
+        </p:spPr>
+        <p:style>
+          <a:lnRef idx="2">
+            <a:schemeClr val="accent1"/>
+          </a:lnRef>
+          <a:fillRef idx="0">
+            <a:schemeClr val="accent1"/>
+          </a:fillRef>
+          <a:effectRef idx="1">
+            <a:schemeClr val="accent1"/>
+          </a:effectRef>
+          <a:fontRef idx="minor">
+            <a:schemeClr val="tx1"/>
+          </a:fontRef>
+        </p:style>
+      </p:cxnSp>
+      <p:sp>
+        <p:nvSpPr>
+          <p:cNvPr id="118" name="Bent Arrow 117">
+            <a:extLst>
+              <a:ext uri="{FF2B5EF4-FFF2-40B4-BE49-F238E27FC236}">
+                <a16:creationId xmlns:a16="http://schemas.microsoft.com/office/drawing/2014/main" id="{F42762D6-6FA2-6BFB-C650-5732518E07E9}"/>
+              </a:ext>
+            </a:extLst>
+          </p:cNvPr>
+          <p:cNvSpPr/>
+          <p:nvPr/>
+        </p:nvSpPr>
+        <p:spPr>
+          <a:xfrm rot="10800000">
+            <a:off x="2589088" y="4104555"/>
+            <a:ext cx="723822" cy="635392"/>
+          </a:xfrm>
+          <a:prstGeom prst="bentArrow">
+            <a:avLst>
+              <a:gd name="adj1" fmla="val 14536"/>
+              <a:gd name="adj2" fmla="val 16402"/>
+              <a:gd name="adj3" fmla="val 25000"/>
+              <a:gd name="adj4" fmla="val 4659"/>
+            </a:avLst>
+          </a:prstGeom>
+          <a:solidFill>
+            <a:schemeClr val="bg1">
+              <a:lumMod val="85000"/>
+            </a:schemeClr>
+          </a:solidFill>
+          <a:ln>
+            <a:solidFill>
+              <a:schemeClr val="tx1"/>
+            </a:solidFill>
+          </a:ln>
+        </p:spPr>
+        <p:style>
+          <a:lnRef idx="2">
+            <a:schemeClr val="accent1">
+              <a:shade val="15000"/>
+            </a:schemeClr>
+          </a:lnRef>
+          <a:fillRef idx="1">
+            <a:schemeClr val="accent1"/>
+          </a:fillRef>
+          <a:effectRef idx="0">
+            <a:schemeClr val="accent1"/>
+          </a:effectRef>
+          <a:fontRef idx="minor">
+            <a:schemeClr val="lt1"/>
+          </a:fontRef>
+        </p:style>
+        <p:txBody>
+          <a:bodyPr rtlCol="0" anchor="ctr"/>
+          <a:lstStyle/>
+          <a:p>
+            <a:pPr algn="ctr"/>
+            <a:endParaRPr lang="en-US">
+              <a:solidFill>
+                <a:schemeClr val="tx1"/>
+              </a:solidFill>
+            </a:endParaRPr>
+          </a:p>
+        </p:txBody>
+      </p:sp>
+      <p:sp>
+        <p:nvSpPr>
+          <p:cNvPr id="119" name="Bent Arrow 118">
+            <a:extLst>
+              <a:ext uri="{FF2B5EF4-FFF2-40B4-BE49-F238E27FC236}">
+                <a16:creationId xmlns:a16="http://schemas.microsoft.com/office/drawing/2014/main" id="{59A22DF8-5B47-ED35-F871-C69F133A02B9}"/>
+              </a:ext>
+            </a:extLst>
+          </p:cNvPr>
+          <p:cNvSpPr/>
+          <p:nvPr/>
+        </p:nvSpPr>
+        <p:spPr>
+          <a:xfrm rot="10800000" flipH="1">
+            <a:off x="3435558" y="4104558"/>
+            <a:ext cx="437799" cy="635393"/>
+          </a:xfrm>
+          <a:prstGeom prst="bentArrow">
+            <a:avLst>
+              <a:gd name="adj1" fmla="val 20983"/>
+              <a:gd name="adj2" fmla="val 25000"/>
+              <a:gd name="adj3" fmla="val 36203"/>
+              <a:gd name="adj4" fmla="val 4738"/>
+            </a:avLst>
+          </a:prstGeom>
+          <a:solidFill>
+            <a:schemeClr val="accent6">
+              <a:lumMod val="20000"/>
+              <a:lumOff val="80000"/>
+            </a:schemeClr>
+          </a:solidFill>
+        </p:spPr>
+        <p:style>
+          <a:lnRef idx="2">
+            <a:schemeClr val="accent1">
+              <a:shade val="15000"/>
+            </a:schemeClr>
+          </a:lnRef>
+          <a:fillRef idx="1">
+            <a:schemeClr val="accent1"/>
+          </a:fillRef>
+          <a:effectRef idx="0">
+            <a:schemeClr val="accent1"/>
+          </a:effectRef>
+          <a:fontRef idx="minor">
+            <a:schemeClr val="lt1"/>
+          </a:fontRef>
+        </p:style>
+        <p:txBody>
+          <a:bodyPr rtlCol="0" anchor="ctr"/>
+          <a:lstStyle/>
+          <a:p>
+            <a:pPr algn="ctr"/>
+            <a:endParaRPr lang="en-US">
+              <a:solidFill>
+                <a:schemeClr val="tx1"/>
+              </a:solidFill>
+            </a:endParaRPr>
+          </a:p>
+        </p:txBody>
+      </p:sp>
+      <p:sp>
+        <p:nvSpPr>
+          <p:cNvPr id="131" name="Down Arrow 130">
+            <a:extLst>
+              <a:ext uri="{FF2B5EF4-FFF2-40B4-BE49-F238E27FC236}">
+                <a16:creationId xmlns:a16="http://schemas.microsoft.com/office/drawing/2014/main" id="{51368F4D-4053-E598-7C36-1196F30555A2}"/>
+              </a:ext>
+            </a:extLst>
+          </p:cNvPr>
+          <p:cNvSpPr/>
+          <p:nvPr/>
+        </p:nvSpPr>
+        <p:spPr>
+          <a:xfrm>
+            <a:off x="2002827" y="2816892"/>
+            <a:ext cx="884866" cy="343490"/>
+          </a:xfrm>
+          <a:prstGeom prst="downArrow">
+            <a:avLst>
+              <a:gd name="adj1" fmla="val 30083"/>
+              <a:gd name="adj2" fmla="val 56030"/>
+            </a:avLst>
+          </a:prstGeom>
+          <a:solidFill>
+            <a:schemeClr val="tx2">
+              <a:lumMod val="25000"/>
+              <a:lumOff val="75000"/>
+            </a:schemeClr>
+          </a:solidFill>
+        </p:spPr>
+        <p:style>
+          <a:lnRef idx="2">
+            <a:schemeClr val="accent1">
+              <a:shade val="15000"/>
+            </a:schemeClr>
+          </a:lnRef>
+          <a:fillRef idx="1">
+            <a:schemeClr val="accent1"/>
+          </a:fillRef>
+          <a:effectRef idx="0">
+            <a:schemeClr val="accent1"/>
+          </a:effectRef>
+          <a:fontRef idx="minor">
+            <a:schemeClr val="lt1"/>
+          </a:fontRef>
+        </p:style>
+        <p:txBody>
+          <a:bodyPr rtlCol="0" anchor="ctr"/>
+          <a:lstStyle/>
+          <a:p>
+            <a:pPr algn="ctr"/>
+            <a:endParaRPr lang="en-US"/>
+          </a:p>
+        </p:txBody>
+      </p:sp>
+      <p:sp>
+        <p:nvSpPr>
+          <p:cNvPr id="132" name="Down Arrow 131">
+            <a:extLst>
+              <a:ext uri="{FF2B5EF4-FFF2-40B4-BE49-F238E27FC236}">
+                <a16:creationId xmlns:a16="http://schemas.microsoft.com/office/drawing/2014/main" id="{9C0B1984-E76F-E8D5-CED1-A513BBCF31D7}"/>
+              </a:ext>
+            </a:extLst>
+          </p:cNvPr>
+          <p:cNvSpPr/>
+          <p:nvPr/>
+        </p:nvSpPr>
+        <p:spPr>
+          <a:xfrm>
+            <a:off x="3509092" y="2821759"/>
+            <a:ext cx="884866" cy="332420"/>
+          </a:xfrm>
+          <a:prstGeom prst="downArrow">
+            <a:avLst>
+              <a:gd name="adj1" fmla="val 30083"/>
+              <a:gd name="adj2" fmla="val 56030"/>
+            </a:avLst>
+          </a:prstGeom>
+          <a:solidFill>
+            <a:schemeClr val="tx2">
+              <a:lumMod val="25000"/>
+              <a:lumOff val="75000"/>
+            </a:schemeClr>
+          </a:solidFill>
+        </p:spPr>
+        <p:style>
+          <a:lnRef idx="2">
+            <a:schemeClr val="accent1">
+              <a:shade val="15000"/>
+            </a:schemeClr>
+          </a:lnRef>
+          <a:fillRef idx="1">
+            <a:schemeClr val="accent1"/>
+          </a:fillRef>
+          <a:effectRef idx="0">
+            <a:schemeClr val="accent1"/>
+          </a:effectRef>
+          <a:fontRef idx="minor">
+            <a:schemeClr val="lt1"/>
+          </a:fontRef>
+        </p:style>
+        <p:txBody>
+          <a:bodyPr rtlCol="0" anchor="ctr"/>
+          <a:lstStyle/>
+          <a:p>
+            <a:pPr algn="ctr"/>
+            <a:endParaRPr lang="en-US"/>
+          </a:p>
+        </p:txBody>
+      </p:sp>
+    </p:spTree>
+    <p:extLst>
+      <p:ext uri="{BB962C8B-B14F-4D97-AF65-F5344CB8AC3E}">
+        <p14:creationId xmlns:p14="http://schemas.microsoft.com/office/powerpoint/2010/main" val="4286875819"/>
+      </p:ext>
+    </p:extLst>
+  </p:cSld>
+  <p:clrMapOvr>
+    <a:masterClrMapping/>
+  </p:clrMapOvr>
+</p:sld>
+</file>
+
 <file path=ppt/theme/theme1.xml><?xml version="1.0" encoding="utf-8"?>
 <a:theme xmlns:a="http://schemas.openxmlformats.org/drawingml/2006/main" name="Office Theme">
   <a:themeElements>

--- a/paper_elements/diagrams.pptx
+++ b/paper_elements/diagrams.pptx
@@ -5,12 +5,13 @@
     <p:sldMasterId id="2147483648" r:id="rId1"/>
   </p:sldMasterIdLst>
   <p:notesMasterIdLst>
-    <p:notesMasterId r:id="rId5"/>
+    <p:notesMasterId r:id="rId6"/>
   </p:notesMasterIdLst>
   <p:sldIdLst>
     <p:sldId id="256" r:id="rId2"/>
     <p:sldId id="257" r:id="rId3"/>
     <p:sldId id="258" r:id="rId4"/>
+    <p:sldId id="259" r:id="rId5"/>
   </p:sldIdLst>
   <p:sldSz cx="12192000" cy="6858000"/>
   <p:notesSz cx="6858000" cy="9144000"/>
@@ -199,7 +200,7 @@
           <a:p>
             <a:fld id="{B362C91A-940B-1E4F-9193-1B428BBCD413}" type="datetimeFigureOut">
               <a:rPr lang="en-US" smtClean="0"/>
-              <a:t>5/1/25</a:t>
+              <a:t>5/2/25</a:t>
             </a:fld>
             <a:endParaRPr lang="en-US"/>
           </a:p>
@@ -697,7 +698,7 @@
           <a:p>
             <a:fld id="{3D263C57-0E3A-474A-99FA-CB3F9C0F1CD7}" type="datetimeFigureOut">
               <a:rPr lang="en-US" smtClean="0"/>
-              <a:t>5/1/25</a:t>
+              <a:t>5/2/25</a:t>
             </a:fld>
             <a:endParaRPr lang="en-US"/>
           </a:p>
@@ -895,7 +896,7 @@
           <a:p>
             <a:fld id="{3D263C57-0E3A-474A-99FA-CB3F9C0F1CD7}" type="datetimeFigureOut">
               <a:rPr lang="en-US" smtClean="0"/>
-              <a:t>5/1/25</a:t>
+              <a:t>5/2/25</a:t>
             </a:fld>
             <a:endParaRPr lang="en-US"/>
           </a:p>
@@ -1103,7 +1104,7 @@
           <a:p>
             <a:fld id="{3D263C57-0E3A-474A-99FA-CB3F9C0F1CD7}" type="datetimeFigureOut">
               <a:rPr lang="en-US" smtClean="0"/>
-              <a:t>5/1/25</a:t>
+              <a:t>5/2/25</a:t>
             </a:fld>
             <a:endParaRPr lang="en-US"/>
           </a:p>
@@ -1301,7 +1302,7 @@
           <a:p>
             <a:fld id="{3D263C57-0E3A-474A-99FA-CB3F9C0F1CD7}" type="datetimeFigureOut">
               <a:rPr lang="en-US" smtClean="0"/>
-              <a:t>5/1/25</a:t>
+              <a:t>5/2/25</a:t>
             </a:fld>
             <a:endParaRPr lang="en-US"/>
           </a:p>
@@ -1576,7 +1577,7 @@
           <a:p>
             <a:fld id="{3D263C57-0E3A-474A-99FA-CB3F9C0F1CD7}" type="datetimeFigureOut">
               <a:rPr lang="en-US" smtClean="0"/>
-              <a:t>5/1/25</a:t>
+              <a:t>5/2/25</a:t>
             </a:fld>
             <a:endParaRPr lang="en-US"/>
           </a:p>
@@ -1841,7 +1842,7 @@
           <a:p>
             <a:fld id="{3D263C57-0E3A-474A-99FA-CB3F9C0F1CD7}" type="datetimeFigureOut">
               <a:rPr lang="en-US" smtClean="0"/>
-              <a:t>5/1/25</a:t>
+              <a:t>5/2/25</a:t>
             </a:fld>
             <a:endParaRPr lang="en-US"/>
           </a:p>
@@ -2253,7 +2254,7 @@
           <a:p>
             <a:fld id="{3D263C57-0E3A-474A-99FA-CB3F9C0F1CD7}" type="datetimeFigureOut">
               <a:rPr lang="en-US" smtClean="0"/>
-              <a:t>5/1/25</a:t>
+              <a:t>5/2/25</a:t>
             </a:fld>
             <a:endParaRPr lang="en-US"/>
           </a:p>
@@ -2394,7 +2395,7 @@
           <a:p>
             <a:fld id="{3D263C57-0E3A-474A-99FA-CB3F9C0F1CD7}" type="datetimeFigureOut">
               <a:rPr lang="en-US" smtClean="0"/>
-              <a:t>5/1/25</a:t>
+              <a:t>5/2/25</a:t>
             </a:fld>
             <a:endParaRPr lang="en-US"/>
           </a:p>
@@ -2507,7 +2508,7 @@
           <a:p>
             <a:fld id="{3D263C57-0E3A-474A-99FA-CB3F9C0F1CD7}" type="datetimeFigureOut">
               <a:rPr lang="en-US" smtClean="0"/>
-              <a:t>5/1/25</a:t>
+              <a:t>5/2/25</a:t>
             </a:fld>
             <a:endParaRPr lang="en-US"/>
           </a:p>
@@ -2818,7 +2819,7 @@
           <a:p>
             <a:fld id="{3D263C57-0E3A-474A-99FA-CB3F9C0F1CD7}" type="datetimeFigureOut">
               <a:rPr lang="en-US" smtClean="0"/>
-              <a:t>5/1/25</a:t>
+              <a:t>5/2/25</a:t>
             </a:fld>
             <a:endParaRPr lang="en-US"/>
           </a:p>
@@ -3106,7 +3107,7 @@
           <a:p>
             <a:fld id="{3D263C57-0E3A-474A-99FA-CB3F9C0F1CD7}" type="datetimeFigureOut">
               <a:rPr lang="en-US" smtClean="0"/>
-              <a:t>5/1/25</a:t>
+              <a:t>5/2/25</a:t>
             </a:fld>
             <a:endParaRPr lang="en-US"/>
           </a:p>
@@ -3347,7 +3348,7 @@
           <a:p>
             <a:fld id="{3D263C57-0E3A-474A-99FA-CB3F9C0F1CD7}" type="datetimeFigureOut">
               <a:rPr lang="en-US" smtClean="0"/>
-              <a:t>5/1/25</a:t>
+              <a:t>5/2/25</a:t>
             </a:fld>
             <a:endParaRPr lang="en-US"/>
           </a:p>
@@ -8995,10 +8996,10 @@
       </p:grpSpPr>
       <p:grpSp>
         <p:nvGrpSpPr>
-          <p:cNvPr id="51" name="Group 50">
+          <p:cNvPr id="14" name="Group 13">
             <a:extLst>
               <a:ext uri="{FF2B5EF4-FFF2-40B4-BE49-F238E27FC236}">
-                <a16:creationId xmlns:a16="http://schemas.microsoft.com/office/drawing/2014/main" id="{D46BA243-69EE-8EE9-9AC5-01548611AE12}"/>
+                <a16:creationId xmlns:a16="http://schemas.microsoft.com/office/drawing/2014/main" id="{B5025CCB-3F1E-5108-C577-8925FD7ABEAB}"/>
               </a:ext>
             </a:extLst>
           </p:cNvPr>
@@ -9007,109 +9008,109 @@
         </p:nvGrpSpPr>
         <p:grpSpPr>
           <a:xfrm>
-            <a:off x="1471479" y="3205401"/>
-            <a:ext cx="1861275" cy="892674"/>
-            <a:chOff x="5917842" y="1252534"/>
-            <a:chExt cx="2801472" cy="966444"/>
+            <a:off x="1282284" y="707055"/>
+            <a:ext cx="3829641" cy="4615486"/>
+            <a:chOff x="1282284" y="707055"/>
+            <a:chExt cx="3829641" cy="4615486"/>
           </a:xfrm>
         </p:grpSpPr>
-        <p:sp>
-          <p:nvSpPr>
-            <p:cNvPr id="92" name="Rectangle 91">
+        <p:grpSp>
+          <p:nvGrpSpPr>
+            <p:cNvPr id="138" name="Group 137">
               <a:extLst>
                 <a:ext uri="{FF2B5EF4-FFF2-40B4-BE49-F238E27FC236}">
-                  <a16:creationId xmlns:a16="http://schemas.microsoft.com/office/drawing/2014/main" id="{5CC2913A-843E-FC72-D74C-78650AC2C8B7}"/>
+                  <a16:creationId xmlns:a16="http://schemas.microsoft.com/office/drawing/2014/main" id="{A55D222E-79E2-3EC9-95D1-561317B8E9A5}"/>
                 </a:ext>
               </a:extLst>
             </p:cNvPr>
-            <p:cNvSpPr/>
+            <p:cNvGrpSpPr/>
             <p:nvPr/>
-          </p:nvSpPr>
-          <p:spPr>
+          </p:nvGrpSpPr>
+          <p:grpSpPr>
             <a:xfrm>
-              <a:off x="5917844" y="1252534"/>
-              <a:ext cx="2801470" cy="966444"/>
+              <a:off x="1282284" y="707055"/>
+              <a:ext cx="3829641" cy="4615486"/>
+              <a:chOff x="1282284" y="707055"/>
+              <a:chExt cx="3829641" cy="4615486"/>
             </a:xfrm>
-            <a:prstGeom prst="rect">
-              <a:avLst/>
-            </a:prstGeom>
-            <a:solidFill>
-              <a:schemeClr val="bg1">
-                <a:lumMod val="85000"/>
-              </a:schemeClr>
-            </a:solidFill>
-          </p:spPr>
-          <p:style>
-            <a:lnRef idx="2">
-              <a:schemeClr val="accent1">
-                <a:shade val="15000"/>
-              </a:schemeClr>
-            </a:lnRef>
-            <a:fillRef idx="1">
-              <a:schemeClr val="accent1"/>
-            </a:fillRef>
-            <a:effectRef idx="0">
-              <a:schemeClr val="accent1"/>
-            </a:effectRef>
-            <a:fontRef idx="minor">
-              <a:schemeClr val="lt1"/>
-            </a:fontRef>
-          </p:style>
-          <p:txBody>
-            <a:bodyPr rtlCol="0" anchor="ctr"/>
-            <a:lstStyle/>
-            <a:p>
-              <a:pPr algn="ctr"/>
-              <a:endParaRPr lang="en-US" sz="1600"/>
-            </a:p>
-          </p:txBody>
-        </p:sp>
-        <p:sp>
-          <p:nvSpPr>
-            <p:cNvPr id="93" name="TextBox 92">
-              <a:extLst>
-                <a:ext uri="{FF2B5EF4-FFF2-40B4-BE49-F238E27FC236}">
-                  <a16:creationId xmlns:a16="http://schemas.microsoft.com/office/drawing/2014/main" id="{23934092-417A-E2A3-282D-83CF0521D968}"/>
-                </a:ext>
-              </a:extLst>
-            </p:cNvPr>
-            <p:cNvSpPr txBox="1"/>
-            <p:nvPr/>
-          </p:nvSpPr>
-          <p:spPr>
-            <a:xfrm>
-              <a:off x="5980661" y="1265858"/>
-              <a:ext cx="2714522" cy="366532"/>
-            </a:xfrm>
-            <a:prstGeom prst="rect">
-              <a:avLst/>
-            </a:prstGeom>
-            <a:noFill/>
-          </p:spPr>
-          <p:txBody>
-            <a:bodyPr wrap="square" rtlCol="0">
-              <a:spAutoFit/>
-            </a:bodyPr>
-            <a:lstStyle/>
-            <a:p>
-              <a:pPr algn="ctr"/>
-              <a:r>
-                <a:rPr lang="en-US" sz="1600" dirty="0">
-                  <a:latin typeface="Helvetica" pitchFamily="2" charset="0"/>
-                </a:rPr>
-                <a:t>0-shot baselines</a:t>
-              </a:r>
-            </a:p>
-          </p:txBody>
-        </p:sp>
-        <mc:AlternateContent xmlns:mc="http://schemas.openxmlformats.org/markup-compatibility/2006">
-          <mc:Choice xmlns:a14="http://schemas.microsoft.com/office/drawing/2010/main" Requires="a14">
+          </p:grpSpPr>
+          <p:grpSp>
+            <p:nvGrpSpPr>
+              <p:cNvPr id="51" name="Group 50">
+                <a:extLst>
+                  <a:ext uri="{FF2B5EF4-FFF2-40B4-BE49-F238E27FC236}">
+                    <a16:creationId xmlns:a16="http://schemas.microsoft.com/office/drawing/2014/main" id="{D46BA243-69EE-8EE9-9AC5-01548611AE12}"/>
+                  </a:ext>
+                </a:extLst>
+              </p:cNvPr>
+              <p:cNvGrpSpPr/>
+              <p:nvPr/>
+            </p:nvGrpSpPr>
+            <p:grpSpPr>
+              <a:xfrm>
+                <a:off x="1380699" y="3205401"/>
+                <a:ext cx="1803593" cy="901589"/>
+                <a:chOff x="5781206" y="1252534"/>
+                <a:chExt cx="2714653" cy="976096"/>
+              </a:xfrm>
+            </p:grpSpPr>
             <p:sp>
               <p:nvSpPr>
-                <p:cNvPr id="94" name="TextBox 93">
+                <p:cNvPr id="92" name="Rectangle 91">
                   <a:extLst>
                     <a:ext uri="{FF2B5EF4-FFF2-40B4-BE49-F238E27FC236}">
-                      <a16:creationId xmlns:a16="http://schemas.microsoft.com/office/drawing/2014/main" id="{399272A2-8C7D-C87A-6BBA-042DBE56697A}"/>
+                      <a16:creationId xmlns:a16="http://schemas.microsoft.com/office/drawing/2014/main" id="{5CC2913A-843E-FC72-D74C-78650AC2C8B7}"/>
+                    </a:ext>
+                  </a:extLst>
+                </p:cNvPr>
+                <p:cNvSpPr/>
+                <p:nvPr/>
+              </p:nvSpPr>
+              <p:spPr>
+                <a:xfrm>
+                  <a:off x="5917844" y="1252534"/>
+                  <a:ext cx="2565045" cy="966444"/>
+                </a:xfrm>
+                <a:prstGeom prst="rect">
+                  <a:avLst/>
+                </a:prstGeom>
+                <a:solidFill>
+                  <a:schemeClr val="bg1">
+                    <a:lumMod val="85000"/>
+                  </a:schemeClr>
+                </a:solidFill>
+              </p:spPr>
+              <p:style>
+                <a:lnRef idx="2">
+                  <a:schemeClr val="accent1">
+                    <a:shade val="15000"/>
+                  </a:schemeClr>
+                </a:lnRef>
+                <a:fillRef idx="1">
+                  <a:schemeClr val="accent1"/>
+                </a:fillRef>
+                <a:effectRef idx="0">
+                  <a:schemeClr val="accent1"/>
+                </a:effectRef>
+                <a:fontRef idx="minor">
+                  <a:schemeClr val="lt1"/>
+                </a:fontRef>
+              </p:style>
+              <p:txBody>
+                <a:bodyPr rtlCol="0" anchor="ctr"/>
+                <a:lstStyle/>
+                <a:p>
+                  <a:pPr algn="ctr"/>
+                  <a:endParaRPr lang="en-US" sz="1600"/>
+                </a:p>
+              </p:txBody>
+            </p:sp>
+            <p:sp>
+              <p:nvSpPr>
+                <p:cNvPr id="93" name="TextBox 92">
+                  <a:extLst>
+                    <a:ext uri="{FF2B5EF4-FFF2-40B4-BE49-F238E27FC236}">
+                      <a16:creationId xmlns:a16="http://schemas.microsoft.com/office/drawing/2014/main" id="{23934092-417A-E2A3-282D-83CF0521D968}"/>
                     </a:ext>
                   </a:extLst>
                 </p:cNvPr>
@@ -9118,693 +9119,8 @@
               </p:nvSpPr>
               <p:spPr>
                 <a:xfrm>
-                  <a:off x="6047717" y="1643516"/>
-                  <a:ext cx="2671597" cy="566458"/>
-                </a:xfrm>
-                <a:prstGeom prst="rect">
-                  <a:avLst/>
-                </a:prstGeom>
-                <a:noFill/>
-              </p:spPr>
-              <p:txBody>
-                <a:bodyPr wrap="square" rtlCol="0">
-                  <a:spAutoFit/>
-                </a:bodyPr>
-                <a:lstStyle/>
-                <a:p>
-                  <a:pPr algn="ctr"/>
-                  <a14:m>
-                    <m:oMath xmlns:m="http://schemas.openxmlformats.org/officeDocument/2006/math">
-                      <m:func>
-                        <m:funcPr>
-                          <m:ctrlPr>
-                            <a:rPr lang="en-US" sz="1400" i="1" smtClean="0">
-                              <a:latin typeface="Cambria Math" panose="02040503050406030204" pitchFamily="18" charset="0"/>
-                            </a:rPr>
-                          </m:ctrlPr>
-                        </m:funcPr>
-                        <m:fName>
-                          <m:r>
-                            <m:rPr>
-                              <m:sty m:val="p"/>
-                            </m:rPr>
-                            <a:rPr lang="en-US" sz="1400" i="0" smtClean="0">
-                              <a:latin typeface="Cambria Math" panose="02040503050406030204" pitchFamily="18" charset="0"/>
-                            </a:rPr>
-                            <m:t>log</m:t>
-                          </m:r>
-                        </m:fName>
-                        <m:e>
-                          <m:r>
-                            <a:rPr lang="en-US" sz="1400" b="0" i="1" smtClean="0">
-                              <a:latin typeface="Cambria Math" panose="02040503050406030204" pitchFamily="18" charset="0"/>
-                            </a:rPr>
-                            <m:t>𝑝</m:t>
-                          </m:r>
-                        </m:e>
-                      </m:func>
-                      <m:d>
-                        <m:dPr>
-                          <m:ctrlPr>
-                            <a:rPr lang="en-US" sz="1400" i="1" smtClean="0">
-                              <a:latin typeface="Cambria Math" panose="02040503050406030204" pitchFamily="18" charset="0"/>
-                            </a:rPr>
-                          </m:ctrlPr>
-                        </m:dPr>
-                        <m:e>
-                          <m:r>
-                            <a:rPr lang="en-US" sz="1400" b="1" i="1" smtClean="0">
-                              <a:latin typeface="Cambria Math" panose="02040503050406030204" pitchFamily="18" charset="0"/>
-                            </a:rPr>
-                            <m:t>𝒙</m:t>
-                          </m:r>
-                        </m:e>
-                      </m:d>
-                      <m:r>
-                        <a:rPr lang="en-US" sz="1400" b="0" i="0" smtClean="0">
-                          <a:latin typeface="Cambria Math" panose="02040503050406030204" pitchFamily="18" charset="0"/>
-                        </a:rPr>
-                        <m:t>, </m:t>
-                      </m:r>
-                    </m:oMath>
-                  </a14:m>
-                  <a:r>
-                    <a:rPr lang="en-US" sz="1400" dirty="0">
-                      <a:latin typeface="Helvetica" pitchFamily="2" charset="0"/>
-                    </a:rPr>
-                    <a:t>Rank, </a:t>
-                  </a:r>
-                  <a:r>
-                    <a:rPr lang="en-US" sz="1400" dirty="0" err="1">
-                      <a:latin typeface="Helvetica" pitchFamily="2" charset="0"/>
-                    </a:rPr>
-                    <a:t>LogRank</a:t>
-                  </a:r>
-                  <a:r>
-                    <a:rPr lang="en-US" sz="1400" dirty="0">
-                      <a:latin typeface="Helvetica" pitchFamily="2" charset="0"/>
-                    </a:rPr>
-                    <a:t>, Entropy</a:t>
-                  </a:r>
-                </a:p>
-              </p:txBody>
-            </p:sp>
-          </mc:Choice>
-          <mc:Fallback>
-            <p:sp>
-              <p:nvSpPr>
-                <p:cNvPr id="94" name="TextBox 93">
-                  <a:extLst>
-                    <a:ext uri="{FF2B5EF4-FFF2-40B4-BE49-F238E27FC236}">
-                      <a16:creationId xmlns:a16="http://schemas.microsoft.com/office/drawing/2014/main" id="{399272A2-8C7D-C87A-6BBA-042DBE56697A}"/>
-                    </a:ext>
-                  </a:extLst>
-                </p:cNvPr>
-                <p:cNvSpPr txBox="1">
-                  <a:spLocks noRot="1" noChangeAspect="1" noMove="1" noResize="1" noEditPoints="1" noAdjustHandles="1" noChangeArrowheads="1" noChangeShapeType="1" noTextEdit="1"/>
-                </p:cNvSpPr>
-                <p:nvPr/>
-              </p:nvSpPr>
-              <p:spPr>
-                <a:xfrm>
-                  <a:off x="6047717" y="1643516"/>
-                  <a:ext cx="2671597" cy="566458"/>
-                </a:xfrm>
-                <a:prstGeom prst="rect">
-                  <a:avLst/>
-                </a:prstGeom>
-                <a:blipFill>
-                  <a:blip r:embed="rId2"/>
-                  <a:stretch>
-                    <a:fillRect t="-2326" b="-11628"/>
-                  </a:stretch>
-                </a:blipFill>
-              </p:spPr>
-              <p:txBody>
-                <a:bodyPr/>
-                <a:lstStyle/>
-                <a:p>
-                  <a:r>
-                    <a:rPr lang="en-US">
-                      <a:noFill/>
-                    </a:rPr>
-                    <a:t> </a:t>
-                  </a:r>
-                </a:p>
-              </p:txBody>
-            </p:sp>
-          </mc:Fallback>
-        </mc:AlternateContent>
-        <p:cxnSp>
-          <p:nvCxnSpPr>
-            <p:cNvPr id="95" name="Straight Connector 94">
-              <a:extLst>
-                <a:ext uri="{FF2B5EF4-FFF2-40B4-BE49-F238E27FC236}">
-                  <a16:creationId xmlns:a16="http://schemas.microsoft.com/office/drawing/2014/main" id="{AA044DE4-4FAA-B63A-6B8A-BEFB9455D74C}"/>
-                </a:ext>
-              </a:extLst>
-            </p:cNvPr>
-            <p:cNvCxnSpPr>
-              <a:cxnSpLocks/>
-            </p:cNvCxnSpPr>
-            <p:nvPr/>
-          </p:nvCxnSpPr>
-          <p:spPr>
-            <a:xfrm flipV="1">
-              <a:off x="5917842" y="1624410"/>
-              <a:ext cx="2801471" cy="10104"/>
-            </a:xfrm>
-            <a:prstGeom prst="line">
-              <a:avLst/>
-            </a:prstGeom>
-            <a:ln>
-              <a:solidFill>
-                <a:schemeClr val="tx1">
-                  <a:lumMod val="65000"/>
-                  <a:lumOff val="35000"/>
-                </a:schemeClr>
-              </a:solidFill>
-            </a:ln>
-          </p:spPr>
-          <p:style>
-            <a:lnRef idx="2">
-              <a:schemeClr val="accent3"/>
-            </a:lnRef>
-            <a:fillRef idx="0">
-              <a:schemeClr val="accent3"/>
-            </a:fillRef>
-            <a:effectRef idx="1">
-              <a:schemeClr val="accent3"/>
-            </a:effectRef>
-            <a:fontRef idx="minor">
-              <a:schemeClr val="tx1"/>
-            </a:fontRef>
-          </p:style>
-        </p:cxnSp>
-      </p:grpSp>
-      <mc:AlternateContent xmlns:mc="http://schemas.openxmlformats.org/markup-compatibility/2006">
-        <mc:Choice xmlns:a14="http://schemas.microsoft.com/office/drawing/2010/main" Requires="a14">
-          <p:sp>
-            <p:nvSpPr>
-              <p:cNvPr id="90" name="Rectangle 89">
-                <a:extLst>
-                  <a:ext uri="{FF2B5EF4-FFF2-40B4-BE49-F238E27FC236}">
-                    <a16:creationId xmlns:a16="http://schemas.microsoft.com/office/drawing/2014/main" id="{7C5A07E3-FC9E-1A5A-5BFA-F9D596F28C6B}"/>
-                  </a:ext>
-                </a:extLst>
-              </p:cNvPr>
-              <p:cNvSpPr/>
-              <p:nvPr/>
-            </p:nvSpPr>
-            <p:spPr>
-              <a:xfrm>
-                <a:off x="3507847" y="707055"/>
-                <a:ext cx="1399227" cy="806096"/>
-              </a:xfrm>
-              <a:prstGeom prst="rect">
-                <a:avLst/>
-              </a:prstGeom>
-              <a:solidFill>
-                <a:schemeClr val="accent2">
-                  <a:lumMod val="40000"/>
-                  <a:lumOff val="60000"/>
-                </a:schemeClr>
-              </a:solidFill>
-            </p:spPr>
-            <p:style>
-              <a:lnRef idx="2">
-                <a:schemeClr val="accent1">
-                  <a:shade val="15000"/>
-                </a:schemeClr>
-              </a:lnRef>
-              <a:fillRef idx="1">
-                <a:schemeClr val="accent1"/>
-              </a:fillRef>
-              <a:effectRef idx="0">
-                <a:schemeClr val="accent1"/>
-              </a:effectRef>
-              <a:fontRef idx="minor">
-                <a:schemeClr val="lt1"/>
-              </a:fontRef>
-            </p:style>
-            <p:txBody>
-              <a:bodyPr rtlCol="0" anchor="ctr"/>
-              <a:lstStyle/>
-              <a:p>
-                <a:pPr algn="ctr"/>
-                <a:r>
-                  <a:rPr lang="en-US" sz="1600" dirty="0">
-                    <a:solidFill>
-                      <a:schemeClr val="tx1"/>
-                    </a:solidFill>
-                  </a:rPr>
-                  <a:t>Generator</a:t>
-                </a:r>
-              </a:p>
-              <a:p>
-                <a:pPr algn="ctr"/>
-                <a:r>
-                  <a:rPr lang="en-US" sz="1600" dirty="0">
-                    <a:solidFill>
-                      <a:schemeClr val="tx1"/>
-                    </a:solidFill>
-                  </a:rPr>
-                  <a:t>model </a:t>
-                </a:r>
-                <a14:m>
-                  <m:oMath xmlns:m="http://schemas.openxmlformats.org/officeDocument/2006/math">
-                    <m:sSub>
-                      <m:sSubPr>
-                        <m:ctrlPr>
-                          <a:rPr lang="en-US" sz="1600" i="1" smtClean="0">
-                            <a:solidFill>
-                              <a:schemeClr val="tx1"/>
-                            </a:solidFill>
-                            <a:latin typeface="Cambria Math" panose="02040503050406030204" pitchFamily="18" charset="0"/>
-                          </a:rPr>
-                        </m:ctrlPr>
-                      </m:sSubPr>
-                      <m:e>
-                        <m:r>
-                          <a:rPr lang="en-US" sz="1600" b="0" i="1" smtClean="0">
-                            <a:solidFill>
-                              <a:schemeClr val="tx1"/>
-                            </a:solidFill>
-                            <a:latin typeface="Cambria Math" panose="02040503050406030204" pitchFamily="18" charset="0"/>
-                          </a:rPr>
-                          <m:t>𝑃</m:t>
-                        </m:r>
-                      </m:e>
-                      <m:sub>
-                        <m:r>
-                          <a:rPr lang="el-GR" sz="1600" b="0" i="1" smtClean="0">
-                            <a:solidFill>
-                              <a:schemeClr val="tx1"/>
-                            </a:solidFill>
-                            <a:latin typeface="Cambria Math" panose="02040503050406030204" pitchFamily="18" charset="0"/>
-                          </a:rPr>
-                          <m:t>𝜃</m:t>
-                        </m:r>
-                      </m:sub>
-                    </m:sSub>
-                  </m:oMath>
-                </a14:m>
-                <a:endParaRPr lang="en-US" sz="1600" dirty="0">
-                  <a:solidFill>
-                    <a:schemeClr val="tx1"/>
-                  </a:solidFill>
-                </a:endParaRPr>
-              </a:p>
-            </p:txBody>
-          </p:sp>
-        </mc:Choice>
-        <mc:Fallback>
-          <p:sp>
-            <p:nvSpPr>
-              <p:cNvPr id="90" name="Rectangle 89">
-                <a:extLst>
-                  <a:ext uri="{FF2B5EF4-FFF2-40B4-BE49-F238E27FC236}">
-                    <a16:creationId xmlns:a16="http://schemas.microsoft.com/office/drawing/2014/main" id="{7C5A07E3-FC9E-1A5A-5BFA-F9D596F28C6B}"/>
-                  </a:ext>
-                </a:extLst>
-              </p:cNvPr>
-              <p:cNvSpPr>
-                <a:spLocks noRot="1" noChangeAspect="1" noMove="1" noResize="1" noEditPoints="1" noAdjustHandles="1" noChangeArrowheads="1" noChangeShapeType="1" noTextEdit="1"/>
-              </p:cNvSpPr>
-              <p:nvPr/>
-            </p:nvSpPr>
-            <p:spPr>
-              <a:xfrm>
-                <a:off x="3507847" y="707055"/>
-                <a:ext cx="1399227" cy="806096"/>
-              </a:xfrm>
-              <a:prstGeom prst="rect">
-                <a:avLst/>
-              </a:prstGeom>
-              <a:blipFill>
-                <a:blip r:embed="rId3"/>
-                <a:stretch>
-                  <a:fillRect/>
-                </a:stretch>
-              </a:blipFill>
-            </p:spPr>
-            <p:txBody>
-              <a:bodyPr/>
-              <a:lstStyle/>
-              <a:p>
-                <a:r>
-                  <a:rPr lang="en-US">
-                    <a:noFill/>
-                  </a:rPr>
-                  <a:t> </a:t>
-                </a:r>
-              </a:p>
-            </p:txBody>
-          </p:sp>
-        </mc:Fallback>
-      </mc:AlternateContent>
-      <mc:AlternateContent xmlns:mc="http://schemas.openxmlformats.org/markup-compatibility/2006">
-        <mc:Choice xmlns:a14="http://schemas.microsoft.com/office/drawing/2010/main" Requires="a14">
-          <p:sp>
-            <p:nvSpPr>
-              <p:cNvPr id="88" name="Rectangle 87">
-                <a:extLst>
-                  <a:ext uri="{FF2B5EF4-FFF2-40B4-BE49-F238E27FC236}">
-                    <a16:creationId xmlns:a16="http://schemas.microsoft.com/office/drawing/2014/main" id="{C4478B9C-F28E-683D-E174-060BE6B4BBE4}"/>
-                  </a:ext>
-                </a:extLst>
-              </p:cNvPr>
-              <p:cNvSpPr/>
-              <p:nvPr/>
-            </p:nvSpPr>
-            <p:spPr>
-              <a:xfrm>
-                <a:off x="3412136" y="3205402"/>
-                <a:ext cx="1560219" cy="892673"/>
-              </a:xfrm>
-              <a:prstGeom prst="rect">
-                <a:avLst/>
-              </a:prstGeom>
-              <a:solidFill>
-                <a:schemeClr val="accent6">
-                  <a:lumMod val="20000"/>
-                  <a:lumOff val="80000"/>
-                </a:schemeClr>
-              </a:solidFill>
-            </p:spPr>
-            <p:style>
-              <a:lnRef idx="2">
-                <a:schemeClr val="accent1">
-                  <a:shade val="15000"/>
-                </a:schemeClr>
-              </a:lnRef>
-              <a:fillRef idx="1">
-                <a:schemeClr val="accent1"/>
-              </a:fillRef>
-              <a:effectRef idx="0">
-                <a:schemeClr val="accent1"/>
-              </a:effectRef>
-              <a:fontRef idx="minor">
-                <a:schemeClr val="lt1"/>
-              </a:fontRef>
-            </p:style>
-            <p:txBody>
-              <a:bodyPr rtlCol="0" anchor="ctr"/>
-              <a:lstStyle/>
-              <a:p>
-                <a:pPr algn="ctr"/>
-                <a:r>
-                  <a:rPr lang="en-US" sz="1600" dirty="0">
-                    <a:solidFill>
-                      <a:schemeClr val="tx1"/>
-                    </a:solidFill>
-                    <a:latin typeface="Helvetica" pitchFamily="2" charset="0"/>
-                  </a:rPr>
-                  <a:t>DetectGPT</a:t>
-                </a:r>
-              </a:p>
-              <a:p>
-                <a:pPr algn="ctr"/>
-                <a:r>
-                  <a:rPr lang="en-US" sz="1400" dirty="0">
-                    <a:solidFill>
-                      <a:schemeClr val="tx1"/>
-                    </a:solidFill>
-                    <a:latin typeface="Helvetica" pitchFamily="2" charset="0"/>
-                  </a:rPr>
-                  <a:t>(scoring</a:t>
-                </a:r>
-              </a:p>
-              <a:p>
-                <a:pPr algn="ctr"/>
-                <a:r>
-                  <a:rPr lang="en-US" sz="1400" dirty="0">
-                    <a:solidFill>
-                      <a:schemeClr val="tx1"/>
-                    </a:solidFill>
-                    <a:latin typeface="Helvetica" pitchFamily="2" charset="0"/>
-                  </a:rPr>
-                  <a:t>model </a:t>
-                </a:r>
-                <a14:m>
-                  <m:oMath xmlns:m="http://schemas.openxmlformats.org/officeDocument/2006/math">
-                    <m:sSub>
-                      <m:sSubPr>
-                        <m:ctrlPr>
-                          <a:rPr lang="en-US" sz="1400" i="1" smtClean="0">
-                            <a:solidFill>
-                              <a:schemeClr val="tx1"/>
-                            </a:solidFill>
-                            <a:latin typeface="Cambria Math" panose="02040503050406030204" pitchFamily="18" charset="0"/>
-                          </a:rPr>
-                        </m:ctrlPr>
-                      </m:sSubPr>
-                      <m:e>
-                        <m:r>
-                          <a:rPr lang="en-US" sz="1400" b="0" i="1" smtClean="0">
-                            <a:solidFill>
-                              <a:schemeClr val="tx1"/>
-                            </a:solidFill>
-                            <a:latin typeface="Cambria Math" panose="02040503050406030204" pitchFamily="18" charset="0"/>
-                          </a:rPr>
-                          <m:t>𝑝</m:t>
-                        </m:r>
-                      </m:e>
-                      <m:sub>
-                        <m:r>
-                          <a:rPr lang="el-GR" sz="1400" b="0" i="1" smtClean="0">
-                            <a:solidFill>
-                              <a:schemeClr val="tx1"/>
-                            </a:solidFill>
-                            <a:latin typeface="Cambria Math" panose="02040503050406030204" pitchFamily="18" charset="0"/>
-                          </a:rPr>
-                          <m:t>𝜃</m:t>
-                        </m:r>
-                      </m:sub>
-                    </m:sSub>
-                  </m:oMath>
-                </a14:m>
-                <a:r>
-                  <a:rPr lang="en-US" sz="1400" dirty="0">
-                    <a:solidFill>
-                      <a:schemeClr val="tx1"/>
-                    </a:solidFill>
-                    <a:latin typeface="Helvetica" pitchFamily="2" charset="0"/>
-                  </a:rPr>
-                  <a:t>)</a:t>
-                </a:r>
-              </a:p>
-            </p:txBody>
-          </p:sp>
-        </mc:Choice>
-        <mc:Fallback>
-          <p:sp>
-            <p:nvSpPr>
-              <p:cNvPr id="88" name="Rectangle 87">
-                <a:extLst>
-                  <a:ext uri="{FF2B5EF4-FFF2-40B4-BE49-F238E27FC236}">
-                    <a16:creationId xmlns:a16="http://schemas.microsoft.com/office/drawing/2014/main" id="{C4478B9C-F28E-683D-E174-060BE6B4BBE4}"/>
-                  </a:ext>
-                </a:extLst>
-              </p:cNvPr>
-              <p:cNvSpPr>
-                <a:spLocks noRot="1" noChangeAspect="1" noMove="1" noResize="1" noEditPoints="1" noAdjustHandles="1" noChangeArrowheads="1" noChangeShapeType="1" noTextEdit="1"/>
-              </p:cNvSpPr>
-              <p:nvPr/>
-            </p:nvSpPr>
-            <p:spPr>
-              <a:xfrm>
-                <a:off x="3412136" y="3205402"/>
-                <a:ext cx="1560219" cy="892673"/>
-              </a:xfrm>
-              <a:prstGeom prst="rect">
-                <a:avLst/>
-              </a:prstGeom>
-              <a:blipFill>
-                <a:blip r:embed="rId4"/>
-                <a:stretch>
-                  <a:fillRect/>
-                </a:stretch>
-              </a:blipFill>
-            </p:spPr>
-            <p:txBody>
-              <a:bodyPr/>
-              <a:lstStyle/>
-              <a:p>
-                <a:r>
-                  <a:rPr lang="en-US">
-                    <a:noFill/>
-                  </a:rPr>
-                  <a:t> </a:t>
-                </a:r>
-              </a:p>
-            </p:txBody>
-          </p:sp>
-        </mc:Fallback>
-      </mc:AlternateContent>
-      <p:grpSp>
-        <p:nvGrpSpPr>
-          <p:cNvPr id="80" name="Group 79">
-            <a:extLst>
-              <a:ext uri="{FF2B5EF4-FFF2-40B4-BE49-F238E27FC236}">
-                <a16:creationId xmlns:a16="http://schemas.microsoft.com/office/drawing/2014/main" id="{42B0EF23-D7A2-F2E6-2A38-69886470652D}"/>
-              </a:ext>
-            </a:extLst>
-          </p:cNvPr>
-          <p:cNvGrpSpPr/>
-          <p:nvPr/>
-        </p:nvGrpSpPr>
-        <p:grpSpPr>
-          <a:xfrm>
-            <a:off x="1512239" y="707055"/>
-            <a:ext cx="1692718" cy="806097"/>
-            <a:chOff x="1889062" y="1941767"/>
-            <a:chExt cx="2195856" cy="761953"/>
-          </a:xfrm>
-        </p:grpSpPr>
-        <p:sp>
-          <p:nvSpPr>
-            <p:cNvPr id="83" name="Rectangle 82">
-              <a:extLst>
-                <a:ext uri="{FF2B5EF4-FFF2-40B4-BE49-F238E27FC236}">
-                  <a16:creationId xmlns:a16="http://schemas.microsoft.com/office/drawing/2014/main" id="{1453FE3A-5CE9-3E83-EC6A-57165806F844}"/>
-                </a:ext>
-              </a:extLst>
-            </p:cNvPr>
-            <p:cNvSpPr/>
-            <p:nvPr/>
-          </p:nvSpPr>
-          <p:spPr>
-            <a:xfrm>
-              <a:off x="1889070" y="1941767"/>
-              <a:ext cx="2195848" cy="761953"/>
-            </a:xfrm>
-            <a:prstGeom prst="rect">
-              <a:avLst/>
-            </a:prstGeom>
-            <a:solidFill>
-              <a:schemeClr val="tx2">
-                <a:lumMod val="25000"/>
-                <a:lumOff val="75000"/>
-              </a:schemeClr>
-            </a:solidFill>
-          </p:spPr>
-          <p:style>
-            <a:lnRef idx="2">
-              <a:schemeClr val="accent1">
-                <a:shade val="15000"/>
-              </a:schemeClr>
-            </a:lnRef>
-            <a:fillRef idx="1">
-              <a:schemeClr val="accent1"/>
-            </a:fillRef>
-            <a:effectRef idx="0">
-              <a:schemeClr val="accent1"/>
-            </a:effectRef>
-            <a:fontRef idx="minor">
-              <a:schemeClr val="lt1"/>
-            </a:fontRef>
-          </p:style>
-          <p:txBody>
-            <a:bodyPr rtlCol="0" anchor="ctr"/>
-            <a:lstStyle/>
-            <a:p>
-              <a:pPr algn="ctr"/>
-              <a:endParaRPr lang="en-US"/>
-            </a:p>
-          </p:txBody>
-        </p:sp>
-        <p:sp>
-          <p:nvSpPr>
-            <p:cNvPr id="84" name="TextBox 83">
-              <a:extLst>
-                <a:ext uri="{FF2B5EF4-FFF2-40B4-BE49-F238E27FC236}">
-                  <a16:creationId xmlns:a16="http://schemas.microsoft.com/office/drawing/2014/main" id="{87B656DD-E4DB-6528-14CF-0D132C646592}"/>
-                </a:ext>
-              </a:extLst>
-            </p:cNvPr>
-            <p:cNvSpPr txBox="1"/>
-            <p:nvPr/>
-          </p:nvSpPr>
-          <p:spPr>
-            <a:xfrm>
-              <a:off x="3519153" y="1960808"/>
-              <a:ext cx="65" cy="276999"/>
-            </a:xfrm>
-            <a:prstGeom prst="rect">
-              <a:avLst/>
-            </a:prstGeom>
-            <a:noFill/>
-          </p:spPr>
-          <p:txBody>
-            <a:bodyPr wrap="none" lIns="0" tIns="0" rIns="0" bIns="0" rtlCol="0">
-              <a:spAutoFit/>
-            </a:bodyPr>
-            <a:lstStyle/>
-            <a:p>
-              <a:endParaRPr lang="en-US" dirty="0"/>
-            </a:p>
-          </p:txBody>
-        </p:sp>
-        <p:sp>
-          <p:nvSpPr>
-            <p:cNvPr id="85" name="TextBox 84">
-              <a:extLst>
-                <a:ext uri="{FF2B5EF4-FFF2-40B4-BE49-F238E27FC236}">
-                  <a16:creationId xmlns:a16="http://schemas.microsoft.com/office/drawing/2014/main" id="{EEE68ED4-4252-50E9-BFA4-F38FD96DFD31}"/>
-                </a:ext>
-              </a:extLst>
-            </p:cNvPr>
-            <p:cNvSpPr txBox="1"/>
-            <p:nvPr/>
-          </p:nvSpPr>
-          <p:spPr>
-            <a:xfrm>
-              <a:off x="1913638" y="1943419"/>
-              <a:ext cx="2146694" cy="320014"/>
-            </a:xfrm>
-            <a:prstGeom prst="rect">
-              <a:avLst/>
-            </a:prstGeom>
-            <a:noFill/>
-          </p:spPr>
-          <p:txBody>
-            <a:bodyPr wrap="square" rtlCol="0">
-              <a:spAutoFit/>
-            </a:bodyPr>
-            <a:lstStyle/>
-            <a:p>
-              <a:pPr algn="ctr"/>
-              <a:r>
-                <a:rPr lang="en-US" sz="1600" dirty="0">
-                  <a:latin typeface="Helvetica" pitchFamily="2" charset="0"/>
-                </a:rPr>
-                <a:t>Corpus</a:t>
-              </a:r>
-              <a:endParaRPr lang="en-US" dirty="0">
-                <a:latin typeface="Helvetica" pitchFamily="2" charset="0"/>
-              </a:endParaRPr>
-            </a:p>
-          </p:txBody>
-        </p:sp>
-        <mc:AlternateContent xmlns:mc="http://schemas.openxmlformats.org/markup-compatibility/2006">
-          <mc:Choice xmlns:a14="http://schemas.microsoft.com/office/drawing/2010/main" Requires="a14">
-            <p:sp>
-              <p:nvSpPr>
-                <p:cNvPr id="86" name="TextBox 85">
-                  <a:extLst>
-                    <a:ext uri="{FF2B5EF4-FFF2-40B4-BE49-F238E27FC236}">
-                      <a16:creationId xmlns:a16="http://schemas.microsoft.com/office/drawing/2014/main" id="{2FA44ED9-8607-C8C0-F299-77CBD1F1A542}"/>
-                    </a:ext>
-                  </a:extLst>
-                </p:cNvPr>
-                <p:cNvSpPr txBox="1"/>
-                <p:nvPr/>
-              </p:nvSpPr>
-              <p:spPr>
-                <a:xfrm>
-                  <a:off x="1889062" y="2342914"/>
-                  <a:ext cx="2195848" cy="299347"/>
+                  <a:off x="5960898" y="1285990"/>
+                  <a:ext cx="2534961" cy="366532"/>
                 </a:xfrm>
                 <a:prstGeom prst="rect">
                   <a:avLst/>
@@ -9819,191 +9135,560 @@
                 <a:p>
                   <a:pPr algn="ctr"/>
                   <a:r>
-                    <a:rPr lang="en-US" sz="1400" dirty="0">
+                    <a:rPr lang="en-US" sz="1600" dirty="0">
                       <a:latin typeface="Helvetica" pitchFamily="2" charset="0"/>
                     </a:rPr>
-                    <a:t>human-written</a:t>
-                  </a:r>
-                  <a:r>
-                    <a:rPr lang="en-US" sz="1400" dirty="0"/>
-                    <a:t> </a:t>
-                  </a:r>
-                  <a14:m>
-                    <m:oMath xmlns:m="http://schemas.openxmlformats.org/officeDocument/2006/math">
-                      <m:sSup>
-                        <m:sSupPr>
-                          <m:ctrlPr>
-                            <a:rPr lang="en-US" sz="1400" i="1" smtClean="0">
-                              <a:latin typeface="Cambria Math" panose="02040503050406030204" pitchFamily="18" charset="0"/>
-                            </a:rPr>
-                          </m:ctrlPr>
-                        </m:sSupPr>
-                        <m:e>
-                          <m:r>
-                            <a:rPr lang="en-US" sz="1400" b="1" i="1" smtClean="0">
-                              <a:latin typeface="Cambria Math" panose="02040503050406030204" pitchFamily="18" charset="0"/>
-                            </a:rPr>
-                            <m:t>𝒙</m:t>
-                          </m:r>
-                        </m:e>
-                        <m:sup>
-                          <m:r>
-                            <a:rPr lang="en-US" sz="1400" b="0" i="1" smtClean="0">
-                              <a:latin typeface="Cambria Math" panose="02040503050406030204" pitchFamily="18" charset="0"/>
-                            </a:rPr>
-                            <m:t>(</m:t>
-                          </m:r>
-                          <m:r>
-                            <a:rPr lang="en-US" sz="1400" b="0" i="1" smtClean="0">
-                              <a:latin typeface="Cambria Math" panose="02040503050406030204" pitchFamily="18" charset="0"/>
-                            </a:rPr>
-                            <m:t>𝑖</m:t>
-                          </m:r>
-                          <m:r>
-                            <a:rPr lang="en-US" sz="1400" b="0" i="1" smtClean="0">
-                              <a:latin typeface="Cambria Math" panose="02040503050406030204" pitchFamily="18" charset="0"/>
-                            </a:rPr>
-                            <m:t>)</m:t>
-                          </m:r>
-                        </m:sup>
-                      </m:sSup>
-                    </m:oMath>
-                  </a14:m>
-                  <a:endParaRPr lang="en-US" sz="1400" b="1" dirty="0"/>
-                </a:p>
-              </p:txBody>
-            </p:sp>
-          </mc:Choice>
-          <mc:Fallback>
-            <p:sp>
-              <p:nvSpPr>
-                <p:cNvPr id="86" name="TextBox 85">
-                  <a:extLst>
-                    <a:ext uri="{FF2B5EF4-FFF2-40B4-BE49-F238E27FC236}">
-                      <a16:creationId xmlns:a16="http://schemas.microsoft.com/office/drawing/2014/main" id="{2FA44ED9-8607-C8C0-F299-77CBD1F1A542}"/>
-                    </a:ext>
-                  </a:extLst>
-                </p:cNvPr>
-                <p:cNvSpPr txBox="1">
-                  <a:spLocks noRot="1" noChangeAspect="1" noMove="1" noResize="1" noEditPoints="1" noAdjustHandles="1" noChangeArrowheads="1" noChangeShapeType="1" noTextEdit="1"/>
-                </p:cNvSpPr>
-                <p:nvPr/>
-              </p:nvSpPr>
-              <p:spPr>
-                <a:xfrm>
-                  <a:off x="1889062" y="2342914"/>
-                  <a:ext cx="2195848" cy="299347"/>
-                </a:xfrm>
-                <a:prstGeom prst="rect">
-                  <a:avLst/>
-                </a:prstGeom>
-                <a:blipFill>
-                  <a:blip r:embed="rId5"/>
-                  <a:stretch>
-                    <a:fillRect b="-19231"/>
-                  </a:stretch>
-                </a:blipFill>
-              </p:spPr>
-              <p:txBody>
-                <a:bodyPr/>
-                <a:lstStyle/>
-                <a:p>
-                  <a:r>
-                    <a:rPr lang="en-US">
-                      <a:noFill/>
-                    </a:rPr>
-                    <a:t> </a:t>
+                    <a:t>0-shot baselines</a:t>
                   </a:r>
                 </a:p>
               </p:txBody>
             </p:sp>
-          </mc:Fallback>
-        </mc:AlternateContent>
-        <p:cxnSp>
-          <p:nvCxnSpPr>
-            <p:cNvPr id="87" name="Straight Connector 86">
-              <a:extLst>
-                <a:ext uri="{FF2B5EF4-FFF2-40B4-BE49-F238E27FC236}">
-                  <a16:creationId xmlns:a16="http://schemas.microsoft.com/office/drawing/2014/main" id="{8236529B-EB35-9BB7-AF35-C7603C316F31}"/>
-                </a:ext>
-              </a:extLst>
-            </p:cNvPr>
-            <p:cNvCxnSpPr>
-              <a:cxnSpLocks/>
-            </p:cNvCxnSpPr>
-            <p:nvPr/>
-          </p:nvCxnSpPr>
-          <p:spPr>
-            <a:xfrm>
-              <a:off x="1889062" y="2265085"/>
-              <a:ext cx="2195848" cy="0"/>
-            </a:xfrm>
-            <a:prstGeom prst="line">
-              <a:avLst/>
-            </a:prstGeom>
-          </p:spPr>
-          <p:style>
-            <a:lnRef idx="2">
-              <a:schemeClr val="accent1"/>
-            </a:lnRef>
-            <a:fillRef idx="0">
-              <a:schemeClr val="accent1"/>
-            </a:fillRef>
-            <a:effectRef idx="1">
-              <a:schemeClr val="accent1"/>
-            </a:effectRef>
-            <a:fontRef idx="minor">
-              <a:schemeClr val="tx1"/>
-            </a:fontRef>
-          </p:style>
-        </p:cxnSp>
-      </p:grpSp>
-      <p:grpSp>
-        <p:nvGrpSpPr>
-          <p:cNvPr id="97" name="Group 96">
-            <a:extLst>
-              <a:ext uri="{FF2B5EF4-FFF2-40B4-BE49-F238E27FC236}">
-                <a16:creationId xmlns:a16="http://schemas.microsoft.com/office/drawing/2014/main" id="{8DA4CA50-DACB-4313-205B-A02BA3567751}"/>
-              </a:ext>
-            </a:extLst>
-          </p:cNvPr>
-          <p:cNvGrpSpPr/>
-          <p:nvPr/>
-        </p:nvGrpSpPr>
-        <p:grpSpPr>
-          <a:xfrm>
-            <a:off x="2065211" y="1652290"/>
-            <a:ext cx="2279480" cy="1164602"/>
-            <a:chOff x="3175360" y="2293019"/>
-            <a:chExt cx="2621063" cy="1164602"/>
-          </a:xfrm>
-        </p:grpSpPr>
-        <p:grpSp>
-          <p:nvGrpSpPr>
-            <p:cNvPr id="56" name="Group 55">
-              <a:extLst>
-                <a:ext uri="{FF2B5EF4-FFF2-40B4-BE49-F238E27FC236}">
-                  <a16:creationId xmlns:a16="http://schemas.microsoft.com/office/drawing/2014/main" id="{43BD5599-8EFF-6CCA-A96C-1C32CFB2CC2E}"/>
-                </a:ext>
-              </a:extLst>
-            </p:cNvPr>
-            <p:cNvGrpSpPr/>
-            <p:nvPr/>
-          </p:nvGrpSpPr>
-          <p:grpSpPr>
-            <a:xfrm>
-              <a:off x="3175360" y="2293019"/>
-              <a:ext cx="2621063" cy="1164602"/>
-              <a:chOff x="3369324" y="1355625"/>
-              <a:chExt cx="2621063" cy="1464009"/>
-            </a:xfrm>
-          </p:grpSpPr>
+            <mc:AlternateContent xmlns:mc="http://schemas.openxmlformats.org/markup-compatibility/2006">
+              <mc:Choice xmlns:a14="http://schemas.microsoft.com/office/drawing/2010/main" Requires="a14">
+                <p:sp>
+                  <p:nvSpPr>
+                    <p:cNvPr id="94" name="TextBox 93">
+                      <a:extLst>
+                        <a:ext uri="{FF2B5EF4-FFF2-40B4-BE49-F238E27FC236}">
+                          <a16:creationId xmlns:a16="http://schemas.microsoft.com/office/drawing/2014/main" id="{399272A2-8C7D-C87A-6BBA-042DBE56697A}"/>
+                        </a:ext>
+                      </a:extLst>
+                    </p:cNvPr>
+                    <p:cNvSpPr txBox="1"/>
+                    <p:nvPr/>
+                  </p:nvSpPr>
+                  <p:spPr>
+                    <a:xfrm>
+                      <a:off x="5781206" y="1662173"/>
+                      <a:ext cx="2671597" cy="566457"/>
+                    </a:xfrm>
+                    <a:prstGeom prst="rect">
+                      <a:avLst/>
+                    </a:prstGeom>
+                    <a:noFill/>
+                  </p:spPr>
+                  <p:txBody>
+                    <a:bodyPr wrap="square" rtlCol="0">
+                      <a:spAutoFit/>
+                    </a:bodyPr>
+                    <a:lstStyle/>
+                    <a:p>
+                      <a:pPr algn="ctr"/>
+                      <a14:m>
+                        <m:oMath xmlns:m="http://schemas.openxmlformats.org/officeDocument/2006/math">
+                          <m:func>
+                            <m:funcPr>
+                              <m:ctrlPr>
+                                <a:rPr lang="en-US" sz="1400" i="1" smtClean="0">
+                                  <a:latin typeface="Cambria Math" panose="02040503050406030204" pitchFamily="18" charset="0"/>
+                                </a:rPr>
+                              </m:ctrlPr>
+                            </m:funcPr>
+                            <m:fName>
+                              <m:r>
+                                <m:rPr>
+                                  <m:sty m:val="p"/>
+                                </m:rPr>
+                                <a:rPr lang="en-US" sz="1400" i="0" smtClean="0">
+                                  <a:latin typeface="Cambria Math" panose="02040503050406030204" pitchFamily="18" charset="0"/>
+                                </a:rPr>
+                                <m:t>log</m:t>
+                              </m:r>
+                            </m:fName>
+                            <m:e>
+                              <m:r>
+                                <a:rPr lang="en-US" sz="1400" b="0" i="1" smtClean="0">
+                                  <a:latin typeface="Cambria Math" panose="02040503050406030204" pitchFamily="18" charset="0"/>
+                                </a:rPr>
+                                <m:t>𝑝</m:t>
+                              </m:r>
+                            </m:e>
+                          </m:func>
+                          <m:d>
+                            <m:dPr>
+                              <m:ctrlPr>
+                                <a:rPr lang="en-US" sz="1400" i="1" smtClean="0">
+                                  <a:latin typeface="Cambria Math" panose="02040503050406030204" pitchFamily="18" charset="0"/>
+                                </a:rPr>
+                              </m:ctrlPr>
+                            </m:dPr>
+                            <m:e>
+                              <m:r>
+                                <a:rPr lang="en-US" sz="1400" b="1" i="1" smtClean="0">
+                                  <a:latin typeface="Cambria Math" panose="02040503050406030204" pitchFamily="18" charset="0"/>
+                                </a:rPr>
+                                <m:t>𝒙</m:t>
+                              </m:r>
+                            </m:e>
+                          </m:d>
+                          <m:r>
+                            <a:rPr lang="en-US" sz="1400" b="0" i="0" smtClean="0">
+                              <a:latin typeface="Cambria Math" panose="02040503050406030204" pitchFamily="18" charset="0"/>
+                            </a:rPr>
+                            <m:t>, </m:t>
+                          </m:r>
+                        </m:oMath>
+                      </a14:m>
+                      <a:r>
+                        <a:rPr lang="en-US" sz="1400" dirty="0">
+                          <a:latin typeface="Helvetica" pitchFamily="2" charset="0"/>
+                        </a:rPr>
+                        <a:t>Rank, </a:t>
+                      </a:r>
+                      <a:r>
+                        <a:rPr lang="en-US" sz="1400" dirty="0" err="1">
+                          <a:latin typeface="Helvetica" pitchFamily="2" charset="0"/>
+                        </a:rPr>
+                        <a:t>LogRank</a:t>
+                      </a:r>
+                      <a:r>
+                        <a:rPr lang="en-US" sz="1400" dirty="0">
+                          <a:latin typeface="Helvetica" pitchFamily="2" charset="0"/>
+                        </a:rPr>
+                        <a:t>, Entropy</a:t>
+                      </a:r>
+                    </a:p>
+                  </p:txBody>
+                </p:sp>
+              </mc:Choice>
+              <mc:Fallback>
+                <p:sp>
+                  <p:nvSpPr>
+                    <p:cNvPr id="94" name="TextBox 93">
+                      <a:extLst>
+                        <a:ext uri="{FF2B5EF4-FFF2-40B4-BE49-F238E27FC236}">
+                          <a16:creationId xmlns:a16="http://schemas.microsoft.com/office/drawing/2014/main" id="{399272A2-8C7D-C87A-6BBA-042DBE56697A}"/>
+                        </a:ext>
+                      </a:extLst>
+                    </p:cNvPr>
+                    <p:cNvSpPr txBox="1">
+                      <a:spLocks noRot="1" noChangeAspect="1" noMove="1" noResize="1" noEditPoints="1" noAdjustHandles="1" noChangeArrowheads="1" noChangeShapeType="1" noTextEdit="1"/>
+                    </p:cNvSpPr>
+                    <p:nvPr/>
+                  </p:nvSpPr>
+                  <p:spPr>
+                    <a:xfrm>
+                      <a:off x="5781206" y="1662173"/>
+                      <a:ext cx="2671597" cy="566457"/>
+                    </a:xfrm>
+                    <a:prstGeom prst="rect">
+                      <a:avLst/>
+                    </a:prstGeom>
+                    <a:blipFill>
+                      <a:blip r:embed="rId2"/>
+                      <a:stretch>
+                        <a:fillRect t="-2381" b="-11905"/>
+                      </a:stretch>
+                    </a:blipFill>
+                  </p:spPr>
+                  <p:txBody>
+                    <a:bodyPr/>
+                    <a:lstStyle/>
+                    <a:p>
+                      <a:r>
+                        <a:rPr lang="en-US">
+                          <a:noFill/>
+                        </a:rPr>
+                        <a:t> </a:t>
+                      </a:r>
+                    </a:p>
+                  </p:txBody>
+                </p:sp>
+              </mc:Fallback>
+            </mc:AlternateContent>
+            <p:cxnSp>
+              <p:nvCxnSpPr>
+                <p:cNvPr id="95" name="Straight Connector 94">
+                  <a:extLst>
+                    <a:ext uri="{FF2B5EF4-FFF2-40B4-BE49-F238E27FC236}">
+                      <a16:creationId xmlns:a16="http://schemas.microsoft.com/office/drawing/2014/main" id="{AA044DE4-4FAA-B63A-6B8A-BEFB9455D74C}"/>
+                    </a:ext>
+                  </a:extLst>
+                </p:cNvPr>
+                <p:cNvCxnSpPr>
+                  <a:cxnSpLocks/>
+                </p:cNvCxnSpPr>
+                <p:nvPr/>
+              </p:nvCxnSpPr>
+              <p:spPr>
+                <a:xfrm flipV="1">
+                  <a:off x="5917842" y="1632390"/>
+                  <a:ext cx="2565045" cy="2124"/>
+                </a:xfrm>
+                <a:prstGeom prst="line">
+                  <a:avLst/>
+                </a:prstGeom>
+                <a:ln>
+                  <a:solidFill>
+                    <a:schemeClr val="tx1">
+                      <a:lumMod val="65000"/>
+                      <a:lumOff val="35000"/>
+                    </a:schemeClr>
+                  </a:solidFill>
+                </a:ln>
+              </p:spPr>
+              <p:style>
+                <a:lnRef idx="2">
+                  <a:schemeClr val="accent3"/>
+                </a:lnRef>
+                <a:fillRef idx="0">
+                  <a:schemeClr val="accent3"/>
+                </a:fillRef>
+                <a:effectRef idx="1">
+                  <a:schemeClr val="accent3"/>
+                </a:effectRef>
+                <a:fontRef idx="minor">
+                  <a:schemeClr val="tx1"/>
+                </a:fontRef>
+              </p:style>
+            </p:cxnSp>
+          </p:grpSp>
+          <mc:AlternateContent xmlns:mc="http://schemas.openxmlformats.org/markup-compatibility/2006">
+            <mc:Choice xmlns:a14="http://schemas.microsoft.com/office/drawing/2010/main" Requires="a14">
+              <p:sp>
+                <p:nvSpPr>
+                  <p:cNvPr id="90" name="Rectangle 89">
+                    <a:extLst>
+                      <a:ext uri="{FF2B5EF4-FFF2-40B4-BE49-F238E27FC236}">
+                        <a16:creationId xmlns:a16="http://schemas.microsoft.com/office/drawing/2014/main" id="{7C5A07E3-FC9E-1A5A-5BFA-F9D596F28C6B}"/>
+                      </a:ext>
+                    </a:extLst>
+                  </p:cNvPr>
+                  <p:cNvSpPr/>
+                  <p:nvPr/>
+                </p:nvSpPr>
+                <p:spPr>
+                  <a:xfrm>
+                    <a:off x="3338089" y="707055"/>
+                    <a:ext cx="1634267" cy="806096"/>
+                  </a:xfrm>
+                  <a:prstGeom prst="rect">
+                    <a:avLst/>
+                  </a:prstGeom>
+                  <a:solidFill>
+                    <a:schemeClr val="accent2">
+                      <a:lumMod val="40000"/>
+                      <a:lumOff val="60000"/>
+                    </a:schemeClr>
+                  </a:solidFill>
+                </p:spPr>
+                <p:style>
+                  <a:lnRef idx="2">
+                    <a:schemeClr val="accent1">
+                      <a:shade val="15000"/>
+                    </a:schemeClr>
+                  </a:lnRef>
+                  <a:fillRef idx="1">
+                    <a:schemeClr val="accent1"/>
+                  </a:fillRef>
+                  <a:effectRef idx="0">
+                    <a:schemeClr val="accent1"/>
+                  </a:effectRef>
+                  <a:fontRef idx="minor">
+                    <a:schemeClr val="lt1"/>
+                  </a:fontRef>
+                </p:style>
+                <p:txBody>
+                  <a:bodyPr rtlCol="0" anchor="ctr"/>
+                  <a:lstStyle/>
+                  <a:p>
+                    <a:pPr algn="ctr"/>
+                    <a:r>
+                      <a:rPr lang="en-US" sz="1600" dirty="0">
+                        <a:solidFill>
+                          <a:schemeClr val="tx1"/>
+                        </a:solidFill>
+                      </a:rPr>
+                      <a:t>Generator</a:t>
+                    </a:r>
+                  </a:p>
+                  <a:p>
+                    <a:pPr algn="ctr"/>
+                    <a:r>
+                      <a:rPr lang="en-US" sz="1600" dirty="0">
+                        <a:solidFill>
+                          <a:schemeClr val="tx1"/>
+                        </a:solidFill>
+                      </a:rPr>
+                      <a:t>model </a:t>
+                    </a:r>
+                    <a14:m>
+                      <m:oMath xmlns:m="http://schemas.openxmlformats.org/officeDocument/2006/math">
+                        <m:sSub>
+                          <m:sSubPr>
+                            <m:ctrlPr>
+                              <a:rPr lang="en-US" sz="1600" i="1" smtClean="0">
+                                <a:solidFill>
+                                  <a:schemeClr val="tx1"/>
+                                </a:solidFill>
+                                <a:latin typeface="Cambria Math" panose="02040503050406030204" pitchFamily="18" charset="0"/>
+                              </a:rPr>
+                            </m:ctrlPr>
+                          </m:sSubPr>
+                          <m:e>
+                            <m:r>
+                              <a:rPr lang="en-US" sz="1600" b="0" i="1" smtClean="0">
+                                <a:solidFill>
+                                  <a:schemeClr val="tx1"/>
+                                </a:solidFill>
+                                <a:latin typeface="Cambria Math" panose="02040503050406030204" pitchFamily="18" charset="0"/>
+                              </a:rPr>
+                              <m:t>𝑃</m:t>
+                            </m:r>
+                          </m:e>
+                          <m:sub>
+                            <m:r>
+                              <a:rPr lang="el-GR" sz="1600" b="0" i="1" smtClean="0">
+                                <a:solidFill>
+                                  <a:schemeClr val="tx1"/>
+                                </a:solidFill>
+                                <a:latin typeface="Cambria Math" panose="02040503050406030204" pitchFamily="18" charset="0"/>
+                              </a:rPr>
+                              <m:t>𝜃</m:t>
+                            </m:r>
+                          </m:sub>
+                        </m:sSub>
+                      </m:oMath>
+                    </a14:m>
+                    <a:endParaRPr lang="en-US" sz="1600" dirty="0">
+                      <a:solidFill>
+                        <a:schemeClr val="tx1"/>
+                      </a:solidFill>
+                    </a:endParaRPr>
+                  </a:p>
+                </p:txBody>
+              </p:sp>
+            </mc:Choice>
+            <mc:Fallback>
+              <p:sp>
+                <p:nvSpPr>
+                  <p:cNvPr id="90" name="Rectangle 89">
+                    <a:extLst>
+                      <a:ext uri="{FF2B5EF4-FFF2-40B4-BE49-F238E27FC236}">
+                        <a16:creationId xmlns:a16="http://schemas.microsoft.com/office/drawing/2014/main" id="{7C5A07E3-FC9E-1A5A-5BFA-F9D596F28C6B}"/>
+                      </a:ext>
+                    </a:extLst>
+                  </p:cNvPr>
+                  <p:cNvSpPr>
+                    <a:spLocks noRot="1" noChangeAspect="1" noMove="1" noResize="1" noEditPoints="1" noAdjustHandles="1" noChangeArrowheads="1" noChangeShapeType="1" noTextEdit="1"/>
+                  </p:cNvSpPr>
+                  <p:nvPr/>
+                </p:nvSpPr>
+                <p:spPr>
+                  <a:xfrm>
+                    <a:off x="3338089" y="707055"/>
+                    <a:ext cx="1634267" cy="806096"/>
+                  </a:xfrm>
+                  <a:prstGeom prst="rect">
+                    <a:avLst/>
+                  </a:prstGeom>
+                  <a:blipFill>
+                    <a:blip r:embed="rId3"/>
+                    <a:stretch>
+                      <a:fillRect/>
+                    </a:stretch>
+                  </a:blipFill>
+                </p:spPr>
+                <p:txBody>
+                  <a:bodyPr/>
+                  <a:lstStyle/>
+                  <a:p>
+                    <a:r>
+                      <a:rPr lang="en-US">
+                        <a:noFill/>
+                      </a:rPr>
+                      <a:t> </a:t>
+                    </a:r>
+                  </a:p>
+                </p:txBody>
+              </p:sp>
+            </mc:Fallback>
+          </mc:AlternateContent>
+          <mc:AlternateContent xmlns:mc="http://schemas.openxmlformats.org/markup-compatibility/2006">
+            <mc:Choice xmlns:a14="http://schemas.microsoft.com/office/drawing/2010/main" Requires="a14">
+              <p:sp>
+                <p:nvSpPr>
+                  <p:cNvPr id="88" name="Rectangle 87">
+                    <a:extLst>
+                      <a:ext uri="{FF2B5EF4-FFF2-40B4-BE49-F238E27FC236}">
+                        <a16:creationId xmlns:a16="http://schemas.microsoft.com/office/drawing/2014/main" id="{C4478B9C-F28E-683D-E174-060BE6B4BBE4}"/>
+                      </a:ext>
+                    </a:extLst>
+                  </p:cNvPr>
+                  <p:cNvSpPr/>
+                  <p:nvPr/>
+                </p:nvSpPr>
+                <p:spPr>
+                  <a:xfrm>
+                    <a:off x="3204280" y="3205402"/>
+                    <a:ext cx="1768076" cy="892673"/>
+                  </a:xfrm>
+                  <a:prstGeom prst="rect">
+                    <a:avLst/>
+                  </a:prstGeom>
+                  <a:solidFill>
+                    <a:schemeClr val="accent6">
+                      <a:lumMod val="20000"/>
+                      <a:lumOff val="80000"/>
+                    </a:schemeClr>
+                  </a:solidFill>
+                </p:spPr>
+                <p:style>
+                  <a:lnRef idx="2">
+                    <a:schemeClr val="accent1">
+                      <a:shade val="15000"/>
+                    </a:schemeClr>
+                  </a:lnRef>
+                  <a:fillRef idx="1">
+                    <a:schemeClr val="accent1"/>
+                  </a:fillRef>
+                  <a:effectRef idx="0">
+                    <a:schemeClr val="accent1"/>
+                  </a:effectRef>
+                  <a:fontRef idx="minor">
+                    <a:schemeClr val="lt1"/>
+                  </a:fontRef>
+                </p:style>
+                <p:txBody>
+                  <a:bodyPr rtlCol="0" anchor="ctr"/>
+                  <a:lstStyle/>
+                  <a:p>
+                    <a:pPr algn="ctr"/>
+                    <a:r>
+                      <a:rPr lang="en-US" sz="1600" dirty="0">
+                        <a:solidFill>
+                          <a:schemeClr val="tx1"/>
+                        </a:solidFill>
+                        <a:latin typeface="Helvetica" pitchFamily="2" charset="0"/>
+                      </a:rPr>
+                      <a:t>DetectGPT</a:t>
+                    </a:r>
+                  </a:p>
+                  <a:p>
+                    <a:pPr algn="ctr"/>
+                    <a:r>
+                      <a:rPr lang="en-US" sz="1400" dirty="0">
+                        <a:solidFill>
+                          <a:schemeClr val="tx1"/>
+                        </a:solidFill>
+                        <a:latin typeface="Helvetica" pitchFamily="2" charset="0"/>
+                      </a:rPr>
+                      <a:t>(scoring</a:t>
+                    </a:r>
+                  </a:p>
+                  <a:p>
+                    <a:pPr algn="ctr"/>
+                    <a:r>
+                      <a:rPr lang="en-US" sz="1400" dirty="0">
+                        <a:solidFill>
+                          <a:schemeClr val="tx1"/>
+                        </a:solidFill>
+                        <a:latin typeface="Helvetica" pitchFamily="2" charset="0"/>
+                      </a:rPr>
+                      <a:t>model </a:t>
+                    </a:r>
+                    <a14:m>
+                      <m:oMath xmlns:m="http://schemas.openxmlformats.org/officeDocument/2006/math">
+                        <m:sSub>
+                          <m:sSubPr>
+                            <m:ctrlPr>
+                              <a:rPr lang="en-US" sz="1400" i="1" smtClean="0">
+                                <a:solidFill>
+                                  <a:schemeClr val="tx1"/>
+                                </a:solidFill>
+                                <a:latin typeface="Cambria Math" panose="02040503050406030204" pitchFamily="18" charset="0"/>
+                              </a:rPr>
+                            </m:ctrlPr>
+                          </m:sSubPr>
+                          <m:e>
+                            <m:r>
+                              <a:rPr lang="en-US" sz="1400" b="0" i="1" smtClean="0">
+                                <a:solidFill>
+                                  <a:schemeClr val="tx1"/>
+                                </a:solidFill>
+                                <a:latin typeface="Cambria Math" panose="02040503050406030204" pitchFamily="18" charset="0"/>
+                              </a:rPr>
+                              <m:t>𝑝</m:t>
+                            </m:r>
+                          </m:e>
+                          <m:sub>
+                            <m:r>
+                              <a:rPr lang="el-GR" sz="1400" b="0" i="1" smtClean="0">
+                                <a:solidFill>
+                                  <a:schemeClr val="tx1"/>
+                                </a:solidFill>
+                                <a:latin typeface="Cambria Math" panose="02040503050406030204" pitchFamily="18" charset="0"/>
+                              </a:rPr>
+                              <m:t>𝜃</m:t>
+                            </m:r>
+                          </m:sub>
+                        </m:sSub>
+                      </m:oMath>
+                    </a14:m>
+                    <a:r>
+                      <a:rPr lang="en-US" sz="1400" dirty="0">
+                        <a:solidFill>
+                          <a:schemeClr val="tx1"/>
+                        </a:solidFill>
+                        <a:latin typeface="Helvetica" pitchFamily="2" charset="0"/>
+                      </a:rPr>
+                      <a:t>)</a:t>
+                    </a:r>
+                  </a:p>
+                </p:txBody>
+              </p:sp>
+            </mc:Choice>
+            <mc:Fallback>
+              <p:sp>
+                <p:nvSpPr>
+                  <p:cNvPr id="88" name="Rectangle 87">
+                    <a:extLst>
+                      <a:ext uri="{FF2B5EF4-FFF2-40B4-BE49-F238E27FC236}">
+                        <a16:creationId xmlns:a16="http://schemas.microsoft.com/office/drawing/2014/main" id="{C4478B9C-F28E-683D-E174-060BE6B4BBE4}"/>
+                      </a:ext>
+                    </a:extLst>
+                  </p:cNvPr>
+                  <p:cNvSpPr>
+                    <a:spLocks noRot="1" noChangeAspect="1" noMove="1" noResize="1" noEditPoints="1" noAdjustHandles="1" noChangeArrowheads="1" noChangeShapeType="1" noTextEdit="1"/>
+                  </p:cNvSpPr>
+                  <p:nvPr/>
+                </p:nvSpPr>
+                <p:spPr>
+                  <a:xfrm>
+                    <a:off x="3204280" y="3205402"/>
+                    <a:ext cx="1768076" cy="892673"/>
+                  </a:xfrm>
+                  <a:prstGeom prst="rect">
+                    <a:avLst/>
+                  </a:prstGeom>
+                  <a:blipFill>
+                    <a:blip r:embed="rId4"/>
+                    <a:stretch>
+                      <a:fillRect/>
+                    </a:stretch>
+                  </a:blipFill>
+                </p:spPr>
+                <p:txBody>
+                  <a:bodyPr/>
+                  <a:lstStyle/>
+                  <a:p>
+                    <a:r>
+                      <a:rPr lang="en-US">
+                        <a:noFill/>
+                      </a:rPr>
+                      <a:t> </a:t>
+                    </a:r>
+                  </a:p>
+                </p:txBody>
+              </p:sp>
+            </mc:Fallback>
+          </mc:AlternateContent>
           <p:grpSp>
             <p:nvGrpSpPr>
-              <p:cNvPr id="71" name="Group 70">
+              <p:cNvPr id="80" name="Group 79">
                 <a:extLst>
                   <a:ext uri="{FF2B5EF4-FFF2-40B4-BE49-F238E27FC236}">
-                    <a16:creationId xmlns:a16="http://schemas.microsoft.com/office/drawing/2014/main" id="{0D902053-70F1-2D57-6BC9-4EC47446E2D4}"/>
+                    <a16:creationId xmlns:a16="http://schemas.microsoft.com/office/drawing/2014/main" id="{42B0EF23-D7A2-F2E6-2A38-69886470652D}"/>
                   </a:ext>
                 </a:extLst>
               </p:cNvPr>
@@ -10012,18 +9697,18 @@
             </p:nvGrpSpPr>
             <p:grpSpPr>
               <a:xfrm>
-                <a:off x="3369324" y="1355625"/>
-                <a:ext cx="2621063" cy="1464009"/>
-                <a:chOff x="4981225" y="2281022"/>
-                <a:chExt cx="2621063" cy="1464009"/>
+                <a:off x="1433626" y="707055"/>
+                <a:ext cx="1704195" cy="806097"/>
+                <a:chOff x="1787084" y="1941767"/>
+                <a:chExt cx="2210745" cy="761953"/>
               </a:xfrm>
             </p:grpSpPr>
             <p:sp>
               <p:nvSpPr>
-                <p:cNvPr id="73" name="Rectangle 72">
+                <p:cNvPr id="83" name="Rectangle 82">
                   <a:extLst>
                     <a:ext uri="{FF2B5EF4-FFF2-40B4-BE49-F238E27FC236}">
-                      <a16:creationId xmlns:a16="http://schemas.microsoft.com/office/drawing/2014/main" id="{6B939AEA-5B87-F16F-78C9-676ED673EAAD}"/>
+                      <a16:creationId xmlns:a16="http://schemas.microsoft.com/office/drawing/2014/main" id="{1453FE3A-5CE9-3E83-EC6A-57165806F844}"/>
                     </a:ext>
                   </a:extLst>
                 </p:cNvPr>
@@ -10032,8 +9717,8 @@
               </p:nvSpPr>
               <p:spPr>
                 <a:xfrm>
-                  <a:off x="4981225" y="2301548"/>
-                  <a:ext cx="2601532" cy="1443483"/>
+                  <a:off x="1836190" y="1941767"/>
+                  <a:ext cx="2059657" cy="761953"/>
                 </a:xfrm>
                 <a:prstGeom prst="rect">
                   <a:avLst/>
@@ -10066,29 +9751,235 @@
                 <a:lstStyle/>
                 <a:p>
                   <a:pPr algn="ctr"/>
+                  <a:endParaRPr lang="en-US"/>
+                </a:p>
+              </p:txBody>
+            </p:sp>
+            <p:sp>
+              <p:nvSpPr>
+                <p:cNvPr id="84" name="TextBox 83">
+                  <a:extLst>
+                    <a:ext uri="{FF2B5EF4-FFF2-40B4-BE49-F238E27FC236}">
+                      <a16:creationId xmlns:a16="http://schemas.microsoft.com/office/drawing/2014/main" id="{87B656DD-E4DB-6528-14CF-0D132C646592}"/>
+                    </a:ext>
+                  </a:extLst>
+                </p:cNvPr>
+                <p:cNvSpPr txBox="1"/>
+                <p:nvPr/>
+              </p:nvSpPr>
+              <p:spPr>
+                <a:xfrm>
+                  <a:off x="3519153" y="1960808"/>
+                  <a:ext cx="65" cy="276999"/>
+                </a:xfrm>
+                <a:prstGeom prst="rect">
+                  <a:avLst/>
+                </a:prstGeom>
+                <a:noFill/>
+              </p:spPr>
+              <p:txBody>
+                <a:bodyPr wrap="none" lIns="0" tIns="0" rIns="0" bIns="0" rtlCol="0">
+                  <a:spAutoFit/>
+                </a:bodyPr>
+                <a:lstStyle/>
+                <a:p>
                   <a:endParaRPr lang="en-US" dirty="0"/>
                 </a:p>
               </p:txBody>
             </p:sp>
+            <p:sp>
+              <p:nvSpPr>
+                <p:cNvPr id="85" name="TextBox 84">
+                  <a:extLst>
+                    <a:ext uri="{FF2B5EF4-FFF2-40B4-BE49-F238E27FC236}">
+                      <a16:creationId xmlns:a16="http://schemas.microsoft.com/office/drawing/2014/main" id="{EEE68ED4-4252-50E9-BFA4-F38FD96DFD31}"/>
+                    </a:ext>
+                  </a:extLst>
+                </p:cNvPr>
+                <p:cNvSpPr txBox="1"/>
+                <p:nvPr/>
+              </p:nvSpPr>
+              <p:spPr>
+                <a:xfrm>
+                  <a:off x="1913638" y="1943419"/>
+                  <a:ext cx="1905406" cy="320014"/>
+                </a:xfrm>
+                <a:prstGeom prst="rect">
+                  <a:avLst/>
+                </a:prstGeom>
+                <a:noFill/>
+              </p:spPr>
+              <p:txBody>
+                <a:bodyPr wrap="square" rtlCol="0">
+                  <a:spAutoFit/>
+                </a:bodyPr>
+                <a:lstStyle/>
+                <a:p>
+                  <a:pPr algn="ctr"/>
+                  <a:r>
+                    <a:rPr lang="en-US" sz="1600" dirty="0">
+                      <a:latin typeface="Helvetica" pitchFamily="2" charset="0"/>
+                    </a:rPr>
+                    <a:t>Corpus</a:t>
+                  </a:r>
+                  <a:endParaRPr lang="en-US" dirty="0">
+                    <a:latin typeface="Helvetica" pitchFamily="2" charset="0"/>
+                  </a:endParaRPr>
+                </a:p>
+              </p:txBody>
+            </p:sp>
+            <mc:AlternateContent xmlns:mc="http://schemas.openxmlformats.org/markup-compatibility/2006">
+              <mc:Choice xmlns:a14="http://schemas.microsoft.com/office/drawing/2010/main" Requires="a14">
+                <p:sp>
+                  <p:nvSpPr>
+                    <p:cNvPr id="86" name="TextBox 85">
+                      <a:extLst>
+                        <a:ext uri="{FF2B5EF4-FFF2-40B4-BE49-F238E27FC236}">
+                          <a16:creationId xmlns:a16="http://schemas.microsoft.com/office/drawing/2014/main" id="{2FA44ED9-8607-C8C0-F299-77CBD1F1A542}"/>
+                        </a:ext>
+                      </a:extLst>
+                    </p:cNvPr>
+                    <p:cNvSpPr txBox="1"/>
+                    <p:nvPr/>
+                  </p:nvSpPr>
+                  <p:spPr>
+                    <a:xfrm>
+                      <a:off x="1787084" y="2360041"/>
+                      <a:ext cx="2210745" cy="299347"/>
+                    </a:xfrm>
+                    <a:prstGeom prst="rect">
+                      <a:avLst/>
+                    </a:prstGeom>
+                    <a:noFill/>
+                  </p:spPr>
+                  <p:txBody>
+                    <a:bodyPr wrap="square" rtlCol="0">
+                      <a:spAutoFit/>
+                    </a:bodyPr>
+                    <a:lstStyle/>
+                    <a:p>
+                      <a:pPr algn="ctr"/>
+                      <a:r>
+                        <a:rPr lang="en-US" sz="1400" dirty="0">
+                          <a:latin typeface="Helvetica" pitchFamily="2" charset="0"/>
+                        </a:rPr>
+                        <a:t>human-written</a:t>
+                      </a:r>
+                      <a:r>
+                        <a:rPr lang="en-US" sz="1400" dirty="0"/>
+                        <a:t> </a:t>
+                      </a:r>
+                      <a14:m>
+                        <m:oMath xmlns:m="http://schemas.openxmlformats.org/officeDocument/2006/math">
+                          <m:sSup>
+                            <m:sSupPr>
+                              <m:ctrlPr>
+                                <a:rPr lang="en-US" sz="1400" i="1" smtClean="0">
+                                  <a:latin typeface="Cambria Math" panose="02040503050406030204" pitchFamily="18" charset="0"/>
+                                </a:rPr>
+                              </m:ctrlPr>
+                            </m:sSupPr>
+                            <m:e>
+                              <m:r>
+                                <a:rPr lang="en-US" sz="1400" b="1" i="1" smtClean="0">
+                                  <a:latin typeface="Cambria Math" panose="02040503050406030204" pitchFamily="18" charset="0"/>
+                                </a:rPr>
+                                <m:t>𝒙</m:t>
+                              </m:r>
+                            </m:e>
+                            <m:sup>
+                              <m:r>
+                                <a:rPr lang="en-US" sz="1400" b="0" i="1" smtClean="0">
+                                  <a:latin typeface="Cambria Math" panose="02040503050406030204" pitchFamily="18" charset="0"/>
+                                </a:rPr>
+                                <m:t>(</m:t>
+                              </m:r>
+                              <m:r>
+                                <a:rPr lang="en-US" sz="1400" b="0" i="1" smtClean="0">
+                                  <a:latin typeface="Cambria Math" panose="02040503050406030204" pitchFamily="18" charset="0"/>
+                                </a:rPr>
+                                <m:t>𝑖</m:t>
+                              </m:r>
+                              <m:r>
+                                <a:rPr lang="en-US" sz="1400" b="0" i="1" smtClean="0">
+                                  <a:latin typeface="Cambria Math" panose="02040503050406030204" pitchFamily="18" charset="0"/>
+                                </a:rPr>
+                                <m:t>)</m:t>
+                              </m:r>
+                            </m:sup>
+                          </m:sSup>
+                        </m:oMath>
+                      </a14:m>
+                      <a:endParaRPr lang="en-US" sz="1400" b="1" dirty="0"/>
+                    </a:p>
+                  </p:txBody>
+                </p:sp>
+              </mc:Choice>
+              <mc:Fallback>
+                <p:sp>
+                  <p:nvSpPr>
+                    <p:cNvPr id="86" name="TextBox 85">
+                      <a:extLst>
+                        <a:ext uri="{FF2B5EF4-FFF2-40B4-BE49-F238E27FC236}">
+                          <a16:creationId xmlns:a16="http://schemas.microsoft.com/office/drawing/2014/main" id="{2FA44ED9-8607-C8C0-F299-77CBD1F1A542}"/>
+                        </a:ext>
+                      </a:extLst>
+                    </p:cNvPr>
+                    <p:cNvSpPr txBox="1">
+                      <a:spLocks noRot="1" noChangeAspect="1" noMove="1" noResize="1" noEditPoints="1" noAdjustHandles="1" noChangeArrowheads="1" noChangeShapeType="1" noTextEdit="1"/>
+                    </p:cNvSpPr>
+                    <p:nvPr/>
+                  </p:nvSpPr>
+                  <p:spPr>
+                    <a:xfrm>
+                      <a:off x="1787084" y="2360041"/>
+                      <a:ext cx="2210745" cy="299347"/>
+                    </a:xfrm>
+                    <a:prstGeom prst="rect">
+                      <a:avLst/>
+                    </a:prstGeom>
+                    <a:blipFill>
+                      <a:blip r:embed="rId5"/>
+                      <a:stretch>
+                        <a:fillRect b="-19231"/>
+                      </a:stretch>
+                    </a:blipFill>
+                  </p:spPr>
+                  <p:txBody>
+                    <a:bodyPr/>
+                    <a:lstStyle/>
+                    <a:p>
+                      <a:r>
+                        <a:rPr lang="en-US">
+                          <a:noFill/>
+                        </a:rPr>
+                        <a:t> </a:t>
+                      </a:r>
+                    </a:p>
+                  </p:txBody>
+                </p:sp>
+              </mc:Fallback>
+            </mc:AlternateContent>
             <p:cxnSp>
               <p:nvCxnSpPr>
-                <p:cNvPr id="74" name="Straight Connector 73">
+                <p:cNvPr id="87" name="Straight Connector 86">
                   <a:extLst>
                     <a:ext uri="{FF2B5EF4-FFF2-40B4-BE49-F238E27FC236}">
-                      <a16:creationId xmlns:a16="http://schemas.microsoft.com/office/drawing/2014/main" id="{0A232C5A-0D17-8602-22EF-7CF39C741818}"/>
+                      <a16:creationId xmlns:a16="http://schemas.microsoft.com/office/drawing/2014/main" id="{8236529B-EB35-9BB7-AF35-C7603C316F31}"/>
                     </a:ext>
                   </a:extLst>
                 </p:cNvPr>
                 <p:cNvCxnSpPr>
                   <a:cxnSpLocks/>
-                  <a:stCxn id="73" idx="2"/>
+                  <a:stCxn id="83" idx="1"/>
+                  <a:endCxn id="83" idx="3"/>
                 </p:cNvCxnSpPr>
                 <p:nvPr/>
               </p:nvCxnSpPr>
               <p:spPr>
-                <a:xfrm flipV="1">
-                  <a:off x="6281991" y="2733824"/>
-                  <a:ext cx="0" cy="1011206"/>
+                <a:xfrm>
+                  <a:off x="1836190" y="2322744"/>
+                  <a:ext cx="2059657" cy="0"/>
                 </a:xfrm>
                 <a:prstGeom prst="line">
                   <a:avLst/>
@@ -10109,56 +10000,2143 @@
                 </a:fontRef>
               </p:style>
             </p:cxnSp>
-            <p:sp>
-              <p:nvSpPr>
-                <p:cNvPr id="75" name="TextBox 74">
+          </p:grpSp>
+          <p:grpSp>
+            <p:nvGrpSpPr>
+              <p:cNvPr id="97" name="Group 96">
+                <a:extLst>
+                  <a:ext uri="{FF2B5EF4-FFF2-40B4-BE49-F238E27FC236}">
+                    <a16:creationId xmlns:a16="http://schemas.microsoft.com/office/drawing/2014/main" id="{8DA4CA50-DACB-4313-205B-A02BA3567751}"/>
+                  </a:ext>
+                </a:extLst>
+              </p:cNvPr>
+              <p:cNvGrpSpPr/>
+              <p:nvPr/>
+            </p:nvGrpSpPr>
+            <p:grpSpPr>
+              <a:xfrm>
+                <a:off x="2065211" y="1652290"/>
+                <a:ext cx="2279480" cy="1164602"/>
+                <a:chOff x="3175360" y="2293019"/>
+                <a:chExt cx="2621063" cy="1164602"/>
+              </a:xfrm>
+            </p:grpSpPr>
+            <p:grpSp>
+              <p:nvGrpSpPr>
+                <p:cNvPr id="56" name="Group 55">
                   <a:extLst>
                     <a:ext uri="{FF2B5EF4-FFF2-40B4-BE49-F238E27FC236}">
-                      <a16:creationId xmlns:a16="http://schemas.microsoft.com/office/drawing/2014/main" id="{B87346B2-5575-029B-383D-D4CD35C47042}"/>
+                      <a16:creationId xmlns:a16="http://schemas.microsoft.com/office/drawing/2014/main" id="{43BD5599-8EFF-6CCA-A96C-1C32CFB2CC2E}"/>
                     </a:ext>
                   </a:extLst>
                 </p:cNvPr>
-                <p:cNvSpPr txBox="1"/>
+                <p:cNvGrpSpPr/>
                 <p:nvPr/>
-              </p:nvSpPr>
-              <p:spPr>
+              </p:nvGrpSpPr>
+              <p:grpSpPr>
                 <a:xfrm>
-                  <a:off x="4981225" y="2281022"/>
-                  <a:ext cx="2601532" cy="464285"/>
+                  <a:off x="3175360" y="2293019"/>
+                  <a:ext cx="2621063" cy="1164602"/>
+                  <a:chOff x="3369324" y="1355625"/>
+                  <a:chExt cx="2621063" cy="1464009"/>
+                </a:xfrm>
+              </p:grpSpPr>
+              <p:grpSp>
+                <p:nvGrpSpPr>
+                  <p:cNvPr id="71" name="Group 70">
+                    <a:extLst>
+                      <a:ext uri="{FF2B5EF4-FFF2-40B4-BE49-F238E27FC236}">
+                        <a16:creationId xmlns:a16="http://schemas.microsoft.com/office/drawing/2014/main" id="{0D902053-70F1-2D57-6BC9-4EC47446E2D4}"/>
+                      </a:ext>
+                    </a:extLst>
+                  </p:cNvPr>
+                  <p:cNvGrpSpPr/>
+                  <p:nvPr/>
+                </p:nvGrpSpPr>
+                <p:grpSpPr>
+                  <a:xfrm>
+                    <a:off x="3369324" y="1355625"/>
+                    <a:ext cx="2621063" cy="1464009"/>
+                    <a:chOff x="4981225" y="2281022"/>
+                    <a:chExt cx="2621063" cy="1464009"/>
+                  </a:xfrm>
+                </p:grpSpPr>
+                <p:sp>
+                  <p:nvSpPr>
+                    <p:cNvPr id="73" name="Rectangle 72">
+                      <a:extLst>
+                        <a:ext uri="{FF2B5EF4-FFF2-40B4-BE49-F238E27FC236}">
+                          <a16:creationId xmlns:a16="http://schemas.microsoft.com/office/drawing/2014/main" id="{6B939AEA-5B87-F16F-78C9-676ED673EAAD}"/>
+                        </a:ext>
+                      </a:extLst>
+                    </p:cNvPr>
+                    <p:cNvSpPr/>
+                    <p:nvPr/>
+                  </p:nvSpPr>
+                  <p:spPr>
+                    <a:xfrm>
+                      <a:off x="4981225" y="2301548"/>
+                      <a:ext cx="2601532" cy="1443483"/>
+                    </a:xfrm>
+                    <a:prstGeom prst="rect">
+                      <a:avLst/>
+                    </a:prstGeom>
+                    <a:solidFill>
+                      <a:schemeClr val="tx2">
+                        <a:lumMod val="25000"/>
+                        <a:lumOff val="75000"/>
+                      </a:schemeClr>
+                    </a:solidFill>
+                  </p:spPr>
+                  <p:style>
+                    <a:lnRef idx="2">
+                      <a:schemeClr val="accent1">
+                        <a:shade val="15000"/>
+                      </a:schemeClr>
+                    </a:lnRef>
+                    <a:fillRef idx="1">
+                      <a:schemeClr val="accent1"/>
+                    </a:fillRef>
+                    <a:effectRef idx="0">
+                      <a:schemeClr val="accent1"/>
+                    </a:effectRef>
+                    <a:fontRef idx="minor">
+                      <a:schemeClr val="lt1"/>
+                    </a:fontRef>
+                  </p:style>
+                  <p:txBody>
+                    <a:bodyPr rtlCol="0" anchor="ctr"/>
+                    <a:lstStyle/>
+                    <a:p>
+                      <a:pPr algn="ctr"/>
+                      <a:endParaRPr lang="en-US" dirty="0"/>
+                    </a:p>
+                  </p:txBody>
+                </p:sp>
+                <p:cxnSp>
+                  <p:nvCxnSpPr>
+                    <p:cNvPr id="74" name="Straight Connector 73">
+                      <a:extLst>
+                        <a:ext uri="{FF2B5EF4-FFF2-40B4-BE49-F238E27FC236}">
+                          <a16:creationId xmlns:a16="http://schemas.microsoft.com/office/drawing/2014/main" id="{0A232C5A-0D17-8602-22EF-7CF39C741818}"/>
+                        </a:ext>
+                      </a:extLst>
+                    </p:cNvPr>
+                    <p:cNvCxnSpPr>
+                      <a:cxnSpLocks/>
+                      <a:stCxn id="73" idx="2"/>
+                    </p:cNvCxnSpPr>
+                    <p:nvPr/>
+                  </p:nvCxnSpPr>
+                  <p:spPr>
+                    <a:xfrm flipV="1">
+                      <a:off x="6281991" y="2733824"/>
+                      <a:ext cx="0" cy="1011206"/>
+                    </a:xfrm>
+                    <a:prstGeom prst="line">
+                      <a:avLst/>
+                    </a:prstGeom>
+                  </p:spPr>
+                  <p:style>
+                    <a:lnRef idx="2">
+                      <a:schemeClr val="accent1"/>
+                    </a:lnRef>
+                    <a:fillRef idx="0">
+                      <a:schemeClr val="accent1"/>
+                    </a:fillRef>
+                    <a:effectRef idx="1">
+                      <a:schemeClr val="accent1"/>
+                    </a:effectRef>
+                    <a:fontRef idx="minor">
+                      <a:schemeClr val="tx1"/>
+                    </a:fontRef>
+                  </p:style>
+                </p:cxnSp>
+                <p:sp>
+                  <p:nvSpPr>
+                    <p:cNvPr id="75" name="TextBox 74">
+                      <a:extLst>
+                        <a:ext uri="{FF2B5EF4-FFF2-40B4-BE49-F238E27FC236}">
+                          <a16:creationId xmlns:a16="http://schemas.microsoft.com/office/drawing/2014/main" id="{B87346B2-5575-029B-383D-D4CD35C47042}"/>
+                        </a:ext>
+                      </a:extLst>
+                    </p:cNvPr>
+                    <p:cNvSpPr txBox="1"/>
+                    <p:nvPr/>
+                  </p:nvSpPr>
+                  <p:spPr>
+                    <a:xfrm>
+                      <a:off x="4981225" y="2281022"/>
+                      <a:ext cx="2601532" cy="464285"/>
+                    </a:xfrm>
+                    <a:prstGeom prst="rect">
+                      <a:avLst/>
+                    </a:prstGeom>
+                    <a:noFill/>
+                  </p:spPr>
+                  <p:txBody>
+                    <a:bodyPr wrap="square" rtlCol="0">
+                      <a:spAutoFit/>
+                    </a:bodyPr>
+                    <a:lstStyle/>
+                    <a:p>
+                      <a:pPr algn="ctr"/>
+                      <a:r>
+                        <a:rPr lang="en-US" sz="1600" dirty="0">
+                          <a:latin typeface="Helvetica" pitchFamily="2" charset="0"/>
+                        </a:rPr>
+                        <a:t>Testing</a:t>
+                      </a:r>
+                      <a:r>
+                        <a:rPr lang="en-US" dirty="0">
+                          <a:latin typeface="Helvetica" pitchFamily="2" charset="0"/>
+                        </a:rPr>
+                        <a:t> dataset</a:t>
+                      </a:r>
+                    </a:p>
+                  </p:txBody>
+                </p:sp>
+                <p:cxnSp>
+                  <p:nvCxnSpPr>
+                    <p:cNvPr id="76" name="Straight Connector 75">
+                      <a:extLst>
+                        <a:ext uri="{FF2B5EF4-FFF2-40B4-BE49-F238E27FC236}">
+                          <a16:creationId xmlns:a16="http://schemas.microsoft.com/office/drawing/2014/main" id="{869782CF-50E4-3084-3E25-3544821AFC38}"/>
+                        </a:ext>
+                      </a:extLst>
+                    </p:cNvPr>
+                    <p:cNvCxnSpPr>
+                      <a:cxnSpLocks/>
+                    </p:cNvCxnSpPr>
+                    <p:nvPr/>
+                  </p:nvCxnSpPr>
+                  <p:spPr>
+                    <a:xfrm>
+                      <a:off x="4981225" y="2733825"/>
+                      <a:ext cx="2601532" cy="0"/>
+                    </a:xfrm>
+                    <a:prstGeom prst="line">
+                      <a:avLst/>
+                    </a:prstGeom>
+                  </p:spPr>
+                  <p:style>
+                    <a:lnRef idx="2">
+                      <a:schemeClr val="accent1"/>
+                    </a:lnRef>
+                    <a:fillRef idx="0">
+                      <a:schemeClr val="accent1"/>
+                    </a:fillRef>
+                    <a:effectRef idx="1">
+                      <a:schemeClr val="accent1"/>
+                    </a:effectRef>
+                    <a:fontRef idx="minor">
+                      <a:schemeClr val="tx1"/>
+                    </a:fontRef>
+                  </p:style>
+                </p:cxnSp>
+                <p:sp>
+                  <p:nvSpPr>
+                    <p:cNvPr id="77" name="TextBox 76">
+                      <a:extLst>
+                        <a:ext uri="{FF2B5EF4-FFF2-40B4-BE49-F238E27FC236}">
+                          <a16:creationId xmlns:a16="http://schemas.microsoft.com/office/drawing/2014/main" id="{A5654254-16CA-5E18-1D3B-DF3BE9EE7471}"/>
+                        </a:ext>
+                      </a:extLst>
+                    </p:cNvPr>
+                    <p:cNvSpPr txBox="1"/>
+                    <p:nvPr/>
+                  </p:nvSpPr>
+                  <p:spPr>
+                    <a:xfrm>
+                      <a:off x="5000756" y="2744955"/>
+                      <a:ext cx="1257337" cy="386903"/>
+                    </a:xfrm>
+                    <a:prstGeom prst="rect">
+                      <a:avLst/>
+                    </a:prstGeom>
+                    <a:noFill/>
+                  </p:spPr>
+                  <p:txBody>
+                    <a:bodyPr wrap="square" rtlCol="0">
+                      <a:spAutoFit/>
+                    </a:bodyPr>
+                    <a:lstStyle/>
+                    <a:p>
+                      <a:pPr algn="ctr"/>
+                      <a:r>
+                        <a:rPr lang="en-US" sz="1400" i="1" dirty="0">
+                          <a:latin typeface="Helvetica" pitchFamily="2" charset="0"/>
+                        </a:rPr>
+                        <a:t>Human</a:t>
+                      </a:r>
+                      <a:endParaRPr lang="en-US" sz="1600" i="1" dirty="0">
+                        <a:latin typeface="Helvetica" pitchFamily="2" charset="0"/>
+                      </a:endParaRPr>
+                    </a:p>
+                  </p:txBody>
+                </p:sp>
+                <p:sp>
+                  <p:nvSpPr>
+                    <p:cNvPr id="78" name="TextBox 77">
+                      <a:extLst>
+                        <a:ext uri="{FF2B5EF4-FFF2-40B4-BE49-F238E27FC236}">
+                          <a16:creationId xmlns:a16="http://schemas.microsoft.com/office/drawing/2014/main" id="{7D8DAD1D-CBC0-DC05-B164-E4A87B5B3D57}"/>
+                        </a:ext>
+                      </a:extLst>
+                    </p:cNvPr>
+                    <p:cNvSpPr txBox="1"/>
+                    <p:nvPr/>
+                  </p:nvSpPr>
+                  <p:spPr>
+                    <a:xfrm>
+                      <a:off x="6305889" y="2744955"/>
+                      <a:ext cx="1252968" cy="386903"/>
+                    </a:xfrm>
+                    <a:prstGeom prst="rect">
+                      <a:avLst/>
+                    </a:prstGeom>
+                    <a:noFill/>
+                  </p:spPr>
+                  <p:txBody>
+                    <a:bodyPr wrap="square" rtlCol="0">
+                      <a:spAutoFit/>
+                    </a:bodyPr>
+                    <a:lstStyle/>
+                    <a:p>
+                      <a:pPr algn="ctr"/>
+                      <a:r>
+                        <a:rPr lang="en-US" sz="1400" i="1" dirty="0">
+                          <a:latin typeface="Helvetica" pitchFamily="2" charset="0"/>
+                        </a:rPr>
+                        <a:t>LLM</a:t>
+                      </a:r>
+                      <a:endParaRPr lang="en-US" i="1" dirty="0">
+                        <a:latin typeface="Helvetica" pitchFamily="2" charset="0"/>
+                      </a:endParaRPr>
+                    </a:p>
+                  </p:txBody>
+                </p:sp>
+                <p:cxnSp>
+                  <p:nvCxnSpPr>
+                    <p:cNvPr id="79" name="Straight Connector 78">
+                      <a:extLst>
+                        <a:ext uri="{FF2B5EF4-FFF2-40B4-BE49-F238E27FC236}">
+                          <a16:creationId xmlns:a16="http://schemas.microsoft.com/office/drawing/2014/main" id="{723928EB-4226-3BB3-8DA3-B458EEFD095D}"/>
+                        </a:ext>
+                      </a:extLst>
+                    </p:cNvPr>
+                    <p:cNvCxnSpPr>
+                      <a:cxnSpLocks/>
+                    </p:cNvCxnSpPr>
+                    <p:nvPr/>
+                  </p:nvCxnSpPr>
+                  <p:spPr>
+                    <a:xfrm>
+                      <a:off x="5000756" y="3117643"/>
+                      <a:ext cx="2601532" cy="0"/>
+                    </a:xfrm>
+                    <a:prstGeom prst="line">
+                      <a:avLst/>
+                    </a:prstGeom>
+                    <a:ln>
+                      <a:prstDash val="sysDash"/>
+                    </a:ln>
+                  </p:spPr>
+                  <p:style>
+                    <a:lnRef idx="2">
+                      <a:schemeClr val="accent1"/>
+                    </a:lnRef>
+                    <a:fillRef idx="0">
+                      <a:schemeClr val="accent1"/>
+                    </a:fillRef>
+                    <a:effectRef idx="1">
+                      <a:schemeClr val="accent1"/>
+                    </a:effectRef>
+                    <a:fontRef idx="minor">
+                      <a:schemeClr val="tx1"/>
+                    </a:fontRef>
+                  </p:style>
+                </p:cxnSp>
+              </p:grpSp>
+              <mc:AlternateContent xmlns:mc="http://schemas.openxmlformats.org/markup-compatibility/2006" xmlns:a14="http://schemas.microsoft.com/office/drawing/2010/main">
+                <mc:Choice Requires="a14">
+                  <p:sp>
+                    <p:nvSpPr>
+                      <p:cNvPr id="72" name="TextBox 71">
+                        <a:extLst>
+                          <a:ext uri="{FF2B5EF4-FFF2-40B4-BE49-F238E27FC236}">
+                            <a16:creationId xmlns:a16="http://schemas.microsoft.com/office/drawing/2014/main" id="{64E8069F-1B39-E862-B2A6-DBD521A6D517}"/>
+                          </a:ext>
+                        </a:extLst>
+                      </p:cNvPr>
+                      <p:cNvSpPr txBox="1"/>
+                      <p:nvPr/>
+                    </p:nvSpPr>
+                    <p:spPr>
+                      <a:xfrm>
+                        <a:off x="3571368" y="2239036"/>
+                        <a:ext cx="872828" cy="495235"/>
+                      </a:xfrm>
+                      <a:prstGeom prst="rect">
+                        <a:avLst/>
+                      </a:prstGeom>
+                      <a:noFill/>
+                    </p:spPr>
+                    <p:txBody>
+                      <a:bodyPr wrap="square" rtlCol="0">
+                        <a:spAutoFit/>
+                      </a:bodyPr>
+                      <a:lstStyle/>
+                      <a:p>
+                        <a:pPr algn="ctr"/>
+                        <a14:m>
+                          <m:oMathPara xmlns:m="http://schemas.openxmlformats.org/officeDocument/2006/math">
+                            <m:oMathParaPr>
+                              <m:jc m:val="center"/>
+                            </m:oMathParaPr>
+                            <m:oMath xmlns:m="http://schemas.openxmlformats.org/officeDocument/2006/math">
+                              <m:sSubSup>
+                                <m:sSubSupPr>
+                                  <m:ctrlPr>
+                                    <a:rPr lang="en-US" sz="1400" b="1" i="1" smtClean="0">
+                                      <a:latin typeface="Cambria Math" panose="02040503050406030204" pitchFamily="18" charset="0"/>
+                                    </a:rPr>
+                                  </m:ctrlPr>
+                                </m:sSubSupPr>
+                                <m:e>
+                                  <m:r>
+                                    <a:rPr lang="en-US" sz="1400" b="1" i="1" smtClean="0">
+                                      <a:latin typeface="Cambria Math" panose="02040503050406030204" pitchFamily="18" charset="0"/>
+                                    </a:rPr>
+                                    <m:t>𝒙</m:t>
+                                  </m:r>
+                                </m:e>
+                                <m:sub>
+                                  <m:r>
+                                    <m:rPr>
+                                      <m:nor/>
+                                    </m:rPr>
+                                    <a:rPr lang="en-US" sz="1400" b="0" i="0" smtClean="0">
+                                      <a:latin typeface="Cambria Math" panose="02040503050406030204" pitchFamily="18" charset="0"/>
+                                    </a:rPr>
+                                    <m:t>human</m:t>
+                                  </m:r>
+                                </m:sub>
+                                <m:sup>
+                                  <m:r>
+                                    <a:rPr lang="en-US" sz="1400" b="0" i="1" smtClean="0">
+                                      <a:latin typeface="Cambria Math" panose="02040503050406030204" pitchFamily="18" charset="0"/>
+                                    </a:rPr>
+                                    <m:t>(</m:t>
+                                  </m:r>
+                                  <m:r>
+                                    <a:rPr lang="en-US" sz="1400" b="0" i="1" smtClean="0">
+                                      <a:latin typeface="Cambria Math" panose="02040503050406030204" pitchFamily="18" charset="0"/>
+                                    </a:rPr>
+                                    <m:t>𝑖</m:t>
+                                  </m:r>
+                                  <m:r>
+                                    <a:rPr lang="en-US" sz="1400" b="0" i="1" smtClean="0">
+                                      <a:latin typeface="Cambria Math" panose="02040503050406030204" pitchFamily="18" charset="0"/>
+                                    </a:rPr>
+                                    <m:t>)</m:t>
+                                  </m:r>
+                                </m:sup>
+                              </m:sSubSup>
+                            </m:oMath>
+                          </m:oMathPara>
+                        </a14:m>
+                        <a:endParaRPr lang="en-US" sz="1400" dirty="0"/>
+                      </a:p>
+                    </p:txBody>
+                  </p:sp>
+                </mc:Choice>
+                <mc:Fallback xmlns="">
+                  <p:sp>
+                    <p:nvSpPr>
+                      <p:cNvPr id="72" name="TextBox 71">
+                        <a:extLst>
+                          <a:ext uri="{FF2B5EF4-FFF2-40B4-BE49-F238E27FC236}">
+                            <a16:creationId xmlns:a16="http://schemas.microsoft.com/office/drawing/2014/main" id="{64E8069F-1B39-E862-B2A6-DBD521A6D517}"/>
+                          </a:ext>
+                        </a:extLst>
+                      </p:cNvPr>
+                      <p:cNvSpPr txBox="1">
+                        <a:spLocks noRot="1" noChangeAspect="1" noMove="1" noResize="1" noEditPoints="1" noAdjustHandles="1" noChangeArrowheads="1" noChangeShapeType="1" noTextEdit="1"/>
+                      </p:cNvSpPr>
+                      <p:nvPr/>
+                    </p:nvSpPr>
+                    <p:spPr>
+                      <a:xfrm>
+                        <a:off x="3571368" y="2239036"/>
+                        <a:ext cx="872828" cy="495235"/>
+                      </a:xfrm>
+                      <a:prstGeom prst="rect">
+                        <a:avLst/>
+                      </a:prstGeom>
+                      <a:blipFill>
+                        <a:blip r:embed="rId6"/>
+                        <a:stretch>
+                          <a:fillRect l="-1639" b="-3125"/>
+                        </a:stretch>
+                      </a:blipFill>
+                    </p:spPr>
+                    <p:txBody>
+                      <a:bodyPr/>
+                      <a:lstStyle/>
+                      <a:p>
+                        <a:r>
+                          <a:rPr lang="en-US">
+                            <a:noFill/>
+                          </a:rPr>
+                          <a:t> </a:t>
+                        </a:r>
+                      </a:p>
+                    </p:txBody>
+                  </p:sp>
+                </mc:Fallback>
+              </mc:AlternateContent>
+            </p:grpSp>
+            <mc:AlternateContent xmlns:mc="http://schemas.openxmlformats.org/markup-compatibility/2006" xmlns:a14="http://schemas.microsoft.com/office/drawing/2010/main">
+              <mc:Choice Requires="a14">
+                <p:sp>
+                  <p:nvSpPr>
+                    <p:cNvPr id="57" name="TextBox 56">
+                      <a:extLst>
+                        <a:ext uri="{FF2B5EF4-FFF2-40B4-BE49-F238E27FC236}">
+                          <a16:creationId xmlns:a16="http://schemas.microsoft.com/office/drawing/2014/main" id="{799E1ECB-C66F-AC54-C71A-53AFFC0F759F}"/>
+                        </a:ext>
+                      </a:extLst>
+                    </p:cNvPr>
+                    <p:cNvSpPr txBox="1"/>
+                    <p:nvPr/>
+                  </p:nvSpPr>
+                  <p:spPr>
+                    <a:xfrm>
+                      <a:off x="4841021" y="2981494"/>
+                      <a:ext cx="567157" cy="393954"/>
+                    </a:xfrm>
+                    <a:prstGeom prst="rect">
+                      <a:avLst/>
+                    </a:prstGeom>
+                    <a:noFill/>
+                  </p:spPr>
+                  <p:txBody>
+                    <a:bodyPr wrap="square" rtlCol="0">
+                      <a:spAutoFit/>
+                    </a:bodyPr>
+                    <a:lstStyle/>
+                    <a:p>
+                      <a:pPr algn="ctr"/>
+                      <a14:m>
+                        <m:oMathPara xmlns:m="http://schemas.openxmlformats.org/officeDocument/2006/math">
+                          <m:oMathParaPr>
+                            <m:jc m:val="center"/>
+                          </m:oMathParaPr>
+                          <m:oMath xmlns:m="http://schemas.openxmlformats.org/officeDocument/2006/math">
+                            <m:sSubSup>
+                              <m:sSubSupPr>
+                                <m:ctrlPr>
+                                  <a:rPr lang="en-US" sz="1400" b="1" i="1" smtClean="0">
+                                    <a:latin typeface="Cambria Math" panose="02040503050406030204" pitchFamily="18" charset="0"/>
+                                  </a:rPr>
+                                </m:ctrlPr>
+                              </m:sSubSupPr>
+                              <m:e>
+                                <m:r>
+                                  <a:rPr lang="en-US" sz="1400" b="1" i="1" smtClean="0">
+                                    <a:latin typeface="Cambria Math" panose="02040503050406030204" pitchFamily="18" charset="0"/>
+                                  </a:rPr>
+                                  <m:t>𝒙</m:t>
+                                </m:r>
+                              </m:e>
+                              <m:sub>
+                                <m:r>
+                                  <m:rPr>
+                                    <m:nor/>
+                                  </m:rPr>
+                                  <a:rPr lang="en-US" sz="1400" b="0" i="0" smtClean="0">
+                                    <a:latin typeface="Cambria Math" panose="02040503050406030204" pitchFamily="18" charset="0"/>
+                                  </a:rPr>
+                                  <m:t>llm</m:t>
+                                </m:r>
+                              </m:sub>
+                              <m:sup>
+                                <m:r>
+                                  <a:rPr lang="en-US" sz="1400" b="0" i="1" smtClean="0">
+                                    <a:latin typeface="Cambria Math" panose="02040503050406030204" pitchFamily="18" charset="0"/>
+                                  </a:rPr>
+                                  <m:t>(</m:t>
+                                </m:r>
+                                <m:r>
+                                  <a:rPr lang="en-US" sz="1400" b="0" i="1" smtClean="0">
+                                    <a:latin typeface="Cambria Math" panose="02040503050406030204" pitchFamily="18" charset="0"/>
+                                  </a:rPr>
+                                  <m:t>𝑖</m:t>
+                                </m:r>
+                                <m:r>
+                                  <a:rPr lang="en-US" sz="1400" b="0" i="1" smtClean="0">
+                                    <a:latin typeface="Cambria Math" panose="02040503050406030204" pitchFamily="18" charset="0"/>
+                                  </a:rPr>
+                                  <m:t>)</m:t>
+                                </m:r>
+                              </m:sup>
+                            </m:sSubSup>
+                          </m:oMath>
+                        </m:oMathPara>
+                      </a14:m>
+                      <a:endParaRPr lang="en-US" sz="1400" dirty="0"/>
+                    </a:p>
+                  </p:txBody>
+                </p:sp>
+              </mc:Choice>
+              <mc:Fallback xmlns="">
+                <p:sp>
+                  <p:nvSpPr>
+                    <p:cNvPr id="57" name="TextBox 56">
+                      <a:extLst>
+                        <a:ext uri="{FF2B5EF4-FFF2-40B4-BE49-F238E27FC236}">
+                          <a16:creationId xmlns:a16="http://schemas.microsoft.com/office/drawing/2014/main" id="{799E1ECB-C66F-AC54-C71A-53AFFC0F759F}"/>
+                        </a:ext>
+                      </a:extLst>
+                    </p:cNvPr>
+                    <p:cNvSpPr txBox="1">
+                      <a:spLocks noRot="1" noChangeAspect="1" noMove="1" noResize="1" noEditPoints="1" noAdjustHandles="1" noChangeArrowheads="1" noChangeShapeType="1" noTextEdit="1"/>
+                    </p:cNvSpPr>
+                    <p:nvPr/>
+                  </p:nvSpPr>
+                  <p:spPr>
+                    <a:xfrm>
+                      <a:off x="4841021" y="2981494"/>
+                      <a:ext cx="567157" cy="393954"/>
+                    </a:xfrm>
+                    <a:prstGeom prst="rect">
+                      <a:avLst/>
+                    </a:prstGeom>
+                    <a:blipFill>
+                      <a:blip r:embed="rId7"/>
+                      <a:stretch>
+                        <a:fillRect b="-3125"/>
+                      </a:stretch>
+                    </a:blipFill>
+                  </p:spPr>
+                  <p:txBody>
+                    <a:bodyPr/>
+                    <a:lstStyle/>
+                    <a:p>
+                      <a:r>
+                        <a:rPr lang="en-US">
+                          <a:noFill/>
+                        </a:rPr>
+                        <a:t> </a:t>
+                      </a:r>
+                    </a:p>
+                  </p:txBody>
+                </p:sp>
+              </mc:Fallback>
+            </mc:AlternateContent>
+          </p:grpSp>
+          <p:sp>
+            <p:nvSpPr>
+              <p:cNvPr id="67" name="TextBox 66">
+                <a:extLst>
+                  <a:ext uri="{FF2B5EF4-FFF2-40B4-BE49-F238E27FC236}">
+                    <a16:creationId xmlns:a16="http://schemas.microsoft.com/office/drawing/2014/main" id="{A7B7E7C6-6B32-5059-2E5C-40D68ACFDCC6}"/>
+                  </a:ext>
+                </a:extLst>
+              </p:cNvPr>
+              <p:cNvSpPr txBox="1"/>
+              <p:nvPr/>
+            </p:nvSpPr>
+            <p:spPr>
+              <a:xfrm>
+                <a:off x="2533540" y="4803910"/>
+                <a:ext cx="1284269" cy="338554"/>
+              </a:xfrm>
+              <a:prstGeom prst="rect">
+                <a:avLst/>
+              </a:prstGeom>
+              <a:noFill/>
+            </p:spPr>
+            <p:txBody>
+              <a:bodyPr wrap="square" rtlCol="0">
+                <a:spAutoFit/>
+              </a:bodyPr>
+              <a:lstStyle/>
+              <a:p>
+                <a:pPr algn="ctr"/>
+                <a:r>
+                  <a:rPr lang="en-US" sz="1600" dirty="0">
+                    <a:latin typeface="Helvetica" pitchFamily="2" charset="0"/>
+                  </a:rPr>
+                  <a:t>AUROC</a:t>
+                </a:r>
+                <a:endParaRPr lang="en-US" dirty="0">
+                  <a:latin typeface="Helvetica" pitchFamily="2" charset="0"/>
+                </a:endParaRPr>
+              </a:p>
+            </p:txBody>
+          </p:sp>
+          <p:grpSp>
+            <p:nvGrpSpPr>
+              <p:cNvPr id="101" name="Group 100">
+                <a:extLst>
+                  <a:ext uri="{FF2B5EF4-FFF2-40B4-BE49-F238E27FC236}">
+                    <a16:creationId xmlns:a16="http://schemas.microsoft.com/office/drawing/2014/main" id="{DFC312B2-3452-51E7-CF72-230041C15239}"/>
+                  </a:ext>
+                </a:extLst>
+              </p:cNvPr>
+              <p:cNvGrpSpPr/>
+              <p:nvPr/>
+            </p:nvGrpSpPr>
+            <p:grpSpPr>
+              <a:xfrm>
+                <a:off x="1282284" y="4262920"/>
+                <a:ext cx="3829641" cy="1059621"/>
+                <a:chOff x="1216528" y="4418912"/>
+                <a:chExt cx="3829641" cy="1059621"/>
+              </a:xfrm>
+            </p:grpSpPr>
+            <p:pic>
+              <p:nvPicPr>
+                <p:cNvPr id="63" name="Picture 2" descr="AUC ROC Curve in Machine Learning | GeeksforGeeks">
+                  <a:extLst>
+                    <a:ext uri="{FF2B5EF4-FFF2-40B4-BE49-F238E27FC236}">
+                      <a16:creationId xmlns:a16="http://schemas.microsoft.com/office/drawing/2014/main" id="{892B49FE-381E-71F5-E78F-2BE1E18283CD}"/>
+                    </a:ext>
+                  </a:extLst>
+                </p:cNvPr>
+                <p:cNvPicPr>
+                  <a:picLocks noChangeAspect="1" noChangeArrowheads="1"/>
+                </p:cNvPicPr>
+                <p:nvPr/>
+              </p:nvPicPr>
+              <p:blipFill>
+                <a:blip r:embed="rId8">
+                  <a:extLst>
+                    <a:ext uri="{28A0092B-C50C-407E-A947-70E740481C1C}">
+                      <a14:useLocalDpi xmlns:a14="http://schemas.microsoft.com/office/drawing/2010/main" val="0"/>
+                    </a:ext>
+                  </a:extLst>
+                </a:blip>
+                <a:srcRect/>
+                <a:stretch>
+                  <a:fillRect/>
+                </a:stretch>
+              </p:blipFill>
+              <p:spPr bwMode="auto">
+                <a:xfrm>
+                  <a:off x="3605084" y="4418912"/>
+                  <a:ext cx="1441085" cy="1059621"/>
                 </a:xfrm>
                 <a:prstGeom prst="rect">
                   <a:avLst/>
                 </a:prstGeom>
                 <a:noFill/>
+                <a:extLst>
+                  <a:ext uri="{909E8E84-426E-40DD-AFC4-6F175D3DCCD1}">
+                    <a14:hiddenFill xmlns:a14="http://schemas.microsoft.com/office/drawing/2010/main">
+                      <a:solidFill>
+                        <a:srgbClr val="FFFFFF"/>
+                      </a:solidFill>
+                    </a14:hiddenFill>
+                  </a:ext>
+                </a:extLst>
               </p:spPr>
-              <p:txBody>
-                <a:bodyPr wrap="square" rtlCol="0">
-                  <a:spAutoFit/>
-                </a:bodyPr>
-                <a:lstStyle/>
-                <a:p>
-                  <a:pPr algn="ctr"/>
-                  <a:r>
-                    <a:rPr lang="en-US" sz="1600" dirty="0">
-                      <a:latin typeface="Helvetica" pitchFamily="2" charset="0"/>
-                    </a:rPr>
-                    <a:t>Testing</a:t>
-                  </a:r>
-                  <a:r>
-                    <a:rPr lang="en-US" dirty="0">
-                      <a:latin typeface="Helvetica" pitchFamily="2" charset="0"/>
-                    </a:rPr>
-                    <a:t> dataset</a:t>
-                  </a:r>
-                </a:p>
-              </p:txBody>
-            </p:sp>
+            </p:pic>
+            <p:pic>
+              <p:nvPicPr>
+                <p:cNvPr id="100" name="Picture 2" descr="AUC ROC Curve in Machine Learning | GeeksforGeeks">
+                  <a:extLst>
+                    <a:ext uri="{FF2B5EF4-FFF2-40B4-BE49-F238E27FC236}">
+                      <a16:creationId xmlns:a16="http://schemas.microsoft.com/office/drawing/2014/main" id="{D4426AEA-2620-28AB-357F-FCEB9FED5512}"/>
+                    </a:ext>
+                  </a:extLst>
+                </p:cNvPr>
+                <p:cNvPicPr>
+                  <a:picLocks noChangeAspect="1" noChangeArrowheads="1"/>
+                </p:cNvPicPr>
+                <p:nvPr/>
+              </p:nvPicPr>
+              <p:blipFill>
+                <a:blip r:embed="rId9">
+                  <a:grayscl/>
+                  <a:extLst>
+                    <a:ext uri="{28A0092B-C50C-407E-A947-70E740481C1C}">
+                      <a14:useLocalDpi xmlns:a14="http://schemas.microsoft.com/office/drawing/2010/main" val="0"/>
+                    </a:ext>
+                  </a:extLst>
+                </a:blip>
+                <a:srcRect/>
+                <a:stretch>
+                  <a:fillRect/>
+                </a:stretch>
+              </p:blipFill>
+              <p:spPr bwMode="auto">
+                <a:xfrm>
+                  <a:off x="1216528" y="4418912"/>
+                  <a:ext cx="1441085" cy="1059621"/>
+                </a:xfrm>
+                <a:prstGeom prst="rect">
+                  <a:avLst/>
+                </a:prstGeom>
+                <a:noFill/>
+                <a:extLst>
+                  <a:ext uri="{909E8E84-426E-40DD-AFC4-6F175D3DCCD1}">
+                    <a14:hiddenFill xmlns:a14="http://schemas.microsoft.com/office/drawing/2010/main">
+                      <a:solidFill>
+                        <a:srgbClr val="FFFFFF"/>
+                      </a:solidFill>
+                    </a14:hiddenFill>
+                  </a:ext>
+                </a:extLst>
+              </p:spPr>
+            </p:pic>
+          </p:grpSp>
+          <p:cxnSp>
+            <p:nvCxnSpPr>
+              <p:cNvPr id="105" name="Elbow Connector 104">
+                <a:extLst>
+                  <a:ext uri="{FF2B5EF4-FFF2-40B4-BE49-F238E27FC236}">
+                    <a16:creationId xmlns:a16="http://schemas.microsoft.com/office/drawing/2014/main" id="{B0DEF531-1463-9FDF-2ECD-7BEC0351F960}"/>
+                  </a:ext>
+                </a:extLst>
+              </p:cNvPr>
+              <p:cNvCxnSpPr>
+                <a:cxnSpLocks/>
+                <a:stCxn id="83" idx="3"/>
+                <a:endCxn id="90" idx="1"/>
+              </p:cNvCxnSpPr>
+              <p:nvPr/>
+            </p:nvCxnSpPr>
+            <p:spPr>
+              <a:xfrm flipV="1">
+                <a:off x="3059206" y="1110103"/>
+                <a:ext cx="278883" cy="1"/>
+              </a:xfrm>
+              <a:prstGeom prst="bentConnector3">
+                <a:avLst/>
+              </a:prstGeom>
+              <a:ln w="38100">
+                <a:solidFill>
+                  <a:schemeClr val="tx1"/>
+                </a:solidFill>
+                <a:tailEnd type="triangle"/>
+              </a:ln>
+            </p:spPr>
+            <p:style>
+              <a:lnRef idx="2">
+                <a:schemeClr val="accent1"/>
+              </a:lnRef>
+              <a:fillRef idx="0">
+                <a:schemeClr val="accent1"/>
+              </a:fillRef>
+              <a:effectRef idx="1">
+                <a:schemeClr val="accent1"/>
+              </a:effectRef>
+              <a:fontRef idx="minor">
+                <a:schemeClr val="tx1"/>
+              </a:fontRef>
+            </p:style>
+          </p:cxnSp>
+          <p:cxnSp>
+            <p:nvCxnSpPr>
+              <p:cNvPr id="106" name="Elbow Connector 105">
+                <a:extLst>
+                  <a:ext uri="{FF2B5EF4-FFF2-40B4-BE49-F238E27FC236}">
+                    <a16:creationId xmlns:a16="http://schemas.microsoft.com/office/drawing/2014/main" id="{DDE60987-4F33-4F28-F277-4694AB8319E6}"/>
+                  </a:ext>
+                </a:extLst>
+              </p:cNvPr>
+              <p:cNvCxnSpPr>
+                <a:cxnSpLocks/>
+                <a:endCxn id="57" idx="3"/>
+              </p:cNvCxnSpPr>
+              <p:nvPr/>
+            </p:nvCxnSpPr>
+            <p:spPr>
+              <a:xfrm rot="5400000">
+                <a:off x="3848414" y="1671780"/>
+                <a:ext cx="1024591" cy="707332"/>
+              </a:xfrm>
+              <a:prstGeom prst="bentConnector2">
+                <a:avLst/>
+              </a:prstGeom>
+              <a:ln w="38100">
+                <a:solidFill>
+                  <a:schemeClr val="tx1"/>
+                </a:solidFill>
+                <a:tailEnd type="triangle"/>
+              </a:ln>
+            </p:spPr>
+            <p:style>
+              <a:lnRef idx="2">
+                <a:schemeClr val="accent1"/>
+              </a:lnRef>
+              <a:fillRef idx="0">
+                <a:schemeClr val="accent1"/>
+              </a:fillRef>
+              <a:effectRef idx="1">
+                <a:schemeClr val="accent1"/>
+              </a:effectRef>
+              <a:fontRef idx="minor">
+                <a:schemeClr val="tx1"/>
+              </a:fontRef>
+            </p:style>
+          </p:cxnSp>
+          <p:cxnSp>
+            <p:nvCxnSpPr>
+              <p:cNvPr id="113" name="Elbow Connector 112">
+                <a:extLst>
+                  <a:ext uri="{FF2B5EF4-FFF2-40B4-BE49-F238E27FC236}">
+                    <a16:creationId xmlns:a16="http://schemas.microsoft.com/office/drawing/2014/main" id="{8666E3E5-8705-059C-FD4D-82F1425C8601}"/>
+                  </a:ext>
+                </a:extLst>
+              </p:cNvPr>
+              <p:cNvCxnSpPr>
+                <a:cxnSpLocks/>
+                <a:endCxn id="72" idx="1"/>
+              </p:cNvCxnSpPr>
+              <p:nvPr/>
+            </p:nvCxnSpPr>
+            <p:spPr>
+              <a:xfrm rot="16200000" flipH="1">
+                <a:off x="1457289" y="1768374"/>
+                <a:ext cx="1038859" cy="528412"/>
+              </a:xfrm>
+              <a:prstGeom prst="bentConnector2">
+                <a:avLst/>
+              </a:prstGeom>
+              <a:ln w="38100">
+                <a:solidFill>
+                  <a:schemeClr val="tx1"/>
+                </a:solidFill>
+                <a:tailEnd type="triangle"/>
+              </a:ln>
+            </p:spPr>
+            <p:style>
+              <a:lnRef idx="2">
+                <a:schemeClr val="accent1"/>
+              </a:lnRef>
+              <a:fillRef idx="0">
+                <a:schemeClr val="accent1"/>
+              </a:fillRef>
+              <a:effectRef idx="1">
+                <a:schemeClr val="accent1"/>
+              </a:effectRef>
+              <a:fontRef idx="minor">
+                <a:schemeClr val="tx1"/>
+              </a:fontRef>
+            </p:style>
+          </p:cxnSp>
+          <p:sp>
+            <p:nvSpPr>
+              <p:cNvPr id="118" name="Bent Arrow 117">
+                <a:extLst>
+                  <a:ext uri="{FF2B5EF4-FFF2-40B4-BE49-F238E27FC236}">
+                    <a16:creationId xmlns:a16="http://schemas.microsoft.com/office/drawing/2014/main" id="{F42762D6-6FA2-6BFB-C650-5732518E07E9}"/>
+                  </a:ext>
+                </a:extLst>
+              </p:cNvPr>
+              <p:cNvSpPr/>
+              <p:nvPr/>
+            </p:nvSpPr>
+            <p:spPr>
+              <a:xfrm rot="10800000">
+                <a:off x="2589088" y="4104555"/>
+                <a:ext cx="566598" cy="635392"/>
+              </a:xfrm>
+              <a:prstGeom prst="bentArrow">
+                <a:avLst>
+                  <a:gd name="adj1" fmla="val 14536"/>
+                  <a:gd name="adj2" fmla="val 16402"/>
+                  <a:gd name="adj3" fmla="val 25000"/>
+                  <a:gd name="adj4" fmla="val 4659"/>
+                </a:avLst>
+              </a:prstGeom>
+              <a:solidFill>
+                <a:schemeClr val="bg1">
+                  <a:lumMod val="85000"/>
+                </a:schemeClr>
+              </a:solidFill>
+              <a:ln>
+                <a:solidFill>
+                  <a:schemeClr val="tx1"/>
+                </a:solidFill>
+              </a:ln>
+            </p:spPr>
+            <p:style>
+              <a:lnRef idx="2">
+                <a:schemeClr val="accent1">
+                  <a:shade val="15000"/>
+                </a:schemeClr>
+              </a:lnRef>
+              <a:fillRef idx="1">
+                <a:schemeClr val="accent1"/>
+              </a:fillRef>
+              <a:effectRef idx="0">
+                <a:schemeClr val="accent1"/>
+              </a:effectRef>
+              <a:fontRef idx="minor">
+                <a:schemeClr val="lt1"/>
+              </a:fontRef>
+            </p:style>
+            <p:txBody>
+              <a:bodyPr rtlCol="0" anchor="ctr"/>
+              <a:lstStyle/>
+              <a:p>
+                <a:pPr algn="ctr"/>
+                <a:endParaRPr lang="en-US">
+                  <a:solidFill>
+                    <a:schemeClr val="tx1"/>
+                  </a:solidFill>
+                </a:endParaRPr>
+              </a:p>
+            </p:txBody>
+          </p:sp>
+          <p:sp>
+            <p:nvSpPr>
+              <p:cNvPr id="131" name="Down Arrow 130">
+                <a:extLst>
+                  <a:ext uri="{FF2B5EF4-FFF2-40B4-BE49-F238E27FC236}">
+                    <a16:creationId xmlns:a16="http://schemas.microsoft.com/office/drawing/2014/main" id="{51368F4D-4053-E598-7C36-1196F30555A2}"/>
+                  </a:ext>
+                </a:extLst>
+              </p:cNvPr>
+              <p:cNvSpPr/>
+              <p:nvPr/>
+            </p:nvSpPr>
+            <p:spPr>
+              <a:xfrm>
+                <a:off x="2002827" y="2816892"/>
+                <a:ext cx="884866" cy="343490"/>
+              </a:xfrm>
+              <a:prstGeom prst="downArrow">
+                <a:avLst>
+                  <a:gd name="adj1" fmla="val 30083"/>
+                  <a:gd name="adj2" fmla="val 56030"/>
+                </a:avLst>
+              </a:prstGeom>
+              <a:solidFill>
+                <a:schemeClr val="tx2">
+                  <a:lumMod val="25000"/>
+                  <a:lumOff val="75000"/>
+                </a:schemeClr>
+              </a:solidFill>
+            </p:spPr>
+            <p:style>
+              <a:lnRef idx="2">
+                <a:schemeClr val="accent1">
+                  <a:shade val="15000"/>
+                </a:schemeClr>
+              </a:lnRef>
+              <a:fillRef idx="1">
+                <a:schemeClr val="accent1"/>
+              </a:fillRef>
+              <a:effectRef idx="0">
+                <a:schemeClr val="accent1"/>
+              </a:effectRef>
+              <a:fontRef idx="minor">
+                <a:schemeClr val="lt1"/>
+              </a:fontRef>
+            </p:style>
+            <p:txBody>
+              <a:bodyPr rtlCol="0" anchor="ctr"/>
+              <a:lstStyle/>
+              <a:p>
+                <a:pPr algn="ctr"/>
+                <a:endParaRPr lang="en-US"/>
+              </a:p>
+            </p:txBody>
+          </p:sp>
+          <p:sp>
+            <p:nvSpPr>
+              <p:cNvPr id="132" name="Down Arrow 131">
+                <a:extLst>
+                  <a:ext uri="{FF2B5EF4-FFF2-40B4-BE49-F238E27FC236}">
+                    <a16:creationId xmlns:a16="http://schemas.microsoft.com/office/drawing/2014/main" id="{9C0B1984-E76F-E8D5-CED1-A513BBCF31D7}"/>
+                  </a:ext>
+                </a:extLst>
+              </p:cNvPr>
+              <p:cNvSpPr/>
+              <p:nvPr/>
+            </p:nvSpPr>
+            <p:spPr>
+              <a:xfrm>
+                <a:off x="3509092" y="2821759"/>
+                <a:ext cx="884866" cy="332420"/>
+              </a:xfrm>
+              <a:prstGeom prst="downArrow">
+                <a:avLst>
+                  <a:gd name="adj1" fmla="val 30083"/>
+                  <a:gd name="adj2" fmla="val 56030"/>
+                </a:avLst>
+              </a:prstGeom>
+              <a:solidFill>
+                <a:schemeClr val="tx2">
+                  <a:lumMod val="25000"/>
+                  <a:lumOff val="75000"/>
+                </a:schemeClr>
+              </a:solidFill>
+            </p:spPr>
+            <p:style>
+              <a:lnRef idx="2">
+                <a:schemeClr val="accent1">
+                  <a:shade val="15000"/>
+                </a:schemeClr>
+              </a:lnRef>
+              <a:fillRef idx="1">
+                <a:schemeClr val="accent1"/>
+              </a:fillRef>
+              <a:effectRef idx="0">
+                <a:schemeClr val="accent1"/>
+              </a:effectRef>
+              <a:fontRef idx="minor">
+                <a:schemeClr val="lt1"/>
+              </a:fontRef>
+            </p:style>
+            <p:txBody>
+              <a:bodyPr rtlCol="0" anchor="ctr"/>
+              <a:lstStyle/>
+              <a:p>
+                <a:pPr algn="ctr"/>
+                <a:endParaRPr lang="en-US"/>
+              </a:p>
+            </p:txBody>
+          </p:sp>
+        </p:grpSp>
+        <p:sp>
+          <p:nvSpPr>
+            <p:cNvPr id="3" name="Bent Arrow 2">
+              <a:extLst>
+                <a:ext uri="{FF2B5EF4-FFF2-40B4-BE49-F238E27FC236}">
+                  <a16:creationId xmlns:a16="http://schemas.microsoft.com/office/drawing/2014/main" id="{454CD222-EC94-9049-2F31-97FE8A844679}"/>
+                </a:ext>
+              </a:extLst>
+            </p:cNvPr>
+            <p:cNvSpPr/>
+            <p:nvPr/>
+          </p:nvSpPr>
+          <p:spPr>
+            <a:xfrm rot="10800000" flipH="1">
+              <a:off x="3234923" y="4098075"/>
+              <a:ext cx="566598" cy="635392"/>
+            </a:xfrm>
+            <a:prstGeom prst="bentArrow">
+              <a:avLst>
+                <a:gd name="adj1" fmla="val 14536"/>
+                <a:gd name="adj2" fmla="val 16402"/>
+                <a:gd name="adj3" fmla="val 25000"/>
+                <a:gd name="adj4" fmla="val 4659"/>
+              </a:avLst>
+            </a:prstGeom>
+            <a:solidFill>
+              <a:schemeClr val="accent6">
+                <a:lumMod val="20000"/>
+                <a:lumOff val="80000"/>
+              </a:schemeClr>
+            </a:solidFill>
+            <a:ln>
+              <a:solidFill>
+                <a:schemeClr val="tx1"/>
+              </a:solidFill>
+            </a:ln>
+          </p:spPr>
+          <p:style>
+            <a:lnRef idx="2">
+              <a:schemeClr val="accent1">
+                <a:shade val="15000"/>
+              </a:schemeClr>
+            </a:lnRef>
+            <a:fillRef idx="1">
+              <a:schemeClr val="accent1"/>
+            </a:fillRef>
+            <a:effectRef idx="0">
+              <a:schemeClr val="accent1"/>
+            </a:effectRef>
+            <a:fontRef idx="minor">
+              <a:schemeClr val="lt1"/>
+            </a:fontRef>
+          </p:style>
+          <p:txBody>
+            <a:bodyPr rtlCol="0" anchor="ctr"/>
+            <a:lstStyle/>
+            <a:p>
+              <a:pPr algn="ctr"/>
+              <a:endParaRPr lang="en-US">
+                <a:solidFill>
+                  <a:schemeClr val="tx1"/>
+                </a:solidFill>
+              </a:endParaRPr>
+            </a:p>
+          </p:txBody>
+        </p:sp>
+      </p:grpSp>
+    </p:spTree>
+    <p:extLst>
+      <p:ext uri="{BB962C8B-B14F-4D97-AF65-F5344CB8AC3E}">
+        <p14:creationId xmlns:p14="http://schemas.microsoft.com/office/powerpoint/2010/main" val="4286875819"/>
+      </p:ext>
+    </p:extLst>
+  </p:cSld>
+  <p:clrMapOvr>
+    <a:masterClrMapping/>
+  </p:clrMapOvr>
+</p:sld>
+</file>
+
+<file path=ppt/slides/slide4.xml><?xml version="1.0" encoding="utf-8"?>
+<p:sld xmlns:a="http://schemas.openxmlformats.org/drawingml/2006/main" xmlns:r="http://schemas.openxmlformats.org/officeDocument/2006/relationships" xmlns:p="http://schemas.openxmlformats.org/presentationml/2006/main">
+  <p:cSld>
+    <p:spTree>
+      <p:nvGrpSpPr>
+        <p:cNvPr id="1" name=""/>
+        <p:cNvGrpSpPr/>
+        <p:nvPr/>
+      </p:nvGrpSpPr>
+      <p:grpSpPr>
+        <a:xfrm>
+          <a:off x="0" y="0"/>
+          <a:ext cx="0" cy="0"/>
+          <a:chOff x="0" y="0"/>
+          <a:chExt cx="0" cy="0"/>
+        </a:xfrm>
+      </p:grpSpPr>
+      <p:grpSp>
+        <p:nvGrpSpPr>
+          <p:cNvPr id="4" name="Group 3">
+            <a:extLst>
+              <a:ext uri="{FF2B5EF4-FFF2-40B4-BE49-F238E27FC236}">
+                <a16:creationId xmlns:a16="http://schemas.microsoft.com/office/drawing/2014/main" id="{815F7DE1-5F59-908E-3286-63B739B2C7FF}"/>
+              </a:ext>
+            </a:extLst>
+          </p:cNvPr>
+          <p:cNvGrpSpPr/>
+          <p:nvPr/>
+        </p:nvGrpSpPr>
+        <p:grpSpPr>
+          <a:xfrm>
+            <a:off x="2710790" y="2326"/>
+            <a:ext cx="6581208" cy="6855674"/>
+            <a:chOff x="2710876" y="284052"/>
+            <a:chExt cx="6581208" cy="6556546"/>
+          </a:xfrm>
+        </p:grpSpPr>
+        <p:grpSp>
+          <p:nvGrpSpPr>
+            <p:cNvPr id="5" name="Group 4">
+              <a:extLst>
+                <a:ext uri="{FF2B5EF4-FFF2-40B4-BE49-F238E27FC236}">
+                  <a16:creationId xmlns:a16="http://schemas.microsoft.com/office/drawing/2014/main" id="{0D41FA95-68BB-E333-1A87-565950736D4B}"/>
+                </a:ext>
+              </a:extLst>
+            </p:cNvPr>
+            <p:cNvGrpSpPr/>
+            <p:nvPr/>
+          </p:nvGrpSpPr>
+          <p:grpSpPr>
+            <a:xfrm>
+              <a:off x="2710876" y="284052"/>
+              <a:ext cx="6581208" cy="6556546"/>
+              <a:chOff x="2710876" y="284052"/>
+              <a:chExt cx="6581208" cy="6556546"/>
+            </a:xfrm>
+          </p:grpSpPr>
+          <p:grpSp>
+            <p:nvGrpSpPr>
+              <p:cNvPr id="7" name="Group 6">
+                <a:extLst>
+                  <a:ext uri="{FF2B5EF4-FFF2-40B4-BE49-F238E27FC236}">
+                    <a16:creationId xmlns:a16="http://schemas.microsoft.com/office/drawing/2014/main" id="{02C7548F-B5BF-9E8D-7745-CDE4940B9064}"/>
+                  </a:ext>
+                </a:extLst>
+              </p:cNvPr>
+              <p:cNvGrpSpPr/>
+              <p:nvPr/>
+            </p:nvGrpSpPr>
+            <p:grpSpPr>
+              <a:xfrm>
+                <a:off x="2710876" y="656078"/>
+                <a:ext cx="6581208" cy="6184520"/>
+                <a:chOff x="2642521" y="353518"/>
+                <a:chExt cx="6581208" cy="6184520"/>
+              </a:xfrm>
+            </p:grpSpPr>
+            <mc:AlternateContent xmlns:mc="http://schemas.openxmlformats.org/markup-compatibility/2006" xmlns:a14="http://schemas.microsoft.com/office/drawing/2010/main">
+              <mc:Choice Requires="a14">
+                <p:sp>
+                  <p:nvSpPr>
+                    <p:cNvPr id="9" name="TextBox 8">
+                      <a:extLst>
+                        <a:ext uri="{FF2B5EF4-FFF2-40B4-BE49-F238E27FC236}">
+                          <a16:creationId xmlns:a16="http://schemas.microsoft.com/office/drawing/2014/main" id="{3C6F2C7F-8422-ED68-464C-CDC5545706A4}"/>
+                        </a:ext>
+                      </a:extLst>
+                    </p:cNvPr>
+                    <p:cNvSpPr txBox="1"/>
+                    <p:nvPr/>
+                  </p:nvSpPr>
+                  <p:spPr>
+                    <a:xfrm>
+                      <a:off x="4128149" y="823715"/>
+                      <a:ext cx="2732452" cy="369332"/>
+                    </a:xfrm>
+                    <a:prstGeom prst="rect">
+                      <a:avLst/>
+                    </a:prstGeom>
+                    <a:noFill/>
+                  </p:spPr>
+                  <p:txBody>
+                    <a:bodyPr wrap="square" rtlCol="0">
+                      <a:spAutoFit/>
+                    </a:bodyPr>
+                    <a:lstStyle/>
+                    <a:p>
+                      <a:pPr/>
+                      <a14:m>
+                        <m:oMathPara xmlns:m="http://schemas.openxmlformats.org/officeDocument/2006/math">
+                          <m:oMathParaPr>
+                            <m:jc m:val="center"/>
+                          </m:oMathParaPr>
+                          <m:oMath xmlns:m="http://schemas.openxmlformats.org/officeDocument/2006/math">
+                            <m:r>
+                              <a:rPr lang="en-US" b="1" i="1" smtClean="0">
+                                <a:latin typeface="Cambria Math" panose="02040503050406030204" pitchFamily="18" charset="0"/>
+                              </a:rPr>
+                              <m:t>𝒙</m:t>
+                            </m:r>
+                            <m:r>
+                              <a:rPr lang="en-US" b="0" i="1" smtClean="0">
+                                <a:latin typeface="Cambria Math" panose="02040503050406030204" pitchFamily="18" charset="0"/>
+                              </a:rPr>
+                              <m:t>=“</m:t>
+                            </m:r>
+                            <m:r>
+                              <m:rPr>
+                                <m:nor/>
+                              </m:rPr>
+                              <a:rPr lang="en-US" dirty="0" smtClean="0">
+                                <a:latin typeface="Times New Roman" panose="02020603050405020304" pitchFamily="18" charset="0"/>
+                                <a:cs typeface="Times New Roman" panose="02020603050405020304" pitchFamily="18" charset="0"/>
+                              </a:rPr>
+                              <m:t>The</m:t>
+                            </m:r>
+                            <m:r>
+                              <m:rPr>
+                                <m:nor/>
+                              </m:rPr>
+                              <a:rPr lang="en-US" dirty="0" smtClean="0">
+                                <a:latin typeface="Times New Roman" panose="02020603050405020304" pitchFamily="18" charset="0"/>
+                                <a:cs typeface="Times New Roman" panose="02020603050405020304" pitchFamily="18" charset="0"/>
+                              </a:rPr>
+                              <m:t> </m:t>
+                            </m:r>
+                            <m:r>
+                              <m:rPr>
+                                <m:nor/>
+                              </m:rPr>
+                              <a:rPr lang="en-US" dirty="0" smtClean="0">
+                                <a:latin typeface="Times New Roman" panose="02020603050405020304" pitchFamily="18" charset="0"/>
+                                <a:cs typeface="Times New Roman" panose="02020603050405020304" pitchFamily="18" charset="0"/>
+                              </a:rPr>
+                              <m:t>quick</m:t>
+                            </m:r>
+                            <m:r>
+                              <m:rPr>
+                                <m:nor/>
+                              </m:rPr>
+                              <a:rPr lang="en-US" dirty="0" smtClean="0">
+                                <a:latin typeface="Times New Roman" panose="02020603050405020304" pitchFamily="18" charset="0"/>
+                                <a:cs typeface="Times New Roman" panose="02020603050405020304" pitchFamily="18" charset="0"/>
+                              </a:rPr>
+                              <m:t> </m:t>
+                            </m:r>
+                            <m:r>
+                              <m:rPr>
+                                <m:nor/>
+                              </m:rPr>
+                              <a:rPr lang="en-US" dirty="0" smtClean="0">
+                                <a:latin typeface="Times New Roman" panose="02020603050405020304" pitchFamily="18" charset="0"/>
+                                <a:cs typeface="Times New Roman" panose="02020603050405020304" pitchFamily="18" charset="0"/>
+                              </a:rPr>
+                              <m:t>brown</m:t>
+                            </m:r>
+                            <m:r>
+                              <m:rPr>
+                                <m:nor/>
+                              </m:rPr>
+                              <a:rPr lang="en-US" dirty="0" smtClean="0">
+                                <a:latin typeface="Times New Roman" panose="02020603050405020304" pitchFamily="18" charset="0"/>
+                                <a:cs typeface="Times New Roman" panose="02020603050405020304" pitchFamily="18" charset="0"/>
+                              </a:rPr>
+                              <m:t> </m:t>
+                            </m:r>
+                            <m:r>
+                              <m:rPr>
+                                <m:nor/>
+                              </m:rPr>
+                              <a:rPr lang="en-US" dirty="0" smtClean="0">
+                                <a:latin typeface="Times New Roman" panose="02020603050405020304" pitchFamily="18" charset="0"/>
+                                <a:cs typeface="Times New Roman" panose="02020603050405020304" pitchFamily="18" charset="0"/>
+                              </a:rPr>
+                              <m:t>fox</m:t>
+                            </m:r>
+                            <m:r>
+                              <a:rPr lang="en-US" b="0" i="1" dirty="0" smtClean="0">
+                                <a:latin typeface="Cambria Math" panose="02040503050406030204" pitchFamily="18" charset="0"/>
+                              </a:rPr>
+                              <m:t>”</m:t>
+                            </m:r>
+                          </m:oMath>
+                        </m:oMathPara>
+                      </a14:m>
+                      <a:endParaRPr lang="en-US" dirty="0"/>
+                    </a:p>
+                  </p:txBody>
+                </p:sp>
+              </mc:Choice>
+              <mc:Fallback xmlns="">
+                <p:sp>
+                  <p:nvSpPr>
+                    <p:cNvPr id="5" name="TextBox 4">
+                      <a:extLst>
+                        <a:ext uri="{FF2B5EF4-FFF2-40B4-BE49-F238E27FC236}">
+                          <a16:creationId xmlns:a16="http://schemas.microsoft.com/office/drawing/2014/main" id="{CD5514BC-FE57-03CB-DBA8-B339A02CEF73}"/>
+                        </a:ext>
+                      </a:extLst>
+                    </p:cNvPr>
+                    <p:cNvSpPr txBox="1">
+                      <a:spLocks noRot="1" noChangeAspect="1" noMove="1" noResize="1" noEditPoints="1" noAdjustHandles="1" noChangeArrowheads="1" noChangeShapeType="1" noTextEdit="1"/>
+                    </p:cNvSpPr>
+                    <p:nvPr/>
+                  </p:nvSpPr>
+                  <p:spPr>
+                    <a:xfrm>
+                      <a:off x="4128149" y="823715"/>
+                      <a:ext cx="2732452" cy="369332"/>
+                    </a:xfrm>
+                    <a:prstGeom prst="rect">
+                      <a:avLst/>
+                    </a:prstGeom>
+                    <a:blipFill>
+                      <a:blip r:embed="rId3"/>
+                      <a:stretch>
+                        <a:fillRect b="-12903"/>
+                      </a:stretch>
+                    </a:blipFill>
+                  </p:spPr>
+                  <p:txBody>
+                    <a:bodyPr/>
+                    <a:lstStyle/>
+                    <a:p>
+                      <a:r>
+                        <a:rPr lang="en-US">
+                          <a:noFill/>
+                        </a:rPr>
+                        <a:t> </a:t>
+                      </a:r>
+                    </a:p>
+                  </p:txBody>
+                </p:sp>
+              </mc:Fallback>
+            </mc:AlternateContent>
+            <mc:AlternateContent xmlns:mc="http://schemas.openxmlformats.org/markup-compatibility/2006" xmlns:a14="http://schemas.microsoft.com/office/drawing/2010/main">
+              <mc:Choice Requires="a14">
+                <p:sp>
+                  <p:nvSpPr>
+                    <p:cNvPr id="10" name="TextBox 9">
+                      <a:extLst>
+                        <a:ext uri="{FF2B5EF4-FFF2-40B4-BE49-F238E27FC236}">
+                          <a16:creationId xmlns:a16="http://schemas.microsoft.com/office/drawing/2014/main" id="{4850FD86-3E2D-0B44-5D8A-74F0FD52239A}"/>
+                        </a:ext>
+                      </a:extLst>
+                    </p:cNvPr>
+                    <p:cNvSpPr txBox="1"/>
+                    <p:nvPr/>
+                  </p:nvSpPr>
+                  <p:spPr>
+                    <a:xfrm>
+                      <a:off x="2803422" y="2528376"/>
+                      <a:ext cx="1562193" cy="646331"/>
+                    </a:xfrm>
+                    <a:prstGeom prst="rect">
+                      <a:avLst/>
+                    </a:prstGeom>
+                    <a:noFill/>
+                  </p:spPr>
+                  <p:txBody>
+                    <a:bodyPr wrap="square" rtlCol="0">
+                      <a:spAutoFit/>
+                    </a:bodyPr>
+                    <a:lstStyle/>
+                    <a:p>
+                      <a:pPr algn="ctr"/>
+                      <a14:m>
+                        <m:oMath xmlns:m="http://schemas.openxmlformats.org/officeDocument/2006/math">
+                          <m:sSub>
+                            <m:sSubPr>
+                              <m:ctrlPr>
+                                <a:rPr lang="en-US" b="1" i="1" smtClean="0">
+                                  <a:latin typeface="Cambria Math" panose="02040503050406030204" pitchFamily="18" charset="0"/>
+                                </a:rPr>
+                              </m:ctrlPr>
+                            </m:sSubPr>
+                            <m:e>
+                              <m:acc>
+                                <m:accPr>
+                                  <m:chr m:val="̃"/>
+                                  <m:ctrlPr>
+                                    <a:rPr lang="en-US" b="1" i="1" smtClean="0">
+                                      <a:latin typeface="Cambria Math" panose="02040503050406030204" pitchFamily="18" charset="0"/>
+                                    </a:rPr>
+                                  </m:ctrlPr>
+                                </m:accPr>
+                                <m:e>
+                                  <m:r>
+                                    <a:rPr lang="en-US" b="1" i="1" smtClean="0">
+                                      <a:latin typeface="Cambria Math" panose="02040503050406030204" pitchFamily="18" charset="0"/>
+                                    </a:rPr>
+                                    <m:t>𝒙</m:t>
+                                  </m:r>
+                                </m:e>
+                              </m:acc>
+                            </m:e>
+                            <m:sub>
+                              <m:r>
+                                <a:rPr lang="en-US" b="1" i="1" smtClean="0">
+                                  <a:latin typeface="Cambria Math" panose="02040503050406030204" pitchFamily="18" charset="0"/>
+                                </a:rPr>
+                                <m:t>𝟏</m:t>
+                              </m:r>
+                            </m:sub>
+                          </m:sSub>
+                          <m:r>
+                            <a:rPr lang="en-US" b="0" i="1" smtClean="0">
+                              <a:latin typeface="Cambria Math" panose="02040503050406030204" pitchFamily="18" charset="0"/>
+                            </a:rPr>
+                            <m:t>=</m:t>
+                          </m:r>
+                          <m:r>
+                            <a:rPr lang="en-US" b="0" i="0" smtClean="0">
+                              <a:latin typeface="Cambria Math" panose="02040503050406030204" pitchFamily="18" charset="0"/>
+                            </a:rPr>
+                            <m:t> </m:t>
+                          </m:r>
+                        </m:oMath>
+                      </a14:m>
+                      <a:r>
+                        <a:rPr lang="en-US" dirty="0">
+                          <a:latin typeface="Times New Roman" panose="02020603050405020304" pitchFamily="18" charset="0"/>
+                          <a:cs typeface="Times New Roman" panose="02020603050405020304" pitchFamily="18" charset="0"/>
+                        </a:rPr>
+                        <a:t>“</a:t>
+                      </a:r>
+                      <a:r>
+                        <a:rPr lang="en-US" u="sng" dirty="0">
+                          <a:solidFill>
+                            <a:srgbClr val="FF0000"/>
+                          </a:solidFill>
+                        </a:rPr>
+                        <a:t>A</a:t>
+                      </a:r>
+                      <a:r>
+                        <a:rPr lang="en-US" dirty="0"/>
+                        <a:t> quick brown fox”</a:t>
+                      </a:r>
+                    </a:p>
+                  </p:txBody>
+                </p:sp>
+              </mc:Choice>
+              <mc:Fallback xmlns="">
+                <p:sp>
+                  <p:nvSpPr>
+                    <p:cNvPr id="6" name="TextBox 5">
+                      <a:extLst>
+                        <a:ext uri="{FF2B5EF4-FFF2-40B4-BE49-F238E27FC236}">
+                          <a16:creationId xmlns:a16="http://schemas.microsoft.com/office/drawing/2014/main" id="{5D5660CE-BECB-62C4-A8E4-4A0AD2D46E9E}"/>
+                        </a:ext>
+                      </a:extLst>
+                    </p:cNvPr>
+                    <p:cNvSpPr txBox="1">
+                      <a:spLocks noRot="1" noChangeAspect="1" noMove="1" noResize="1" noEditPoints="1" noAdjustHandles="1" noChangeArrowheads="1" noChangeShapeType="1" noTextEdit="1"/>
+                    </p:cNvSpPr>
+                    <p:nvPr/>
+                  </p:nvSpPr>
+                  <p:spPr>
+                    <a:xfrm>
+                      <a:off x="2803422" y="2528376"/>
+                      <a:ext cx="1562193" cy="646331"/>
+                    </a:xfrm>
+                    <a:prstGeom prst="rect">
+                      <a:avLst/>
+                    </a:prstGeom>
+                    <a:blipFill>
+                      <a:blip r:embed="rId4"/>
+                      <a:stretch>
+                        <a:fillRect t="-3636" r="-5691" b="-7273"/>
+                      </a:stretch>
+                    </a:blipFill>
+                  </p:spPr>
+                  <p:txBody>
+                    <a:bodyPr/>
+                    <a:lstStyle/>
+                    <a:p>
+                      <a:r>
+                        <a:rPr lang="en-US">
+                          <a:noFill/>
+                        </a:rPr>
+                        <a:t> </a:t>
+                      </a:r>
+                    </a:p>
+                  </p:txBody>
+                </p:sp>
+              </mc:Fallback>
+            </mc:AlternateContent>
+            <mc:AlternateContent xmlns:mc="http://schemas.openxmlformats.org/markup-compatibility/2006" xmlns:a14="http://schemas.microsoft.com/office/drawing/2010/main">
+              <mc:Choice Requires="a14">
+                <p:sp>
+                  <p:nvSpPr>
+                    <p:cNvPr id="11" name="TextBox 10">
+                      <a:extLst>
+                        <a:ext uri="{FF2B5EF4-FFF2-40B4-BE49-F238E27FC236}">
+                          <a16:creationId xmlns:a16="http://schemas.microsoft.com/office/drawing/2014/main" id="{3F92802B-4878-F4BF-1AC3-18A3752C63BD}"/>
+                        </a:ext>
+                      </a:extLst>
+                    </p:cNvPr>
+                    <p:cNvSpPr txBox="1"/>
+                    <p:nvPr/>
+                  </p:nvSpPr>
+                  <p:spPr>
+                    <a:xfrm>
+                      <a:off x="4611945" y="2522101"/>
+                      <a:ext cx="1755996" cy="646331"/>
+                    </a:xfrm>
+                    <a:prstGeom prst="rect">
+                      <a:avLst/>
+                    </a:prstGeom>
+                    <a:noFill/>
+                  </p:spPr>
+                  <p:txBody>
+                    <a:bodyPr wrap="square" rtlCol="0">
+                      <a:spAutoFit/>
+                    </a:bodyPr>
+                    <a:lstStyle/>
+                    <a:p>
+                      <a:pPr algn="ctr"/>
+                      <a14:m>
+                        <m:oMath xmlns:m="http://schemas.openxmlformats.org/officeDocument/2006/math">
+                          <m:sSub>
+                            <m:sSubPr>
+                              <m:ctrlPr>
+                                <a:rPr lang="en-US" b="1" i="1" smtClean="0">
+                                  <a:latin typeface="Cambria Math" panose="02040503050406030204" pitchFamily="18" charset="0"/>
+                                </a:rPr>
+                              </m:ctrlPr>
+                            </m:sSubPr>
+                            <m:e>
+                              <m:acc>
+                                <m:accPr>
+                                  <m:chr m:val="̃"/>
+                                  <m:ctrlPr>
+                                    <a:rPr lang="en-US" b="1" i="1" smtClean="0">
+                                      <a:latin typeface="Cambria Math" panose="02040503050406030204" pitchFamily="18" charset="0"/>
+                                    </a:rPr>
+                                  </m:ctrlPr>
+                                </m:accPr>
+                                <m:e>
+                                  <m:r>
+                                    <a:rPr lang="en-US" b="1" i="1" smtClean="0">
+                                      <a:latin typeface="Cambria Math" panose="02040503050406030204" pitchFamily="18" charset="0"/>
+                                    </a:rPr>
+                                    <m:t>𝒙</m:t>
+                                  </m:r>
+                                </m:e>
+                              </m:acc>
+                            </m:e>
+                            <m:sub>
+                              <m:r>
+                                <a:rPr lang="en-US" b="1" i="1" smtClean="0">
+                                  <a:latin typeface="Cambria Math" panose="02040503050406030204" pitchFamily="18" charset="0"/>
+                                </a:rPr>
+                                <m:t>𝟐</m:t>
+                              </m:r>
+                            </m:sub>
+                          </m:sSub>
+                          <m:r>
+                            <a:rPr lang="en-US" b="0" i="1" smtClean="0">
+                              <a:latin typeface="Cambria Math" panose="02040503050406030204" pitchFamily="18" charset="0"/>
+                            </a:rPr>
+                            <m:t>=</m:t>
+                          </m:r>
+                        </m:oMath>
+                      </a14:m>
+                      <a:r>
+                        <a:rPr lang="en-US" dirty="0">
+                          <a:latin typeface="Times New Roman" panose="02020603050405020304" pitchFamily="18" charset="0"/>
+                          <a:cs typeface="Times New Roman" panose="02020603050405020304" pitchFamily="18" charset="0"/>
+                        </a:rPr>
+                        <a:t> “The </a:t>
+                      </a:r>
+                      <a:r>
+                        <a:rPr lang="en-US" u="sng" dirty="0">
+                          <a:solidFill>
+                            <a:srgbClr val="FF0000"/>
+                          </a:solidFill>
+                          <a:latin typeface="Times New Roman" panose="02020603050405020304" pitchFamily="18" charset="0"/>
+                          <a:cs typeface="Times New Roman" panose="02020603050405020304" pitchFamily="18" charset="0"/>
+                        </a:rPr>
+                        <a:t>small</a:t>
+                      </a:r>
+                      <a:r>
+                        <a:rPr lang="en-US" dirty="0">
+                          <a:latin typeface="Times New Roman" panose="02020603050405020304" pitchFamily="18" charset="0"/>
+                          <a:cs typeface="Times New Roman" panose="02020603050405020304" pitchFamily="18" charset="0"/>
+                        </a:rPr>
+                        <a:t> brown fox”</a:t>
+                      </a:r>
+                    </a:p>
+                  </p:txBody>
+                </p:sp>
+              </mc:Choice>
+              <mc:Fallback xmlns="">
+                <p:sp>
+                  <p:nvSpPr>
+                    <p:cNvPr id="7" name="TextBox 6">
+                      <a:extLst>
+                        <a:ext uri="{FF2B5EF4-FFF2-40B4-BE49-F238E27FC236}">
+                          <a16:creationId xmlns:a16="http://schemas.microsoft.com/office/drawing/2014/main" id="{E8B3D820-30A2-C449-EA01-7EEB724FFF4C}"/>
+                        </a:ext>
+                      </a:extLst>
+                    </p:cNvPr>
+                    <p:cNvSpPr txBox="1">
+                      <a:spLocks noRot="1" noChangeAspect="1" noMove="1" noResize="1" noEditPoints="1" noAdjustHandles="1" noChangeArrowheads="1" noChangeShapeType="1" noTextEdit="1"/>
+                    </p:cNvSpPr>
+                    <p:nvPr/>
+                  </p:nvSpPr>
+                  <p:spPr>
+                    <a:xfrm>
+                      <a:off x="4611945" y="2522101"/>
+                      <a:ext cx="1755996" cy="646331"/>
+                    </a:xfrm>
+                    <a:prstGeom prst="rect">
+                      <a:avLst/>
+                    </a:prstGeom>
+                    <a:blipFill>
+                      <a:blip r:embed="rId5"/>
+                      <a:stretch>
+                        <a:fillRect t="-3704" r="-2158" b="-9259"/>
+                      </a:stretch>
+                    </a:blipFill>
+                  </p:spPr>
+                  <p:txBody>
+                    <a:bodyPr/>
+                    <a:lstStyle/>
+                    <a:p>
+                      <a:r>
+                        <a:rPr lang="en-US">
+                          <a:noFill/>
+                        </a:rPr>
+                        <a:t> </a:t>
+                      </a:r>
+                    </a:p>
+                  </p:txBody>
+                </p:sp>
+              </mc:Fallback>
+            </mc:AlternateContent>
+            <mc:AlternateContent xmlns:mc="http://schemas.openxmlformats.org/markup-compatibility/2006" xmlns:a14="http://schemas.microsoft.com/office/drawing/2010/main">
+              <mc:Choice Requires="a14">
+                <p:sp>
+                  <p:nvSpPr>
+                    <p:cNvPr id="12" name="TextBox 11">
+                      <a:extLst>
+                        <a:ext uri="{FF2B5EF4-FFF2-40B4-BE49-F238E27FC236}">
+                          <a16:creationId xmlns:a16="http://schemas.microsoft.com/office/drawing/2014/main" id="{F7A1B1B4-C9FA-393B-4908-A2AEE7617C0B}"/>
+                        </a:ext>
+                      </a:extLst>
+                    </p:cNvPr>
+                    <p:cNvSpPr txBox="1"/>
+                    <p:nvPr/>
+                  </p:nvSpPr>
+                  <p:spPr>
+                    <a:xfrm>
+                      <a:off x="6615633" y="2502772"/>
+                      <a:ext cx="1700393" cy="646331"/>
+                    </a:xfrm>
+                    <a:prstGeom prst="rect">
+                      <a:avLst/>
+                    </a:prstGeom>
+                    <a:noFill/>
+                  </p:spPr>
+                  <p:txBody>
+                    <a:bodyPr wrap="square" rtlCol="0">
+                      <a:spAutoFit/>
+                    </a:bodyPr>
+                    <a:lstStyle/>
+                    <a:p>
+                      <a:pPr algn="ctr"/>
+                      <a14:m>
+                        <m:oMath xmlns:m="http://schemas.openxmlformats.org/officeDocument/2006/math">
+                          <m:sSub>
+                            <m:sSubPr>
+                              <m:ctrlPr>
+                                <a:rPr lang="en-US" b="1" i="1" smtClean="0">
+                                  <a:latin typeface="Cambria Math" panose="02040503050406030204" pitchFamily="18" charset="0"/>
+                                </a:rPr>
+                              </m:ctrlPr>
+                            </m:sSubPr>
+                            <m:e>
+                              <m:acc>
+                                <m:accPr>
+                                  <m:chr m:val="̃"/>
+                                  <m:ctrlPr>
+                                    <a:rPr lang="en-US" b="1" i="1" smtClean="0">
+                                      <a:latin typeface="Cambria Math" panose="02040503050406030204" pitchFamily="18" charset="0"/>
+                                    </a:rPr>
+                                  </m:ctrlPr>
+                                </m:accPr>
+                                <m:e>
+                                  <m:r>
+                                    <a:rPr lang="en-US" b="1" i="1" smtClean="0">
+                                      <a:latin typeface="Cambria Math" panose="02040503050406030204" pitchFamily="18" charset="0"/>
+                                    </a:rPr>
+                                    <m:t>𝒙</m:t>
+                                  </m:r>
+                                </m:e>
+                              </m:acc>
+                            </m:e>
+                            <m:sub>
+                              <m:r>
+                                <a:rPr lang="en-US" b="1" i="1" smtClean="0">
+                                  <a:latin typeface="Cambria Math" panose="02040503050406030204" pitchFamily="18" charset="0"/>
+                                </a:rPr>
+                                <m:t>𝟑</m:t>
+                              </m:r>
+                            </m:sub>
+                          </m:sSub>
+                          <m:r>
+                            <a:rPr lang="en-US" b="0" i="1" smtClean="0">
+                              <a:latin typeface="Cambria Math" panose="02040503050406030204" pitchFamily="18" charset="0"/>
+                            </a:rPr>
+                            <m:t>=</m:t>
+                          </m:r>
+                        </m:oMath>
+                      </a14:m>
+                      <a:r>
+                        <a:rPr lang="en-US" dirty="0">
+                          <a:latin typeface="Times New Roman" panose="02020603050405020304" pitchFamily="18" charset="0"/>
+                          <a:cs typeface="Times New Roman" panose="02020603050405020304" pitchFamily="18" charset="0"/>
+                        </a:rPr>
+                        <a:t>“The quick </a:t>
+                      </a:r>
+                      <a:r>
+                        <a:rPr lang="en-US" u="sng" dirty="0">
+                          <a:solidFill>
+                            <a:srgbClr val="FF0000"/>
+                          </a:solidFill>
+                          <a:latin typeface="Times New Roman" panose="02020603050405020304" pitchFamily="18" charset="0"/>
+                          <a:cs typeface="Times New Roman" panose="02020603050405020304" pitchFamily="18" charset="0"/>
+                        </a:rPr>
+                        <a:t>cheetah</a:t>
+                      </a:r>
+                      <a:r>
+                        <a:rPr lang="en-US" dirty="0">
+                          <a:latin typeface="Times New Roman" panose="02020603050405020304" pitchFamily="18" charset="0"/>
+                          <a:cs typeface="Times New Roman" panose="02020603050405020304" pitchFamily="18" charset="0"/>
+                        </a:rPr>
+                        <a:t>”</a:t>
+                      </a:r>
+                    </a:p>
+                  </p:txBody>
+                </p:sp>
+              </mc:Choice>
+              <mc:Fallback xmlns="">
+                <p:sp>
+                  <p:nvSpPr>
+                    <p:cNvPr id="8" name="TextBox 7">
+                      <a:extLst>
+                        <a:ext uri="{FF2B5EF4-FFF2-40B4-BE49-F238E27FC236}">
+                          <a16:creationId xmlns:a16="http://schemas.microsoft.com/office/drawing/2014/main" id="{AC1753B1-9D77-8A5E-F452-C0ACE4D02464}"/>
+                        </a:ext>
+                      </a:extLst>
+                    </p:cNvPr>
+                    <p:cNvSpPr txBox="1">
+                      <a:spLocks noRot="1" noChangeAspect="1" noMove="1" noResize="1" noEditPoints="1" noAdjustHandles="1" noChangeArrowheads="1" noChangeShapeType="1" noTextEdit="1"/>
+                    </p:cNvSpPr>
+                    <p:nvPr/>
+                  </p:nvSpPr>
+                  <p:spPr>
+                    <a:xfrm>
+                      <a:off x="6615633" y="2502772"/>
+                      <a:ext cx="1700393" cy="646331"/>
+                    </a:xfrm>
+                    <a:prstGeom prst="rect">
+                      <a:avLst/>
+                    </a:prstGeom>
+                    <a:blipFill>
+                      <a:blip r:embed="rId6"/>
+                      <a:stretch>
+                        <a:fillRect t="-3636" r="-6716" b="-7273"/>
+                      </a:stretch>
+                    </a:blipFill>
+                  </p:spPr>
+                  <p:txBody>
+                    <a:bodyPr/>
+                    <a:lstStyle/>
+                    <a:p>
+                      <a:r>
+                        <a:rPr lang="en-US">
+                          <a:noFill/>
+                        </a:rPr>
+                        <a:t> </a:t>
+                      </a:r>
+                    </a:p>
+                  </p:txBody>
+                </p:sp>
+              </mc:Fallback>
+            </mc:AlternateContent>
+            <mc:AlternateContent xmlns:mc="http://schemas.openxmlformats.org/markup-compatibility/2006" xmlns:a14="http://schemas.microsoft.com/office/drawing/2010/main">
+              <mc:Choice Requires="a14">
+                <p:sp>
+                  <p:nvSpPr>
+                    <p:cNvPr id="13" name="TextBox 12">
+                      <a:extLst>
+                        <a:ext uri="{FF2B5EF4-FFF2-40B4-BE49-F238E27FC236}">
+                          <a16:creationId xmlns:a16="http://schemas.microsoft.com/office/drawing/2014/main" id="{760129FC-E203-353C-A12B-F9B11C93F0C8}"/>
+                        </a:ext>
+                      </a:extLst>
+                    </p:cNvPr>
+                    <p:cNvSpPr txBox="1"/>
+                    <p:nvPr/>
+                  </p:nvSpPr>
+                  <p:spPr>
+                    <a:xfrm>
+                      <a:off x="2966484" y="1663244"/>
+                      <a:ext cx="5055781" cy="369332"/>
+                    </a:xfrm>
+                    <a:prstGeom prst="rect">
+                      <a:avLst/>
+                    </a:prstGeom>
+                    <a:solidFill>
+                      <a:schemeClr val="accent6">
+                        <a:lumMod val="20000"/>
+                        <a:lumOff val="80000"/>
+                      </a:schemeClr>
+                    </a:solidFill>
+                    <a:ln w="19050">
+                      <a:solidFill>
+                        <a:schemeClr val="tx1"/>
+                      </a:solidFill>
+                    </a:ln>
+                  </p:spPr>
+                  <p:txBody>
+                    <a:bodyPr wrap="square" rtlCol="0">
+                      <a:spAutoFit/>
+                    </a:bodyPr>
+                    <a:lstStyle/>
+                    <a:p>
+                      <a:pPr algn="ctr"/>
+                      <a:r>
+                        <a:rPr lang="en-US" dirty="0">
+                          <a:latin typeface="Helvetica" pitchFamily="2" charset="0"/>
+                        </a:rPr>
+                        <a:t>perturbation model </a:t>
+                      </a:r>
+                      <a14:m>
+                        <m:oMath xmlns:m="http://schemas.openxmlformats.org/officeDocument/2006/math">
+                          <m:r>
+                            <a:rPr lang="en-US" b="0" i="1" smtClean="0">
+                              <a:latin typeface="Cambria Math" panose="02040503050406030204" pitchFamily="18" charset="0"/>
+                            </a:rPr>
+                            <m:t>𝑞</m:t>
+                          </m:r>
+                          <m:d>
+                            <m:dPr>
+                              <m:ctrlPr>
+                                <a:rPr lang="en-US" b="0" i="1" smtClean="0">
+                                  <a:latin typeface="Cambria Math" panose="02040503050406030204" pitchFamily="18" charset="0"/>
+                                </a:rPr>
+                              </m:ctrlPr>
+                            </m:dPr>
+                            <m:e>
+                              <m:r>
+                                <a:rPr lang="en-US" b="0" i="1" smtClean="0">
+                                  <a:latin typeface="Cambria Math" panose="02040503050406030204" pitchFamily="18" charset="0"/>
+                                  <a:ea typeface="Cambria Math" panose="02040503050406030204" pitchFamily="18" charset="0"/>
+                                </a:rPr>
+                                <m:t>∙</m:t>
+                              </m:r>
+                              <m:d>
+                                <m:dPr>
+                                  <m:begChr m:val="|"/>
+                                  <m:endChr m:val=""/>
+                                  <m:ctrlPr>
+                                    <a:rPr lang="en-US" b="0" i="1" smtClean="0">
+                                      <a:latin typeface="Cambria Math" panose="02040503050406030204" pitchFamily="18" charset="0"/>
+                                      <a:ea typeface="Cambria Math" panose="02040503050406030204" pitchFamily="18" charset="0"/>
+                                    </a:rPr>
+                                  </m:ctrlPr>
+                                </m:dPr>
+                                <m:e>
+                                  <m:r>
+                                    <a:rPr lang="en-US" b="0" i="1" smtClean="0">
+                                      <a:latin typeface="Cambria Math" panose="02040503050406030204" pitchFamily="18" charset="0"/>
+                                      <a:ea typeface="Cambria Math" panose="02040503050406030204" pitchFamily="18" charset="0"/>
+                                    </a:rPr>
+                                    <m:t>𝑥</m:t>
+                                  </m:r>
+                                </m:e>
+                              </m:d>
+                            </m:e>
+                          </m:d>
+                        </m:oMath>
+                      </a14:m>
+                      <a:endParaRPr lang="en-US" dirty="0"/>
+                    </a:p>
+                  </p:txBody>
+                </p:sp>
+              </mc:Choice>
+              <mc:Fallback xmlns="">
+                <p:sp>
+                  <p:nvSpPr>
+                    <p:cNvPr id="10" name="TextBox 9">
+                      <a:extLst>
+                        <a:ext uri="{FF2B5EF4-FFF2-40B4-BE49-F238E27FC236}">
+                          <a16:creationId xmlns:a16="http://schemas.microsoft.com/office/drawing/2014/main" id="{19A9D4BC-B8DD-F82A-4006-6901CAC216EC}"/>
+                        </a:ext>
+                      </a:extLst>
+                    </p:cNvPr>
+                    <p:cNvSpPr txBox="1">
+                      <a:spLocks noRot="1" noChangeAspect="1" noMove="1" noResize="1" noEditPoints="1" noAdjustHandles="1" noChangeArrowheads="1" noChangeShapeType="1" noTextEdit="1"/>
+                    </p:cNvSpPr>
+                    <p:nvPr/>
+                  </p:nvSpPr>
+                  <p:spPr>
+                    <a:xfrm>
+                      <a:off x="2966484" y="1663244"/>
+                      <a:ext cx="5055781" cy="369332"/>
+                    </a:xfrm>
+                    <a:prstGeom prst="rect">
+                      <a:avLst/>
+                    </a:prstGeom>
+                    <a:blipFill>
+                      <a:blip r:embed="rId7"/>
+                      <a:stretch>
+                        <a:fillRect t="-103125" b="-150000"/>
+                      </a:stretch>
+                    </a:blipFill>
+                    <a:ln w="19050">
+                      <a:solidFill>
+                        <a:schemeClr val="tx1"/>
+                      </a:solidFill>
+                    </a:ln>
+                  </p:spPr>
+                  <p:txBody>
+                    <a:bodyPr/>
+                    <a:lstStyle/>
+                    <a:p>
+                      <a:r>
+                        <a:rPr lang="en-US">
+                          <a:noFill/>
+                        </a:rPr>
+                        <a:t> </a:t>
+                      </a:r>
+                    </a:p>
+                  </p:txBody>
+                </p:sp>
+              </mc:Fallback>
+            </mc:AlternateContent>
             <p:cxnSp>
               <p:nvCxnSpPr>
-                <p:cNvPr id="76" name="Straight Connector 75">
+                <p:cNvPr id="14" name="Straight Arrow Connector 13">
                   <a:extLst>
                     <a:ext uri="{FF2B5EF4-FFF2-40B4-BE49-F238E27FC236}">
-                      <a16:creationId xmlns:a16="http://schemas.microsoft.com/office/drawing/2014/main" id="{869782CF-50E4-3084-3E25-3544821AFC38}"/>
+                      <a16:creationId xmlns:a16="http://schemas.microsoft.com/office/drawing/2014/main" id="{B3047A37-9616-8251-1B36-3F36D65F7989}"/>
+                    </a:ext>
+                  </a:extLst>
+                </p:cNvPr>
+                <p:cNvCxnSpPr>
+                  <a:cxnSpLocks/>
+                  <a:stCxn id="9" idx="2"/>
+                  <a:endCxn id="13" idx="0"/>
+                </p:cNvCxnSpPr>
+                <p:nvPr/>
+              </p:nvCxnSpPr>
+              <p:spPr>
+                <a:xfrm>
+                  <a:off x="5494375" y="1193047"/>
+                  <a:ext cx="0" cy="470197"/>
+                </a:xfrm>
+                <a:prstGeom prst="straightConnector1">
+                  <a:avLst/>
+                </a:prstGeom>
+                <a:ln w="38100">
+                  <a:tailEnd type="triangle"/>
+                </a:ln>
+              </p:spPr>
+              <p:style>
+                <a:lnRef idx="2">
+                  <a:schemeClr val="accent1"/>
+                </a:lnRef>
+                <a:fillRef idx="0">
+                  <a:schemeClr val="accent1"/>
+                </a:fillRef>
+                <a:effectRef idx="1">
+                  <a:schemeClr val="accent1"/>
+                </a:effectRef>
+                <a:fontRef idx="minor">
+                  <a:schemeClr val="tx1"/>
+                </a:fontRef>
+              </p:style>
+            </p:cxnSp>
+            <p:cxnSp>
+              <p:nvCxnSpPr>
+                <p:cNvPr id="15" name="Straight Arrow Connector 14">
+                  <a:extLst>
+                    <a:ext uri="{FF2B5EF4-FFF2-40B4-BE49-F238E27FC236}">
+                      <a16:creationId xmlns:a16="http://schemas.microsoft.com/office/drawing/2014/main" id="{7ACF8464-15BC-3981-E2C0-1D0114880657}"/>
+                    </a:ext>
+                  </a:extLst>
+                </p:cNvPr>
+                <p:cNvCxnSpPr>
+                  <a:cxnSpLocks/>
+                  <a:stCxn id="13" idx="2"/>
+                  <a:endCxn id="10" idx="0"/>
+                </p:cNvCxnSpPr>
+                <p:nvPr/>
+              </p:nvCxnSpPr>
+              <p:spPr>
+                <a:xfrm flipH="1">
+                  <a:off x="3584519" y="2032576"/>
+                  <a:ext cx="1909856" cy="495800"/>
+                </a:xfrm>
+                <a:prstGeom prst="straightConnector1">
+                  <a:avLst/>
+                </a:prstGeom>
+                <a:ln w="38100">
+                  <a:tailEnd type="triangle"/>
+                </a:ln>
+              </p:spPr>
+              <p:style>
+                <a:lnRef idx="2">
+                  <a:schemeClr val="accent1"/>
+                </a:lnRef>
+                <a:fillRef idx="0">
+                  <a:schemeClr val="accent1"/>
+                </a:fillRef>
+                <a:effectRef idx="1">
+                  <a:schemeClr val="accent1"/>
+                </a:effectRef>
+                <a:fontRef idx="minor">
+                  <a:schemeClr val="tx1"/>
+                </a:fontRef>
+              </p:style>
+            </p:cxnSp>
+            <p:cxnSp>
+              <p:nvCxnSpPr>
+                <p:cNvPr id="16" name="Straight Arrow Connector 15">
+                  <a:extLst>
+                    <a:ext uri="{FF2B5EF4-FFF2-40B4-BE49-F238E27FC236}">
+                      <a16:creationId xmlns:a16="http://schemas.microsoft.com/office/drawing/2014/main" id="{07E8CD1C-7ADF-23BD-04B5-E46CE751C653}"/>
                     </a:ext>
                   </a:extLst>
                 </p:cNvPr>
@@ -10169,12 +12147,15 @@
               </p:nvCxnSpPr>
               <p:spPr>
                 <a:xfrm>
-                  <a:off x="4981225" y="2733825"/>
-                  <a:ext cx="2601532" cy="0"/>
+                  <a:off x="5523198" y="2032576"/>
+                  <a:ext cx="1974525" cy="470196"/>
                 </a:xfrm>
-                <a:prstGeom prst="line">
+                <a:prstGeom prst="straightConnector1">
                   <a:avLst/>
                 </a:prstGeom>
+                <a:ln w="38100">
+                  <a:tailEnd type="triangle"/>
+                </a:ln>
               </p:spPr>
               <p:style>
                 <a:lnRef idx="2">
@@ -10193,10 +12174,10 @@
             </p:cxnSp>
             <p:sp>
               <p:nvSpPr>
-                <p:cNvPr id="77" name="TextBox 76">
+                <p:cNvPr id="17" name="TextBox 16">
                   <a:extLst>
                     <a:ext uri="{FF2B5EF4-FFF2-40B4-BE49-F238E27FC236}">
-                      <a16:creationId xmlns:a16="http://schemas.microsoft.com/office/drawing/2014/main" id="{A5654254-16CA-5E18-1D3B-DF3BE9EE7471}"/>
+                      <a16:creationId xmlns:a16="http://schemas.microsoft.com/office/drawing/2014/main" id="{7E3B43E3-1CEC-C28C-96A5-BA8958BF2246}"/>
                     </a:ext>
                   </a:extLst>
                 </p:cNvPr>
@@ -10205,13 +12186,23 @@
               </p:nvSpPr>
               <p:spPr>
                 <a:xfrm>
-                  <a:off x="5000756" y="2744955"/>
-                  <a:ext cx="1257337" cy="386903"/>
+                  <a:off x="2966484" y="3544022"/>
+                  <a:ext cx="6257245" cy="369332"/>
                 </a:xfrm>
                 <a:prstGeom prst="rect">
                   <a:avLst/>
                 </a:prstGeom>
-                <a:noFill/>
+                <a:solidFill>
+                  <a:schemeClr val="accent6">
+                    <a:lumMod val="20000"/>
+                    <a:lumOff val="80000"/>
+                  </a:schemeClr>
+                </a:solidFill>
+                <a:ln w="19050">
+                  <a:solidFill>
+                    <a:schemeClr val="tx1"/>
+                  </a:solidFill>
+                </a:ln>
               </p:spPr>
               <p:txBody>
                 <a:bodyPr wrap="square" rtlCol="0">
@@ -10221,82 +12212,827 @@
                 <a:p>
                   <a:pPr algn="ctr"/>
                   <a:r>
-                    <a:rPr lang="en-US" sz="1400" i="1" dirty="0">
+                    <a:rPr lang="en-US" dirty="0">
                       <a:latin typeface="Helvetica" pitchFamily="2" charset="0"/>
                     </a:rPr>
-                    <a:t>Human</a:t>
+                    <a:t>source (scoring) model</a:t>
                   </a:r>
-                  <a:endParaRPr lang="en-US" sz="1600" i="1" dirty="0">
-                    <a:latin typeface="Helvetica" pitchFamily="2" charset="0"/>
-                  </a:endParaRPr>
                 </a:p>
               </p:txBody>
             </p:sp>
-            <p:sp>
-              <p:nvSpPr>
-                <p:cNvPr id="78" name="TextBox 77">
+            <p:grpSp>
+              <p:nvGrpSpPr>
+                <p:cNvPr id="18" name="Group 17">
                   <a:extLst>
                     <a:ext uri="{FF2B5EF4-FFF2-40B4-BE49-F238E27FC236}">
-                      <a16:creationId xmlns:a16="http://schemas.microsoft.com/office/drawing/2014/main" id="{7D8DAD1D-CBC0-DC05-B164-E4A87B5B3D57}"/>
+                      <a16:creationId xmlns:a16="http://schemas.microsoft.com/office/drawing/2014/main" id="{65B11669-BB25-B429-5112-712C21CC6E6A}"/>
                     </a:ext>
                   </a:extLst>
                 </p:cNvPr>
-                <p:cNvSpPr txBox="1"/>
+                <p:cNvGrpSpPr/>
                 <p:nvPr/>
-              </p:nvSpPr>
-              <p:spPr>
+              </p:nvGrpSpPr>
+              <p:grpSpPr>
                 <a:xfrm>
-                  <a:off x="6305889" y="2744955"/>
-                  <a:ext cx="1252968" cy="386903"/>
+                  <a:off x="2891783" y="4447042"/>
+                  <a:ext cx="6331945" cy="343472"/>
+                  <a:chOff x="2892677" y="4308273"/>
+                  <a:chExt cx="6331945" cy="343472"/>
                 </a:xfrm>
-                <a:prstGeom prst="rect">
-                  <a:avLst/>
-                </a:prstGeom>
-                <a:noFill/>
-              </p:spPr>
-              <p:txBody>
-                <a:bodyPr wrap="square" rtlCol="0">
-                  <a:spAutoFit/>
-                </a:bodyPr>
-                <a:lstStyle/>
-                <a:p>
-                  <a:pPr algn="ctr"/>
-                  <a:r>
-                    <a:rPr lang="en-US" sz="1400" i="1" dirty="0">
-                      <a:latin typeface="Helvetica" pitchFamily="2" charset="0"/>
-                    </a:rPr>
-                    <a:t>LLM</a:t>
-                  </a:r>
-                  <a:endParaRPr lang="en-US" i="1" dirty="0">
-                    <a:latin typeface="Helvetica" pitchFamily="2" charset="0"/>
-                  </a:endParaRPr>
-                </a:p>
-              </p:txBody>
-            </p:sp>
+              </p:grpSpPr>
+              <p:sp>
+                <p:nvSpPr>
+                  <p:cNvPr id="35" name="Rectangle 34">
+                    <a:extLst>
+                      <a:ext uri="{FF2B5EF4-FFF2-40B4-BE49-F238E27FC236}">
+                        <a16:creationId xmlns:a16="http://schemas.microsoft.com/office/drawing/2014/main" id="{676AEB35-3458-1536-3C76-32F1AEF25972}"/>
+                      </a:ext>
+                    </a:extLst>
+                  </p:cNvPr>
+                  <p:cNvSpPr/>
+                  <p:nvPr/>
+                </p:nvSpPr>
+                <p:spPr>
+                  <a:xfrm>
+                    <a:off x="8405931" y="4308273"/>
+                    <a:ext cx="818691" cy="343472"/>
+                  </a:xfrm>
+                  <a:prstGeom prst="rect">
+                    <a:avLst/>
+                  </a:prstGeom>
+                  <a:solidFill>
+                    <a:schemeClr val="accent2">
+                      <a:lumMod val="60000"/>
+                      <a:lumOff val="40000"/>
+                    </a:schemeClr>
+                  </a:solidFill>
+                </p:spPr>
+                <p:style>
+                  <a:lnRef idx="2">
+                    <a:schemeClr val="accent1">
+                      <a:shade val="15000"/>
+                    </a:schemeClr>
+                  </a:lnRef>
+                  <a:fillRef idx="1">
+                    <a:schemeClr val="accent1"/>
+                  </a:fillRef>
+                  <a:effectRef idx="0">
+                    <a:schemeClr val="accent1"/>
+                  </a:effectRef>
+                  <a:fontRef idx="minor">
+                    <a:schemeClr val="lt1"/>
+                  </a:fontRef>
+                </p:style>
+                <p:txBody>
+                  <a:bodyPr rtlCol="0" anchor="ctr"/>
+                  <a:lstStyle/>
+                  <a:p>
+                    <a:pPr algn="ctr"/>
+                    <a:endParaRPr lang="en-US"/>
+                  </a:p>
+                </p:txBody>
+              </p:sp>
+              <p:sp>
+                <p:nvSpPr>
+                  <p:cNvPr id="36" name="Rectangle 35">
+                    <a:extLst>
+                      <a:ext uri="{FF2B5EF4-FFF2-40B4-BE49-F238E27FC236}">
+                        <a16:creationId xmlns:a16="http://schemas.microsoft.com/office/drawing/2014/main" id="{908E6114-5A6A-A2E3-9501-E0FA173F12E6}"/>
+                      </a:ext>
+                    </a:extLst>
+                  </p:cNvPr>
+                  <p:cNvSpPr/>
+                  <p:nvPr/>
+                </p:nvSpPr>
+                <p:spPr>
+                  <a:xfrm>
+                    <a:off x="2967378" y="4308273"/>
+                    <a:ext cx="5055781" cy="343472"/>
+                  </a:xfrm>
+                  <a:prstGeom prst="rect">
+                    <a:avLst/>
+                  </a:prstGeom>
+                  <a:solidFill>
+                    <a:schemeClr val="tx2">
+                      <a:lumMod val="25000"/>
+                      <a:lumOff val="75000"/>
+                    </a:schemeClr>
+                  </a:solidFill>
+                </p:spPr>
+                <p:style>
+                  <a:lnRef idx="2">
+                    <a:schemeClr val="accent1">
+                      <a:shade val="15000"/>
+                    </a:schemeClr>
+                  </a:lnRef>
+                  <a:fillRef idx="1">
+                    <a:schemeClr val="accent1"/>
+                  </a:fillRef>
+                  <a:effectRef idx="0">
+                    <a:schemeClr val="accent1"/>
+                  </a:effectRef>
+                  <a:fontRef idx="minor">
+                    <a:schemeClr val="lt1"/>
+                  </a:fontRef>
+                </p:style>
+                <p:txBody>
+                  <a:bodyPr rtlCol="0" anchor="ctr"/>
+                  <a:lstStyle/>
+                  <a:p>
+                    <a:pPr algn="ctr"/>
+                    <a:endParaRPr lang="en-US"/>
+                  </a:p>
+                </p:txBody>
+              </p:sp>
+              <p:grpSp>
+                <p:nvGrpSpPr>
+                  <p:cNvPr id="37" name="Group 36">
+                    <a:extLst>
+                      <a:ext uri="{FF2B5EF4-FFF2-40B4-BE49-F238E27FC236}">
+                        <a16:creationId xmlns:a16="http://schemas.microsoft.com/office/drawing/2014/main" id="{7ABEF36E-732A-8077-A43E-7B5152AE6BF6}"/>
+                      </a:ext>
+                    </a:extLst>
+                  </p:cNvPr>
+                  <p:cNvGrpSpPr/>
+                  <p:nvPr/>
+                </p:nvGrpSpPr>
+                <p:grpSpPr>
+                  <a:xfrm>
+                    <a:off x="2892677" y="4332989"/>
+                    <a:ext cx="6228258" cy="276999"/>
+                    <a:chOff x="2892677" y="4332989"/>
+                    <a:chExt cx="6228258" cy="276999"/>
+                  </a:xfrm>
+                </p:grpSpPr>
+                <p:grpSp>
+                  <p:nvGrpSpPr>
+                    <p:cNvPr id="38" name="Group 37">
+                      <a:extLst>
+                        <a:ext uri="{FF2B5EF4-FFF2-40B4-BE49-F238E27FC236}">
+                          <a16:creationId xmlns:a16="http://schemas.microsoft.com/office/drawing/2014/main" id="{ABF100AF-A688-EA18-0BCD-21A502189703}"/>
+                        </a:ext>
+                      </a:extLst>
+                    </p:cNvPr>
+                    <p:cNvGrpSpPr/>
+                    <p:nvPr/>
+                  </p:nvGrpSpPr>
+                  <p:grpSpPr>
+                    <a:xfrm>
+                      <a:off x="2892677" y="4332989"/>
+                      <a:ext cx="5197253" cy="276999"/>
+                      <a:chOff x="4050718" y="4497333"/>
+                      <a:chExt cx="2737768" cy="276999"/>
+                    </a:xfrm>
+                  </p:grpSpPr>
+                  <mc:AlternateContent xmlns:mc="http://schemas.openxmlformats.org/markup-compatibility/2006" xmlns:a14="http://schemas.microsoft.com/office/drawing/2010/main">
+                    <mc:Choice Requires="a14">
+                      <p:sp>
+                        <p:nvSpPr>
+                          <p:cNvPr id="40" name="TextBox 39">
+                            <a:extLst>
+                              <a:ext uri="{FF2B5EF4-FFF2-40B4-BE49-F238E27FC236}">
+                                <a16:creationId xmlns:a16="http://schemas.microsoft.com/office/drawing/2014/main" id="{2D664A0B-0CD6-B364-E0B4-3A900BF0D8B2}"/>
+                              </a:ext>
+                            </a:extLst>
+                          </p:cNvPr>
+                          <p:cNvSpPr txBox="1"/>
+                          <p:nvPr/>
+                        </p:nvSpPr>
+                        <p:spPr>
+                          <a:xfrm>
+                            <a:off x="4050718" y="4497333"/>
+                            <a:ext cx="704104" cy="276999"/>
+                          </a:xfrm>
+                          <a:prstGeom prst="rect">
+                            <a:avLst/>
+                          </a:prstGeom>
+                          <a:noFill/>
+                        </p:spPr>
+                        <p:txBody>
+                          <a:bodyPr wrap="none" lIns="0" tIns="0" rIns="0" bIns="0" rtlCol="0">
+                            <a:spAutoFit/>
+                          </a:bodyPr>
+                          <a:lstStyle/>
+                          <a:p>
+                            <a:pPr/>
+                            <a14:m>
+                              <m:oMathPara xmlns:m="http://schemas.openxmlformats.org/officeDocument/2006/math">
+                                <m:oMathParaPr>
+                                  <m:jc m:val="center"/>
+                                </m:oMathParaPr>
+                                <m:oMath xmlns:m="http://schemas.openxmlformats.org/officeDocument/2006/math">
+                                  <m:sSub>
+                                    <m:sSubPr>
+                                      <m:ctrlPr>
+                                        <a:rPr lang="en-US" i="1" smtClean="0">
+                                          <a:latin typeface="Cambria Math" panose="02040503050406030204" pitchFamily="18" charset="0"/>
+                                        </a:rPr>
+                                      </m:ctrlPr>
+                                    </m:sSubPr>
+                                    <m:e>
+                                      <m:r>
+                                        <a:rPr lang="en-US" b="0" i="1" smtClean="0">
+                                          <a:latin typeface="Cambria Math" panose="02040503050406030204" pitchFamily="18" charset="0"/>
+                                        </a:rPr>
+                                        <m:t>𝑝</m:t>
+                                      </m:r>
+                                    </m:e>
+                                    <m:sub>
+                                      <m:r>
+                                        <a:rPr lang="el-GR" b="0" i="1" smtClean="0">
+                                          <a:latin typeface="Cambria Math" panose="02040503050406030204" pitchFamily="18" charset="0"/>
+                                        </a:rPr>
+                                        <m:t>𝜃</m:t>
+                                      </m:r>
+                                    </m:sub>
+                                  </m:sSub>
+                                  <m:d>
+                                    <m:dPr>
+                                      <m:ctrlPr>
+                                        <a:rPr lang="en-US" i="1" smtClean="0">
+                                          <a:latin typeface="Cambria Math" panose="02040503050406030204" pitchFamily="18" charset="0"/>
+                                        </a:rPr>
+                                      </m:ctrlPr>
+                                    </m:dPr>
+                                    <m:e>
+                                      <m:sSub>
+                                        <m:sSubPr>
+                                          <m:ctrlPr>
+                                            <a:rPr lang="en-US" i="1" smtClean="0">
+                                              <a:latin typeface="Cambria Math" panose="02040503050406030204" pitchFamily="18" charset="0"/>
+                                            </a:rPr>
+                                          </m:ctrlPr>
+                                        </m:sSubPr>
+                                        <m:e>
+                                          <m:acc>
+                                            <m:accPr>
+                                              <m:chr m:val="̃"/>
+                                              <m:ctrlPr>
+                                                <a:rPr lang="en-US" i="1" smtClean="0">
+                                                  <a:latin typeface="Cambria Math" panose="02040503050406030204" pitchFamily="18" charset="0"/>
+                                                </a:rPr>
+                                              </m:ctrlPr>
+                                            </m:accPr>
+                                            <m:e>
+                                              <m:r>
+                                                <a:rPr lang="en-US" b="0" i="1" smtClean="0">
+                                                  <a:latin typeface="Cambria Math" panose="02040503050406030204" pitchFamily="18" charset="0"/>
+                                                </a:rPr>
+                                                <m:t>𝑥</m:t>
+                                              </m:r>
+                                            </m:e>
+                                          </m:acc>
+                                        </m:e>
+                                        <m:sub>
+                                          <m:r>
+                                            <a:rPr lang="en-US" b="0" i="1" smtClean="0">
+                                              <a:latin typeface="Cambria Math" panose="02040503050406030204" pitchFamily="18" charset="0"/>
+                                            </a:rPr>
+                                            <m:t>1</m:t>
+                                          </m:r>
+                                        </m:sub>
+                                      </m:sSub>
+                                    </m:e>
+                                  </m:d>
+                                </m:oMath>
+                              </m:oMathPara>
+                            </a14:m>
+                            <a:endParaRPr lang="en-US" dirty="0"/>
+                          </a:p>
+                        </p:txBody>
+                      </p:sp>
+                    </mc:Choice>
+                    <mc:Fallback xmlns="">
+                      <p:sp>
+                        <p:nvSpPr>
+                          <p:cNvPr id="30" name="TextBox 29">
+                            <a:extLst>
+                              <a:ext uri="{FF2B5EF4-FFF2-40B4-BE49-F238E27FC236}">
+                                <a16:creationId xmlns:a16="http://schemas.microsoft.com/office/drawing/2014/main" id="{162E2743-12F9-C9E8-B287-8F7D03D14F99}"/>
+                              </a:ext>
+                            </a:extLst>
+                          </p:cNvPr>
+                          <p:cNvSpPr txBox="1">
+                            <a:spLocks noRot="1" noChangeAspect="1" noMove="1" noResize="1" noEditPoints="1" noAdjustHandles="1" noChangeArrowheads="1" noChangeShapeType="1" noTextEdit="1"/>
+                          </p:cNvSpPr>
+                          <p:nvPr/>
+                        </p:nvSpPr>
+                        <p:spPr>
+                          <a:xfrm>
+                            <a:off x="4050718" y="4497333"/>
+                            <a:ext cx="704104" cy="276999"/>
+                          </a:xfrm>
+                          <a:prstGeom prst="rect">
+                            <a:avLst/>
+                          </a:prstGeom>
+                          <a:blipFill>
+                            <a:blip r:embed="rId8"/>
+                            <a:stretch>
+                              <a:fillRect t="-4348" b="-21739"/>
+                            </a:stretch>
+                          </a:blipFill>
+                        </p:spPr>
+                        <p:txBody>
+                          <a:bodyPr/>
+                          <a:lstStyle/>
+                          <a:p>
+                            <a:r>
+                              <a:rPr lang="en-US">
+                                <a:noFill/>
+                              </a:rPr>
+                              <a:t> </a:t>
+                            </a:r>
+                          </a:p>
+                        </p:txBody>
+                      </p:sp>
+                    </mc:Fallback>
+                  </mc:AlternateContent>
+                  <mc:AlternateContent xmlns:mc="http://schemas.openxmlformats.org/markup-compatibility/2006" xmlns:a14="http://schemas.microsoft.com/office/drawing/2010/main">
+                    <mc:Choice Requires="a14">
+                      <p:sp>
+                        <p:nvSpPr>
+                          <p:cNvPr id="41" name="TextBox 40">
+                            <a:extLst>
+                              <a:ext uri="{FF2B5EF4-FFF2-40B4-BE49-F238E27FC236}">
+                                <a16:creationId xmlns:a16="http://schemas.microsoft.com/office/drawing/2014/main" id="{0CB8BF4B-4759-57F6-E3F8-CDF3A32BD2E2}"/>
+                              </a:ext>
+                            </a:extLst>
+                          </p:cNvPr>
+                          <p:cNvSpPr txBox="1"/>
+                          <p:nvPr/>
+                        </p:nvSpPr>
+                        <p:spPr>
+                          <a:xfrm>
+                            <a:off x="5062229" y="4497333"/>
+                            <a:ext cx="709425" cy="276999"/>
+                          </a:xfrm>
+                          <a:prstGeom prst="rect">
+                            <a:avLst/>
+                          </a:prstGeom>
+                          <a:noFill/>
+                        </p:spPr>
+                        <p:txBody>
+                          <a:bodyPr wrap="none" lIns="0" tIns="0" rIns="0" bIns="0" rtlCol="0">
+                            <a:spAutoFit/>
+                          </a:bodyPr>
+                          <a:lstStyle/>
+                          <a:p>
+                            <a:pPr/>
+                            <a14:m>
+                              <m:oMathPara xmlns:m="http://schemas.openxmlformats.org/officeDocument/2006/math">
+                                <m:oMathParaPr>
+                                  <m:jc m:val="center"/>
+                                </m:oMathParaPr>
+                                <m:oMath xmlns:m="http://schemas.openxmlformats.org/officeDocument/2006/math">
+                                  <m:sSub>
+                                    <m:sSubPr>
+                                      <m:ctrlPr>
+                                        <a:rPr lang="en-US" i="1" smtClean="0">
+                                          <a:latin typeface="Cambria Math" panose="02040503050406030204" pitchFamily="18" charset="0"/>
+                                        </a:rPr>
+                                      </m:ctrlPr>
+                                    </m:sSubPr>
+                                    <m:e>
+                                      <m:r>
+                                        <a:rPr lang="en-US" b="0" i="1" smtClean="0">
+                                          <a:latin typeface="Cambria Math" panose="02040503050406030204" pitchFamily="18" charset="0"/>
+                                        </a:rPr>
+                                        <m:t>𝑝</m:t>
+                                      </m:r>
+                                    </m:e>
+                                    <m:sub>
+                                      <m:r>
+                                        <a:rPr lang="el-GR" b="0" i="1" smtClean="0">
+                                          <a:latin typeface="Cambria Math" panose="02040503050406030204" pitchFamily="18" charset="0"/>
+                                        </a:rPr>
+                                        <m:t>𝜃</m:t>
+                                      </m:r>
+                                    </m:sub>
+                                  </m:sSub>
+                                  <m:d>
+                                    <m:dPr>
+                                      <m:ctrlPr>
+                                        <a:rPr lang="en-US" i="1" smtClean="0">
+                                          <a:latin typeface="Cambria Math" panose="02040503050406030204" pitchFamily="18" charset="0"/>
+                                        </a:rPr>
+                                      </m:ctrlPr>
+                                    </m:dPr>
+                                    <m:e>
+                                      <m:sSub>
+                                        <m:sSubPr>
+                                          <m:ctrlPr>
+                                            <a:rPr lang="en-US" i="1" smtClean="0">
+                                              <a:latin typeface="Cambria Math" panose="02040503050406030204" pitchFamily="18" charset="0"/>
+                                            </a:rPr>
+                                          </m:ctrlPr>
+                                        </m:sSubPr>
+                                        <m:e>
+                                          <m:acc>
+                                            <m:accPr>
+                                              <m:chr m:val="̃"/>
+                                              <m:ctrlPr>
+                                                <a:rPr lang="en-US" i="1" smtClean="0">
+                                                  <a:latin typeface="Cambria Math" panose="02040503050406030204" pitchFamily="18" charset="0"/>
+                                                </a:rPr>
+                                              </m:ctrlPr>
+                                            </m:accPr>
+                                            <m:e>
+                                              <m:r>
+                                                <a:rPr lang="en-US" b="0" i="1" smtClean="0">
+                                                  <a:latin typeface="Cambria Math" panose="02040503050406030204" pitchFamily="18" charset="0"/>
+                                                </a:rPr>
+                                                <m:t>𝑥</m:t>
+                                              </m:r>
+                                            </m:e>
+                                          </m:acc>
+                                        </m:e>
+                                        <m:sub>
+                                          <m:r>
+                                            <a:rPr lang="en-US" b="0" i="1" smtClean="0">
+                                              <a:latin typeface="Cambria Math" panose="02040503050406030204" pitchFamily="18" charset="0"/>
+                                            </a:rPr>
+                                            <m:t>2</m:t>
+                                          </m:r>
+                                        </m:sub>
+                                      </m:sSub>
+                                    </m:e>
+                                  </m:d>
+                                </m:oMath>
+                              </m:oMathPara>
+                            </a14:m>
+                            <a:endParaRPr lang="en-US" dirty="0"/>
+                          </a:p>
+                        </p:txBody>
+                      </p:sp>
+                    </mc:Choice>
+                    <mc:Fallback xmlns="">
+                      <p:sp>
+                        <p:nvSpPr>
+                          <p:cNvPr id="31" name="TextBox 30">
+                            <a:extLst>
+                              <a:ext uri="{FF2B5EF4-FFF2-40B4-BE49-F238E27FC236}">
+                                <a16:creationId xmlns:a16="http://schemas.microsoft.com/office/drawing/2014/main" id="{3B1E672D-6628-1408-0C88-69631DB40AA3}"/>
+                              </a:ext>
+                            </a:extLst>
+                          </p:cNvPr>
+                          <p:cNvSpPr txBox="1">
+                            <a:spLocks noRot="1" noChangeAspect="1" noMove="1" noResize="1" noEditPoints="1" noAdjustHandles="1" noChangeArrowheads="1" noChangeShapeType="1" noTextEdit="1"/>
+                          </p:cNvSpPr>
+                          <p:nvPr/>
+                        </p:nvSpPr>
+                        <p:spPr>
+                          <a:xfrm>
+                            <a:off x="5062229" y="4497333"/>
+                            <a:ext cx="709425" cy="276999"/>
+                          </a:xfrm>
+                          <a:prstGeom prst="rect">
+                            <a:avLst/>
+                          </a:prstGeom>
+                          <a:blipFill>
+                            <a:blip r:embed="rId9"/>
+                            <a:stretch>
+                              <a:fillRect t="-4348" b="-21739"/>
+                            </a:stretch>
+                          </a:blipFill>
+                        </p:spPr>
+                        <p:txBody>
+                          <a:bodyPr/>
+                          <a:lstStyle/>
+                          <a:p>
+                            <a:r>
+                              <a:rPr lang="en-US">
+                                <a:noFill/>
+                              </a:rPr>
+                              <a:t> </a:t>
+                            </a:r>
+                          </a:p>
+                        </p:txBody>
+                      </p:sp>
+                    </mc:Fallback>
+                  </mc:AlternateContent>
+                  <mc:AlternateContent xmlns:mc="http://schemas.openxmlformats.org/markup-compatibility/2006" xmlns:a14="http://schemas.microsoft.com/office/drawing/2010/main">
+                    <mc:Choice Requires="a14">
+                      <p:sp>
+                        <p:nvSpPr>
+                          <p:cNvPr id="42" name="TextBox 41">
+                            <a:extLst>
+                              <a:ext uri="{FF2B5EF4-FFF2-40B4-BE49-F238E27FC236}">
+                                <a16:creationId xmlns:a16="http://schemas.microsoft.com/office/drawing/2014/main" id="{7110AAC3-5D90-09AF-78A7-C4E3C87378DF}"/>
+                              </a:ext>
+                            </a:extLst>
+                          </p:cNvPr>
+                          <p:cNvSpPr txBox="1"/>
+                          <p:nvPr/>
+                        </p:nvSpPr>
+                        <p:spPr>
+                          <a:xfrm>
+                            <a:off x="6079061" y="4497333"/>
+                            <a:ext cx="709425" cy="276999"/>
+                          </a:xfrm>
+                          <a:prstGeom prst="rect">
+                            <a:avLst/>
+                          </a:prstGeom>
+                          <a:noFill/>
+                        </p:spPr>
+                        <p:txBody>
+                          <a:bodyPr wrap="none" lIns="0" tIns="0" rIns="0" bIns="0" rtlCol="0">
+                            <a:spAutoFit/>
+                          </a:bodyPr>
+                          <a:lstStyle/>
+                          <a:p>
+                            <a:pPr/>
+                            <a14:m>
+                              <m:oMathPara xmlns:m="http://schemas.openxmlformats.org/officeDocument/2006/math">
+                                <m:oMathParaPr>
+                                  <m:jc m:val="centerGroup"/>
+                                </m:oMathParaPr>
+                                <m:oMath xmlns:m="http://schemas.openxmlformats.org/officeDocument/2006/math">
+                                  <m:sSub>
+                                    <m:sSubPr>
+                                      <m:ctrlPr>
+                                        <a:rPr lang="en-US" i="1" smtClean="0">
+                                          <a:latin typeface="Cambria Math" panose="02040503050406030204" pitchFamily="18" charset="0"/>
+                                        </a:rPr>
+                                      </m:ctrlPr>
+                                    </m:sSubPr>
+                                    <m:e>
+                                      <m:r>
+                                        <a:rPr lang="en-US" b="0" i="1" smtClean="0">
+                                          <a:latin typeface="Cambria Math" panose="02040503050406030204" pitchFamily="18" charset="0"/>
+                                        </a:rPr>
+                                        <m:t>𝑝</m:t>
+                                      </m:r>
+                                    </m:e>
+                                    <m:sub>
+                                      <m:r>
+                                        <a:rPr lang="el-GR" b="0" i="1" smtClean="0">
+                                          <a:latin typeface="Cambria Math" panose="02040503050406030204" pitchFamily="18" charset="0"/>
+                                        </a:rPr>
+                                        <m:t>𝜃</m:t>
+                                      </m:r>
+                                    </m:sub>
+                                  </m:sSub>
+                                  <m:d>
+                                    <m:dPr>
+                                      <m:ctrlPr>
+                                        <a:rPr lang="en-US" i="1" smtClean="0">
+                                          <a:latin typeface="Cambria Math" panose="02040503050406030204" pitchFamily="18" charset="0"/>
+                                        </a:rPr>
+                                      </m:ctrlPr>
+                                    </m:dPr>
+                                    <m:e>
+                                      <m:sSub>
+                                        <m:sSubPr>
+                                          <m:ctrlPr>
+                                            <a:rPr lang="en-US" i="1" smtClean="0">
+                                              <a:latin typeface="Cambria Math" panose="02040503050406030204" pitchFamily="18" charset="0"/>
+                                            </a:rPr>
+                                          </m:ctrlPr>
+                                        </m:sSubPr>
+                                        <m:e>
+                                          <m:acc>
+                                            <m:accPr>
+                                              <m:chr m:val="̃"/>
+                                              <m:ctrlPr>
+                                                <a:rPr lang="en-US" i="1" smtClean="0">
+                                                  <a:latin typeface="Cambria Math" panose="02040503050406030204" pitchFamily="18" charset="0"/>
+                                                </a:rPr>
+                                              </m:ctrlPr>
+                                            </m:accPr>
+                                            <m:e>
+                                              <m:r>
+                                                <a:rPr lang="en-US" b="0" i="1" smtClean="0">
+                                                  <a:latin typeface="Cambria Math" panose="02040503050406030204" pitchFamily="18" charset="0"/>
+                                                </a:rPr>
+                                                <m:t>𝑥</m:t>
+                                              </m:r>
+                                            </m:e>
+                                          </m:acc>
+                                        </m:e>
+                                        <m:sub>
+                                          <m:r>
+                                            <a:rPr lang="en-US" b="0" i="1" smtClean="0">
+                                              <a:latin typeface="Cambria Math" panose="02040503050406030204" pitchFamily="18" charset="0"/>
+                                            </a:rPr>
+                                            <m:t>3</m:t>
+                                          </m:r>
+                                        </m:sub>
+                                      </m:sSub>
+                                    </m:e>
+                                  </m:d>
+                                </m:oMath>
+                              </m:oMathPara>
+                            </a14:m>
+                            <a:endParaRPr lang="en-US" dirty="0"/>
+                          </a:p>
+                        </p:txBody>
+                      </p:sp>
+                    </mc:Choice>
+                    <mc:Fallback xmlns="">
+                      <p:sp>
+                        <p:nvSpPr>
+                          <p:cNvPr id="32" name="TextBox 31">
+                            <a:extLst>
+                              <a:ext uri="{FF2B5EF4-FFF2-40B4-BE49-F238E27FC236}">
+                                <a16:creationId xmlns:a16="http://schemas.microsoft.com/office/drawing/2014/main" id="{FB71F7A5-EC34-7C92-F857-89B7D54585E8}"/>
+                              </a:ext>
+                            </a:extLst>
+                          </p:cNvPr>
+                          <p:cNvSpPr txBox="1">
+                            <a:spLocks noRot="1" noChangeAspect="1" noMove="1" noResize="1" noEditPoints="1" noAdjustHandles="1" noChangeArrowheads="1" noChangeShapeType="1" noTextEdit="1"/>
+                          </p:cNvSpPr>
+                          <p:nvPr/>
+                        </p:nvSpPr>
+                        <p:spPr>
+                          <a:xfrm>
+                            <a:off x="6079061" y="4497333"/>
+                            <a:ext cx="709425" cy="276999"/>
+                          </a:xfrm>
+                          <a:prstGeom prst="rect">
+                            <a:avLst/>
+                          </a:prstGeom>
+                          <a:blipFill>
+                            <a:blip r:embed="rId10"/>
+                            <a:stretch>
+                              <a:fillRect t="-4348" b="-21739"/>
+                            </a:stretch>
+                          </a:blipFill>
+                        </p:spPr>
+                        <p:txBody>
+                          <a:bodyPr/>
+                          <a:lstStyle/>
+                          <a:p>
+                            <a:r>
+                              <a:rPr lang="en-US">
+                                <a:noFill/>
+                              </a:rPr>
+                              <a:t> </a:t>
+                            </a:r>
+                          </a:p>
+                        </p:txBody>
+                      </p:sp>
+                    </mc:Fallback>
+                  </mc:AlternateContent>
+                </p:grpSp>
+                <mc:AlternateContent xmlns:mc="http://schemas.openxmlformats.org/markup-compatibility/2006" xmlns:a14="http://schemas.microsoft.com/office/drawing/2010/main">
+                  <mc:Choice Requires="a14">
+                    <p:sp>
+                      <p:nvSpPr>
+                        <p:cNvPr id="39" name="TextBox 38">
+                          <a:extLst>
+                            <a:ext uri="{FF2B5EF4-FFF2-40B4-BE49-F238E27FC236}">
+                              <a16:creationId xmlns:a16="http://schemas.microsoft.com/office/drawing/2014/main" id="{74B64CF2-4035-3F59-05A0-5F8A732E3E31}"/>
+                            </a:ext>
+                          </a:extLst>
+                        </p:cNvPr>
+                        <p:cNvSpPr txBox="1"/>
+                        <p:nvPr/>
+                      </p:nvSpPr>
+                      <p:spPr>
+                        <a:xfrm>
+                          <a:off x="8509614" y="4332989"/>
+                          <a:ext cx="611321" cy="276999"/>
+                        </a:xfrm>
+                        <a:prstGeom prst="rect">
+                          <a:avLst/>
+                        </a:prstGeom>
+                        <a:noFill/>
+                      </p:spPr>
+                      <p:txBody>
+                        <a:bodyPr wrap="none" lIns="0" tIns="0" rIns="0" bIns="0" rtlCol="0">
+                          <a:spAutoFit/>
+                        </a:bodyPr>
+                        <a:lstStyle/>
+                        <a:p>
+                          <a:pPr/>
+                          <a14:m>
+                            <m:oMathPara xmlns:m="http://schemas.openxmlformats.org/officeDocument/2006/math">
+                              <m:oMathParaPr>
+                                <m:jc m:val="center"/>
+                              </m:oMathParaPr>
+                              <m:oMath xmlns:m="http://schemas.openxmlformats.org/officeDocument/2006/math">
+                                <m:sSub>
+                                  <m:sSubPr>
+                                    <m:ctrlPr>
+                                      <a:rPr lang="en-US" i="1" smtClean="0">
+                                        <a:latin typeface="Cambria Math" panose="02040503050406030204" pitchFamily="18" charset="0"/>
+                                      </a:rPr>
+                                    </m:ctrlPr>
+                                  </m:sSubPr>
+                                  <m:e>
+                                    <m:r>
+                                      <a:rPr lang="en-US" b="0" i="1" smtClean="0">
+                                        <a:latin typeface="Cambria Math" panose="02040503050406030204" pitchFamily="18" charset="0"/>
+                                      </a:rPr>
+                                      <m:t>𝑝</m:t>
+                                    </m:r>
+                                  </m:e>
+                                  <m:sub>
+                                    <m:r>
+                                      <a:rPr lang="el-GR" b="0" i="1" smtClean="0">
+                                        <a:latin typeface="Cambria Math" panose="02040503050406030204" pitchFamily="18" charset="0"/>
+                                      </a:rPr>
+                                      <m:t>𝜃</m:t>
+                                    </m:r>
+                                  </m:sub>
+                                </m:sSub>
+                                <m:d>
+                                  <m:dPr>
+                                    <m:ctrlPr>
+                                      <a:rPr lang="en-US" i="1" smtClean="0">
+                                        <a:latin typeface="Cambria Math" panose="02040503050406030204" pitchFamily="18" charset="0"/>
+                                      </a:rPr>
+                                    </m:ctrlPr>
+                                  </m:dPr>
+                                  <m:e>
+                                    <m:r>
+                                      <a:rPr lang="en-US" b="0" i="1" smtClean="0">
+                                        <a:latin typeface="Cambria Math" panose="02040503050406030204" pitchFamily="18" charset="0"/>
+                                      </a:rPr>
+                                      <m:t>𝑥</m:t>
+                                    </m:r>
+                                  </m:e>
+                                </m:d>
+                              </m:oMath>
+                            </m:oMathPara>
+                          </a14:m>
+                          <a:endParaRPr lang="en-US" dirty="0"/>
+                        </a:p>
+                      </p:txBody>
+                    </p:sp>
+                  </mc:Choice>
+                  <mc:Fallback xmlns="">
+                    <p:sp>
+                      <p:nvSpPr>
+                        <p:cNvPr id="43" name="TextBox 42">
+                          <a:extLst>
+                            <a:ext uri="{FF2B5EF4-FFF2-40B4-BE49-F238E27FC236}">
+                              <a16:creationId xmlns:a16="http://schemas.microsoft.com/office/drawing/2014/main" id="{240B07E6-64E2-BBF4-B99A-DC30FBAB208F}"/>
+                            </a:ext>
+                          </a:extLst>
+                        </p:cNvPr>
+                        <p:cNvSpPr txBox="1">
+                          <a:spLocks noRot="1" noChangeAspect="1" noMove="1" noResize="1" noEditPoints="1" noAdjustHandles="1" noChangeArrowheads="1" noChangeShapeType="1" noTextEdit="1"/>
+                        </p:cNvSpPr>
+                        <p:nvPr/>
+                      </p:nvSpPr>
+                      <p:spPr>
+                        <a:xfrm>
+                          <a:off x="8509614" y="4332989"/>
+                          <a:ext cx="611321" cy="276999"/>
+                        </a:xfrm>
+                        <a:prstGeom prst="rect">
+                          <a:avLst/>
+                        </a:prstGeom>
+                        <a:blipFill>
+                          <a:blip r:embed="rId11"/>
+                          <a:stretch>
+                            <a:fillRect l="-10204" b="-21739"/>
+                          </a:stretch>
+                        </a:blipFill>
+                      </p:spPr>
+                      <p:txBody>
+                        <a:bodyPr/>
+                        <a:lstStyle/>
+                        <a:p>
+                          <a:r>
+                            <a:rPr lang="en-US">
+                              <a:noFill/>
+                            </a:rPr>
+                            <a:t> </a:t>
+                          </a:r>
+                        </a:p>
+                      </p:txBody>
+                    </p:sp>
+                  </mc:Fallback>
+                </mc:AlternateContent>
+              </p:grpSp>
+            </p:grpSp>
             <p:cxnSp>
               <p:nvCxnSpPr>
-                <p:cNvPr id="79" name="Straight Connector 78">
+                <p:cNvPr id="19" name="Straight Arrow Connector 18">
                   <a:extLst>
                     <a:ext uri="{FF2B5EF4-FFF2-40B4-BE49-F238E27FC236}">
-                      <a16:creationId xmlns:a16="http://schemas.microsoft.com/office/drawing/2014/main" id="{723928EB-4226-3BB3-8DA3-B458EEFD095D}"/>
+                      <a16:creationId xmlns:a16="http://schemas.microsoft.com/office/drawing/2014/main" id="{F5299C58-0D0D-CE2A-97C7-9A7C0AC17DAF}"/>
                     </a:ext>
                   </a:extLst>
                 </p:cNvPr>
                 <p:cNvCxnSpPr>
                   <a:cxnSpLocks/>
+                  <a:stCxn id="10" idx="2"/>
                 </p:cNvCxnSpPr>
                 <p:nvPr/>
               </p:nvCxnSpPr>
               <p:spPr>
-                <a:xfrm>
-                  <a:off x="5000756" y="3117643"/>
-                  <a:ext cx="2601532" cy="0"/>
+                <a:xfrm flipH="1">
+                  <a:off x="3584518" y="3174707"/>
+                  <a:ext cx="1" cy="363927"/>
                 </a:xfrm>
-                <a:prstGeom prst="line">
+                <a:prstGeom prst="straightConnector1">
                   <a:avLst/>
                 </a:prstGeom>
-                <a:ln>
-                  <a:prstDash val="sysDash"/>
+                <a:ln w="38100">
+                  <a:tailEnd type="triangle"/>
                 </a:ln>
               </p:spPr>
               <p:style>
@@ -10314,15 +13050,647 @@
                 </a:fontRef>
               </p:style>
             </p:cxnSp>
-          </p:grpSp>
-          <mc:AlternateContent xmlns:mc="http://schemas.openxmlformats.org/markup-compatibility/2006">
-            <mc:Choice xmlns:a14="http://schemas.microsoft.com/office/drawing/2010/main" Requires="a14">
+            <p:cxnSp>
+              <p:nvCxnSpPr>
+                <p:cNvPr id="20" name="Straight Arrow Connector 19">
+                  <a:extLst>
+                    <a:ext uri="{FF2B5EF4-FFF2-40B4-BE49-F238E27FC236}">
+                      <a16:creationId xmlns:a16="http://schemas.microsoft.com/office/drawing/2014/main" id="{8D2C977B-366C-B2A0-DAB7-3D7D1131520B}"/>
+                    </a:ext>
+                  </a:extLst>
+                </p:cNvPr>
+                <p:cNvCxnSpPr>
+                  <a:cxnSpLocks/>
+                  <a:stCxn id="12" idx="2"/>
+                </p:cNvCxnSpPr>
+                <p:nvPr/>
+              </p:nvCxnSpPr>
+              <p:spPr>
+                <a:xfrm flipH="1">
+                  <a:off x="7465829" y="3149103"/>
+                  <a:ext cx="1" cy="389531"/>
+                </a:xfrm>
+                <a:prstGeom prst="straightConnector1">
+                  <a:avLst/>
+                </a:prstGeom>
+                <a:ln w="38100">
+                  <a:tailEnd type="triangle"/>
+                </a:ln>
+              </p:spPr>
+              <p:style>
+                <a:lnRef idx="2">
+                  <a:schemeClr val="accent1"/>
+                </a:lnRef>
+                <a:fillRef idx="0">
+                  <a:schemeClr val="accent1"/>
+                </a:fillRef>
+                <a:effectRef idx="1">
+                  <a:schemeClr val="accent1"/>
+                </a:effectRef>
+                <a:fontRef idx="minor">
+                  <a:schemeClr val="tx1"/>
+                </a:fontRef>
+              </p:style>
+            </p:cxnSp>
+            <p:cxnSp>
+              <p:nvCxnSpPr>
+                <p:cNvPr id="21" name="Elbow Connector 20">
+                  <a:extLst>
+                    <a:ext uri="{FF2B5EF4-FFF2-40B4-BE49-F238E27FC236}">
+                      <a16:creationId xmlns:a16="http://schemas.microsoft.com/office/drawing/2014/main" id="{C76CF76C-D640-CD23-EEB5-D3D48473827B}"/>
+                    </a:ext>
+                  </a:extLst>
+                </p:cNvPr>
+                <p:cNvCxnSpPr>
+                  <a:cxnSpLocks/>
+                  <a:stCxn id="9" idx="3"/>
+                </p:cNvCxnSpPr>
+                <p:nvPr/>
+              </p:nvCxnSpPr>
+              <p:spPr>
+                <a:xfrm>
+                  <a:off x="6860601" y="1008381"/>
+                  <a:ext cx="1956850" cy="2510924"/>
+                </a:xfrm>
+                <a:prstGeom prst="bentConnector2">
+                  <a:avLst/>
+                </a:prstGeom>
+                <a:ln w="38100">
+                  <a:solidFill>
+                    <a:schemeClr val="accent2"/>
+                  </a:solidFill>
+                  <a:tailEnd type="triangle"/>
+                </a:ln>
+              </p:spPr>
+              <p:style>
+                <a:lnRef idx="2">
+                  <a:schemeClr val="accent1"/>
+                </a:lnRef>
+                <a:fillRef idx="0">
+                  <a:schemeClr val="accent1"/>
+                </a:fillRef>
+                <a:effectRef idx="1">
+                  <a:schemeClr val="accent1"/>
+                </a:effectRef>
+                <a:fontRef idx="minor">
+                  <a:schemeClr val="tx1"/>
+                </a:fontRef>
+              </p:style>
+            </p:cxnSp>
+            <mc:AlternateContent xmlns:mc="http://schemas.openxmlformats.org/markup-compatibility/2006" xmlns:a14="http://schemas.microsoft.com/office/drawing/2010/main">
+              <mc:Choice Requires="a14">
+                <p:sp>
+                  <p:nvSpPr>
+                    <p:cNvPr id="22" name="TextBox 21">
+                      <a:extLst>
+                        <a:ext uri="{FF2B5EF4-FFF2-40B4-BE49-F238E27FC236}">
+                          <a16:creationId xmlns:a16="http://schemas.microsoft.com/office/drawing/2014/main" id="{A27BBAE4-E682-70F0-C3D5-7781EBEA6282}"/>
+                        </a:ext>
+                      </a:extLst>
+                    </p:cNvPr>
+                    <p:cNvSpPr txBox="1"/>
+                    <p:nvPr/>
+                  </p:nvSpPr>
+                  <p:spPr>
+                    <a:xfrm>
+                      <a:off x="4647408" y="5270163"/>
+                      <a:ext cx="1689501" cy="448841"/>
+                    </a:xfrm>
+                    <a:prstGeom prst="rect">
+                      <a:avLst/>
+                    </a:prstGeom>
+                    <a:noFill/>
+                  </p:spPr>
+                  <p:txBody>
+                    <a:bodyPr wrap="none" lIns="0" tIns="0" rIns="0" bIns="0" rtlCol="0">
+                      <a:spAutoFit/>
+                    </a:bodyPr>
+                    <a:lstStyle/>
+                    <a:p>
+                      <a14:m>
+                        <m:oMath xmlns:m="http://schemas.openxmlformats.org/officeDocument/2006/math">
+                          <m:f>
+                            <m:fPr>
+                              <m:ctrlPr>
+                                <a:rPr lang="en-US" i="1" smtClean="0">
+                                  <a:latin typeface="Cambria Math" panose="02040503050406030204" pitchFamily="18" charset="0"/>
+                                </a:rPr>
+                              </m:ctrlPr>
+                            </m:fPr>
+                            <m:num>
+                              <m:r>
+                                <a:rPr lang="en-US" b="0" i="1" smtClean="0">
+                                  <a:latin typeface="Cambria Math" panose="02040503050406030204" pitchFamily="18" charset="0"/>
+                                </a:rPr>
+                                <m:t>1</m:t>
+                              </m:r>
+                            </m:num>
+                            <m:den>
+                              <m:r>
+                                <a:rPr lang="en-US" b="0" i="1" smtClean="0">
+                                  <a:latin typeface="Cambria Math" panose="02040503050406030204" pitchFamily="18" charset="0"/>
+                                </a:rPr>
+                                <m:t>𝑁</m:t>
+                              </m:r>
+                            </m:den>
+                          </m:f>
+                          <m:nary>
+                            <m:naryPr>
+                              <m:chr m:val="∑"/>
+                              <m:subHide m:val="on"/>
+                              <m:supHide m:val="on"/>
+                              <m:ctrlPr>
+                                <a:rPr lang="en-US" i="1" smtClean="0">
+                                  <a:latin typeface="Cambria Math" panose="02040503050406030204" pitchFamily="18" charset="0"/>
+                                </a:rPr>
+                              </m:ctrlPr>
+                            </m:naryPr>
+                            <m:sub/>
+                            <m:sup/>
+                            <m:e>
+                              <m:func>
+                                <m:funcPr>
+                                  <m:ctrlPr>
+                                    <a:rPr lang="en-US" i="1" smtClean="0">
+                                      <a:latin typeface="Cambria Math" panose="02040503050406030204" pitchFamily="18" charset="0"/>
+                                    </a:rPr>
+                                  </m:ctrlPr>
+                                </m:funcPr>
+                                <m:fName>
+                                  <m:r>
+                                    <m:rPr>
+                                      <m:sty m:val="p"/>
+                                    </m:rPr>
+                                    <a:rPr lang="en-US" i="0" smtClean="0">
+                                      <a:latin typeface="Cambria Math" panose="02040503050406030204" pitchFamily="18" charset="0"/>
+                                    </a:rPr>
+                                    <m:t>log</m:t>
+                                  </m:r>
+                                </m:fName>
+                                <m:e>
+                                  <m:f>
+                                    <m:fPr>
+                                      <m:ctrlPr>
+                                        <a:rPr lang="en-US" i="1" smtClean="0">
+                                          <a:latin typeface="Cambria Math" panose="02040503050406030204" pitchFamily="18" charset="0"/>
+                                        </a:rPr>
+                                      </m:ctrlPr>
+                                    </m:fPr>
+                                    <m:num>
+                                      <m:r>
+                                        <a:rPr lang="en-US" b="0" i="1" smtClean="0">
+                                          <a:latin typeface="Cambria Math" panose="02040503050406030204" pitchFamily="18" charset="0"/>
+                                        </a:rPr>
+                                        <m:t>𝑝</m:t>
+                                      </m:r>
+                                      <m:d>
+                                        <m:dPr>
+                                          <m:ctrlPr>
+                                            <a:rPr lang="en-US" b="0" i="1" smtClean="0">
+                                              <a:latin typeface="Cambria Math" panose="02040503050406030204" pitchFamily="18" charset="0"/>
+                                            </a:rPr>
+                                          </m:ctrlPr>
+                                        </m:dPr>
+                                        <m:e>
+                                          <m:r>
+                                            <a:rPr lang="en-US" b="0" i="1" smtClean="0">
+                                              <a:latin typeface="Cambria Math" panose="02040503050406030204" pitchFamily="18" charset="0"/>
+                                            </a:rPr>
+                                            <m:t>𝑥</m:t>
+                                          </m:r>
+                                        </m:e>
+                                      </m:d>
+                                    </m:num>
+                                    <m:den>
+                                      <m:r>
+                                        <a:rPr lang="en-US" b="0" i="1" smtClean="0">
+                                          <a:latin typeface="Cambria Math" panose="02040503050406030204" pitchFamily="18" charset="0"/>
+                                        </a:rPr>
+                                        <m:t>𝑝</m:t>
+                                      </m:r>
+                                      <m:d>
+                                        <m:dPr>
+                                          <m:ctrlPr>
+                                            <a:rPr lang="en-US" b="0" i="1" smtClean="0">
+                                              <a:latin typeface="Cambria Math" panose="02040503050406030204" pitchFamily="18" charset="0"/>
+                                            </a:rPr>
+                                          </m:ctrlPr>
+                                        </m:dPr>
+                                        <m:e>
+                                          <m:sSub>
+                                            <m:sSubPr>
+                                              <m:ctrlPr>
+                                                <a:rPr lang="en-US" i="1" smtClean="0">
+                                                  <a:latin typeface="Cambria Math" panose="02040503050406030204" pitchFamily="18" charset="0"/>
+                                                </a:rPr>
+                                              </m:ctrlPr>
+                                            </m:sSubPr>
+                                            <m:e>
+                                              <m:acc>
+                                                <m:accPr>
+                                                  <m:chr m:val="̃"/>
+                                                  <m:ctrlPr>
+                                                    <a:rPr lang="en-US" i="1" smtClean="0">
+                                                      <a:latin typeface="Cambria Math" panose="02040503050406030204" pitchFamily="18" charset="0"/>
+                                                    </a:rPr>
+                                                  </m:ctrlPr>
+                                                </m:accPr>
+                                                <m:e>
+                                                  <m:r>
+                                                    <a:rPr lang="en-US" b="0" i="1" smtClean="0">
+                                                      <a:latin typeface="Cambria Math" panose="02040503050406030204" pitchFamily="18" charset="0"/>
+                                                    </a:rPr>
+                                                    <m:t>𝑥</m:t>
+                                                  </m:r>
+                                                </m:e>
+                                              </m:acc>
+                                            </m:e>
+                                            <m:sub>
+                                              <m:r>
+                                                <a:rPr lang="en-US" b="0" i="1" smtClean="0">
+                                                  <a:latin typeface="Cambria Math" panose="02040503050406030204" pitchFamily="18" charset="0"/>
+                                                </a:rPr>
+                                                <m:t>𝑖</m:t>
+                                              </m:r>
+                                            </m:sub>
+                                          </m:sSub>
+                                        </m:e>
+                                      </m:d>
+                                    </m:den>
+                                  </m:f>
+                                </m:e>
+                              </m:func>
+                            </m:e>
+                          </m:nary>
+                          <m:r>
+                            <a:rPr lang="en-US" i="1" smtClean="0">
+                              <a:latin typeface="Cambria Math" panose="02040503050406030204" pitchFamily="18" charset="0"/>
+                              <a:ea typeface="Cambria Math" panose="02040503050406030204" pitchFamily="18" charset="0"/>
+                            </a:rPr>
+                            <m:t>&gt;</m:t>
+                          </m:r>
+                          <m:r>
+                            <a:rPr lang="el-GR" b="1" i="1" smtClean="0">
+                              <a:latin typeface="Cambria Math" panose="02040503050406030204" pitchFamily="18" charset="0"/>
+                              <a:ea typeface="Cambria Math" panose="02040503050406030204" pitchFamily="18" charset="0"/>
+                            </a:rPr>
+                            <m:t>𝜺</m:t>
+                          </m:r>
+                        </m:oMath>
+                      </a14:m>
+                      <a:r>
+                        <a:rPr lang="el-GR" dirty="0"/>
+                        <a:t> ?</a:t>
+                      </a:r>
+                      <a:endParaRPr lang="en-US" dirty="0"/>
+                    </a:p>
+                  </p:txBody>
+                </p:sp>
+              </mc:Choice>
+              <mc:Fallback xmlns="">
+                <p:sp>
+                  <p:nvSpPr>
+                    <p:cNvPr id="65" name="TextBox 64">
+                      <a:extLst>
+                        <a:ext uri="{FF2B5EF4-FFF2-40B4-BE49-F238E27FC236}">
+                          <a16:creationId xmlns:a16="http://schemas.microsoft.com/office/drawing/2014/main" id="{2786E2AC-2BD8-3BD1-5435-AF4523C0BE51}"/>
+                        </a:ext>
+                      </a:extLst>
+                    </p:cNvPr>
+                    <p:cNvSpPr txBox="1">
+                      <a:spLocks noRot="1" noChangeAspect="1" noMove="1" noResize="1" noEditPoints="1" noAdjustHandles="1" noChangeArrowheads="1" noChangeShapeType="1" noTextEdit="1"/>
+                    </p:cNvSpPr>
+                    <p:nvPr/>
+                  </p:nvSpPr>
+                  <p:spPr>
+                    <a:xfrm>
+                      <a:off x="4647408" y="5270163"/>
+                      <a:ext cx="1689501" cy="448841"/>
+                    </a:xfrm>
+                    <a:prstGeom prst="rect">
+                      <a:avLst/>
+                    </a:prstGeom>
+                    <a:blipFill>
+                      <a:blip r:embed="rId12"/>
+                      <a:stretch>
+                        <a:fillRect l="-14179" t="-81579" r="-7463" b="-115789"/>
+                      </a:stretch>
+                    </a:blipFill>
+                  </p:spPr>
+                  <p:txBody>
+                    <a:bodyPr/>
+                    <a:lstStyle/>
+                    <a:p>
+                      <a:r>
+                        <a:rPr lang="en-US">
+                          <a:noFill/>
+                        </a:rPr>
+                        <a:t> </a:t>
+                      </a:r>
+                    </a:p>
+                  </p:txBody>
+                </p:sp>
+              </mc:Fallback>
+            </mc:AlternateContent>
+            <p:cxnSp>
+              <p:nvCxnSpPr>
+                <p:cNvPr id="23" name="Straight Arrow Connector 22">
+                  <a:extLst>
+                    <a:ext uri="{FF2B5EF4-FFF2-40B4-BE49-F238E27FC236}">
+                      <a16:creationId xmlns:a16="http://schemas.microsoft.com/office/drawing/2014/main" id="{9CCE831C-1257-E4DE-1ADA-DF6EC0FDA0B8}"/>
+                    </a:ext>
+                  </a:extLst>
+                </p:cNvPr>
+                <p:cNvCxnSpPr>
+                  <a:cxnSpLocks/>
+                </p:cNvCxnSpPr>
+                <p:nvPr/>
+              </p:nvCxnSpPr>
+              <p:spPr>
+                <a:xfrm>
+                  <a:off x="8814382" y="3938070"/>
+                  <a:ext cx="0" cy="508972"/>
+                </a:xfrm>
+                <a:prstGeom prst="straightConnector1">
+                  <a:avLst/>
+                </a:prstGeom>
+                <a:ln w="38100">
+                  <a:solidFill>
+                    <a:schemeClr val="accent2"/>
+                  </a:solidFill>
+                  <a:tailEnd type="triangle"/>
+                </a:ln>
+              </p:spPr>
+              <p:style>
+                <a:lnRef idx="2">
+                  <a:schemeClr val="accent1"/>
+                </a:lnRef>
+                <a:fillRef idx="0">
+                  <a:schemeClr val="accent1"/>
+                </a:fillRef>
+                <a:effectRef idx="1">
+                  <a:schemeClr val="accent1"/>
+                </a:effectRef>
+                <a:fontRef idx="minor">
+                  <a:schemeClr val="tx1"/>
+                </a:fontRef>
+              </p:style>
+            </p:cxnSp>
+            <p:sp>
+              <p:nvSpPr>
+                <p:cNvPr id="24" name="Down Arrow 23">
+                  <a:extLst>
+                    <a:ext uri="{FF2B5EF4-FFF2-40B4-BE49-F238E27FC236}">
+                      <a16:creationId xmlns:a16="http://schemas.microsoft.com/office/drawing/2014/main" id="{8A9F65F2-54CD-C8B4-4485-05647AD2D568}"/>
+                    </a:ext>
+                  </a:extLst>
+                </p:cNvPr>
+                <p:cNvSpPr/>
+                <p:nvPr/>
+              </p:nvSpPr>
+              <p:spPr>
+                <a:xfrm>
+                  <a:off x="4825881" y="4044662"/>
+                  <a:ext cx="1318952" cy="317533"/>
+                </a:xfrm>
+                <a:prstGeom prst="downArrow">
+                  <a:avLst/>
+                </a:prstGeom>
+                <a:ln>
+                  <a:noFill/>
+                </a:ln>
+              </p:spPr>
+              <p:style>
+                <a:lnRef idx="2">
+                  <a:schemeClr val="accent1">
+                    <a:shade val="15000"/>
+                  </a:schemeClr>
+                </a:lnRef>
+                <a:fillRef idx="1">
+                  <a:schemeClr val="accent1"/>
+                </a:fillRef>
+                <a:effectRef idx="0">
+                  <a:schemeClr val="accent1"/>
+                </a:effectRef>
+                <a:fontRef idx="minor">
+                  <a:schemeClr val="lt1"/>
+                </a:fontRef>
+              </p:style>
+              <p:txBody>
+                <a:bodyPr rtlCol="0" anchor="ctr"/>
+                <a:lstStyle/>
+                <a:p>
+                  <a:pPr algn="ctr"/>
+                  <a:endParaRPr lang="en-US"/>
+                </a:p>
+              </p:txBody>
+            </p:sp>
+            <p:cxnSp>
+              <p:nvCxnSpPr>
+                <p:cNvPr id="25" name="Straight Arrow Connector 24">
+                  <a:extLst>
+                    <a:ext uri="{FF2B5EF4-FFF2-40B4-BE49-F238E27FC236}">
+                      <a16:creationId xmlns:a16="http://schemas.microsoft.com/office/drawing/2014/main" id="{C1F4BA4A-6E4C-F568-28D9-AAC444E6E6C9}"/>
+                    </a:ext>
+                  </a:extLst>
+                </p:cNvPr>
+                <p:cNvCxnSpPr>
+                  <a:cxnSpLocks/>
+                  <a:stCxn id="13" idx="2"/>
+                  <a:endCxn id="11" idx="0"/>
+                </p:cNvCxnSpPr>
+                <p:nvPr/>
+              </p:nvCxnSpPr>
+              <p:spPr>
+                <a:xfrm flipH="1">
+                  <a:off x="5489943" y="2032576"/>
+                  <a:ext cx="4432" cy="489525"/>
+                </a:xfrm>
+                <a:prstGeom prst="straightConnector1">
+                  <a:avLst/>
+                </a:prstGeom>
+                <a:ln w="38100">
+                  <a:tailEnd type="triangle"/>
+                </a:ln>
+              </p:spPr>
+              <p:style>
+                <a:lnRef idx="2">
+                  <a:schemeClr val="accent1"/>
+                </a:lnRef>
+                <a:fillRef idx="0">
+                  <a:schemeClr val="accent1"/>
+                </a:fillRef>
+                <a:effectRef idx="1">
+                  <a:schemeClr val="accent1"/>
+                </a:effectRef>
+                <a:fontRef idx="minor">
+                  <a:schemeClr val="tx1"/>
+                </a:fontRef>
+              </p:style>
+            </p:cxnSp>
+            <p:cxnSp>
+              <p:nvCxnSpPr>
+                <p:cNvPr id="26" name="Straight Arrow Connector 25">
+                  <a:extLst>
+                    <a:ext uri="{FF2B5EF4-FFF2-40B4-BE49-F238E27FC236}">
+                      <a16:creationId xmlns:a16="http://schemas.microsoft.com/office/drawing/2014/main" id="{40D94E61-646B-B1DC-FEDD-14BB01C49122}"/>
+                    </a:ext>
+                  </a:extLst>
+                </p:cNvPr>
+                <p:cNvCxnSpPr>
+                  <a:cxnSpLocks/>
+                  <a:stCxn id="11" idx="2"/>
+                </p:cNvCxnSpPr>
+                <p:nvPr/>
+              </p:nvCxnSpPr>
+              <p:spPr>
+                <a:xfrm>
+                  <a:off x="5489943" y="3168432"/>
+                  <a:ext cx="2216" cy="370202"/>
+                </a:xfrm>
+                <a:prstGeom prst="straightConnector1">
+                  <a:avLst/>
+                </a:prstGeom>
+                <a:ln w="38100">
+                  <a:tailEnd type="triangle"/>
+                </a:ln>
+              </p:spPr>
+              <p:style>
+                <a:lnRef idx="2">
+                  <a:schemeClr val="accent1"/>
+                </a:lnRef>
+                <a:fillRef idx="0">
+                  <a:schemeClr val="accent1"/>
+                </a:fillRef>
+                <a:effectRef idx="1">
+                  <a:schemeClr val="accent1"/>
+                </a:effectRef>
+                <a:fontRef idx="minor">
+                  <a:schemeClr val="tx1"/>
+                </a:fontRef>
+              </p:style>
+            </p:cxnSp>
+            <p:sp>
+              <p:nvSpPr>
+                <p:cNvPr id="27" name="Down Arrow 26">
+                  <a:extLst>
+                    <a:ext uri="{FF2B5EF4-FFF2-40B4-BE49-F238E27FC236}">
+                      <a16:creationId xmlns:a16="http://schemas.microsoft.com/office/drawing/2014/main" id="{AB0FF2C9-918E-97DF-7F36-DE8A67642D5F}"/>
+                    </a:ext>
+                  </a:extLst>
+                </p:cNvPr>
+                <p:cNvSpPr/>
+                <p:nvPr/>
+              </p:nvSpPr>
+              <p:spPr>
+                <a:xfrm>
+                  <a:off x="4832682" y="4921822"/>
+                  <a:ext cx="1318952" cy="317533"/>
+                </a:xfrm>
+                <a:prstGeom prst="downArrow">
+                  <a:avLst/>
+                </a:prstGeom>
+                <a:ln>
+                  <a:noFill/>
+                </a:ln>
+              </p:spPr>
+              <p:style>
+                <a:lnRef idx="2">
+                  <a:schemeClr val="accent1">
+                    <a:shade val="15000"/>
+                  </a:schemeClr>
+                </a:lnRef>
+                <a:fillRef idx="1">
+                  <a:schemeClr val="accent1"/>
+                </a:fillRef>
+                <a:effectRef idx="0">
+                  <a:schemeClr val="accent1"/>
+                </a:effectRef>
+                <a:fontRef idx="minor">
+                  <a:schemeClr val="lt1"/>
+                </a:fontRef>
+              </p:style>
+              <p:txBody>
+                <a:bodyPr rtlCol="0" anchor="ctr"/>
+                <a:lstStyle/>
+                <a:p>
+                  <a:pPr algn="ctr"/>
+                  <a:endParaRPr lang="en-US"/>
+                </a:p>
+              </p:txBody>
+            </p:sp>
+            <p:cxnSp>
+              <p:nvCxnSpPr>
+                <p:cNvPr id="28" name="Elbow Connector 27">
+                  <a:extLst>
+                    <a:ext uri="{FF2B5EF4-FFF2-40B4-BE49-F238E27FC236}">
+                      <a16:creationId xmlns:a16="http://schemas.microsoft.com/office/drawing/2014/main" id="{6684381B-7018-E80A-CEA3-78C971CD7E92}"/>
+                    </a:ext>
+                  </a:extLst>
+                </p:cNvPr>
+                <p:cNvCxnSpPr>
+                  <a:cxnSpLocks/>
+                  <a:stCxn id="35" idx="2"/>
+                  <a:endCxn id="22" idx="3"/>
+                </p:cNvCxnSpPr>
+                <p:nvPr/>
+              </p:nvCxnSpPr>
+              <p:spPr>
+                <a:xfrm rot="5400000">
+                  <a:off x="7223611" y="3903812"/>
+                  <a:ext cx="704070" cy="2477474"/>
+                </a:xfrm>
+                <a:prstGeom prst="bentConnector2">
+                  <a:avLst/>
+                </a:prstGeom>
+                <a:ln w="38100">
+                  <a:solidFill>
+                    <a:schemeClr val="accent2"/>
+                  </a:solidFill>
+                  <a:tailEnd type="triangle"/>
+                </a:ln>
+              </p:spPr>
+              <p:style>
+                <a:lnRef idx="2">
+                  <a:schemeClr val="accent1"/>
+                </a:lnRef>
+                <a:fillRef idx="0">
+                  <a:schemeClr val="accent1"/>
+                </a:fillRef>
+                <a:effectRef idx="1">
+                  <a:schemeClr val="accent1"/>
+                </a:effectRef>
+                <a:fontRef idx="minor">
+                  <a:schemeClr val="tx1"/>
+                </a:fontRef>
+              </p:style>
+            </p:cxnSp>
+            <p:grpSp>
+              <p:nvGrpSpPr>
+                <p:cNvPr id="29" name="Group 28">
+                  <a:extLst>
+                    <a:ext uri="{FF2B5EF4-FFF2-40B4-BE49-F238E27FC236}">
+                      <a16:creationId xmlns:a16="http://schemas.microsoft.com/office/drawing/2014/main" id="{B17BCBF3-FA82-81A8-F309-D6B2C00CBB63}"/>
+                    </a:ext>
+                  </a:extLst>
+                </p:cNvPr>
+                <p:cNvGrpSpPr/>
+                <p:nvPr/>
+              </p:nvGrpSpPr>
+              <p:grpSpPr>
+                <a:xfrm>
+                  <a:off x="4674878" y="6137928"/>
+                  <a:ext cx="1561827" cy="400110"/>
+                  <a:chOff x="4849535" y="6090575"/>
+                  <a:chExt cx="1561827" cy="400110"/>
+                </a:xfrm>
+              </p:grpSpPr>
               <p:sp>
                 <p:nvSpPr>
-                  <p:cNvPr id="72" name="TextBox 71">
+                  <p:cNvPr id="33" name="TextBox 32">
                     <a:extLst>
                       <a:ext uri="{FF2B5EF4-FFF2-40B4-BE49-F238E27FC236}">
-                        <a16:creationId xmlns:a16="http://schemas.microsoft.com/office/drawing/2014/main" id="{64E8069F-1B39-E862-B2A6-DBD521A6D517}"/>
+                        <a16:creationId xmlns:a16="http://schemas.microsoft.com/office/drawing/2014/main" id="{E0BEEE1D-31F5-AF46-BE3B-06076370E0CC}"/>
                       </a:ext>
                     </a:extLst>
                   </p:cNvPr>
@@ -10331,8 +13699,8 @@
                 </p:nvSpPr>
                 <p:spPr>
                   <a:xfrm>
-                    <a:off x="3571368" y="2239036"/>
-                    <a:ext cx="872828" cy="495235"/>
+                    <a:off x="4849535" y="6090575"/>
+                    <a:ext cx="761293" cy="400110"/>
                   </a:xfrm>
                   <a:prstGeom prst="rect">
                     <a:avLst/>
@@ -10346,122 +13714,66 @@
                   <a:lstStyle/>
                   <a:p>
                     <a:pPr algn="ctr"/>
-                    <a14:m>
-                      <m:oMathPara xmlns:m="http://schemas.openxmlformats.org/officeDocument/2006/math">
-                        <m:oMathParaPr>
-                          <m:jc m:val="center"/>
-                        </m:oMathParaPr>
-                        <m:oMath xmlns:m="http://schemas.openxmlformats.org/officeDocument/2006/math">
-                          <m:sSubSup>
-                            <m:sSubSupPr>
-                              <m:ctrlPr>
-                                <a:rPr lang="en-US" sz="1400" b="1" i="1" smtClean="0">
-                                  <a:latin typeface="Cambria Math" panose="02040503050406030204" pitchFamily="18" charset="0"/>
-                                </a:rPr>
-                              </m:ctrlPr>
-                            </m:sSubSupPr>
-                            <m:e>
-                              <m:r>
-                                <a:rPr lang="en-US" sz="1400" b="1" i="1" smtClean="0">
-                                  <a:latin typeface="Cambria Math" panose="02040503050406030204" pitchFamily="18" charset="0"/>
-                                </a:rPr>
-                                <m:t>𝒙</m:t>
-                              </m:r>
-                            </m:e>
-                            <m:sub>
-                              <m:r>
-                                <m:rPr>
-                                  <m:nor/>
-                                </m:rPr>
-                                <a:rPr lang="en-US" sz="1400" b="0" i="0" smtClean="0">
-                                  <a:latin typeface="Cambria Math" panose="02040503050406030204" pitchFamily="18" charset="0"/>
-                                </a:rPr>
-                                <m:t>human</m:t>
-                              </m:r>
-                            </m:sub>
-                            <m:sup>
-                              <m:r>
-                                <a:rPr lang="en-US" sz="1400" b="0" i="1" smtClean="0">
-                                  <a:latin typeface="Cambria Math" panose="02040503050406030204" pitchFamily="18" charset="0"/>
-                                </a:rPr>
-                                <m:t>(</m:t>
-                              </m:r>
-                              <m:r>
-                                <a:rPr lang="en-US" sz="1400" b="0" i="1" smtClean="0">
-                                  <a:latin typeface="Cambria Math" panose="02040503050406030204" pitchFamily="18" charset="0"/>
-                                </a:rPr>
-                                <m:t>𝑖</m:t>
-                              </m:r>
-                              <m:r>
-                                <a:rPr lang="en-US" sz="1400" b="0" i="1" smtClean="0">
-                                  <a:latin typeface="Cambria Math" panose="02040503050406030204" pitchFamily="18" charset="0"/>
-                                </a:rPr>
-                                <m:t>)</m:t>
-                              </m:r>
-                            </m:sup>
-                          </m:sSubSup>
-                        </m:oMath>
-                      </m:oMathPara>
-                    </a14:m>
-                    <a:endParaRPr lang="en-US" sz="1400" dirty="0"/>
+                    <a:r>
+                      <a:rPr lang="en-US" sz="2000" b="1" dirty="0">
+                        <a:latin typeface="Helvetica" pitchFamily="2" charset="0"/>
+                      </a:rPr>
+                      <a:t>YES</a:t>
+                    </a:r>
+                    <a:endParaRPr lang="en-US" b="1" dirty="0">
+                      <a:latin typeface="Helvetica" pitchFamily="2" charset="0"/>
+                    </a:endParaRPr>
                   </a:p>
                 </p:txBody>
               </p:sp>
-            </mc:Choice>
-            <mc:Fallback>
               <p:sp>
                 <p:nvSpPr>
-                  <p:cNvPr id="72" name="TextBox 71">
+                  <p:cNvPr id="34" name="TextBox 33">
                     <a:extLst>
                       <a:ext uri="{FF2B5EF4-FFF2-40B4-BE49-F238E27FC236}">
-                        <a16:creationId xmlns:a16="http://schemas.microsoft.com/office/drawing/2014/main" id="{64E8069F-1B39-E862-B2A6-DBD521A6D517}"/>
+                        <a16:creationId xmlns:a16="http://schemas.microsoft.com/office/drawing/2014/main" id="{79E2F84B-12E5-7912-82A0-32698BAF99C6}"/>
                       </a:ext>
                     </a:extLst>
                   </p:cNvPr>
-                  <p:cNvSpPr txBox="1">
-                    <a:spLocks noRot="1" noChangeAspect="1" noMove="1" noResize="1" noEditPoints="1" noAdjustHandles="1" noChangeArrowheads="1" noChangeShapeType="1" noTextEdit="1"/>
-                  </p:cNvSpPr>
+                  <p:cNvSpPr txBox="1"/>
                   <p:nvPr/>
                 </p:nvSpPr>
                 <p:spPr>
                   <a:xfrm>
-                    <a:off x="3571368" y="2239036"/>
-                    <a:ext cx="872828" cy="495235"/>
+                    <a:off x="5733409" y="6090575"/>
+                    <a:ext cx="677953" cy="400110"/>
                   </a:xfrm>
                   <a:prstGeom prst="rect">
                     <a:avLst/>
                   </a:prstGeom>
-                  <a:blipFill>
-                    <a:blip r:embed="rId6"/>
-                    <a:stretch>
-                      <a:fillRect l="-1639" b="-3125"/>
-                    </a:stretch>
-                  </a:blipFill>
+                  <a:noFill/>
                 </p:spPr>
                 <p:txBody>
-                  <a:bodyPr/>
+                  <a:bodyPr wrap="square" rtlCol="0">
+                    <a:spAutoFit/>
+                  </a:bodyPr>
                   <a:lstStyle/>
                   <a:p>
+                    <a:pPr algn="ctr"/>
                     <a:r>
-                      <a:rPr lang="en-US">
-                        <a:noFill/>
+                      <a:rPr lang="en-US" sz="2000" b="1" dirty="0">
+                        <a:latin typeface="Helvetica" pitchFamily="2" charset="0"/>
                       </a:rPr>
-                      <a:t> </a:t>
+                      <a:t>NO</a:t>
                     </a:r>
+                    <a:endParaRPr lang="en-US" b="1" dirty="0">
+                      <a:latin typeface="Helvetica" pitchFamily="2" charset="0"/>
+                    </a:endParaRPr>
                   </a:p>
                 </p:txBody>
               </p:sp>
-            </mc:Fallback>
-          </mc:AlternateContent>
-        </p:grpSp>
-        <mc:AlternateContent xmlns:mc="http://schemas.openxmlformats.org/markup-compatibility/2006">
-          <mc:Choice xmlns:a14="http://schemas.microsoft.com/office/drawing/2010/main" Requires="a14">
+            </p:grpSp>
             <p:sp>
               <p:nvSpPr>
-                <p:cNvPr id="57" name="TextBox 56">
+                <p:cNvPr id="30" name="TextBox 29">
                   <a:extLst>
                     <a:ext uri="{FF2B5EF4-FFF2-40B4-BE49-F238E27FC236}">
-                      <a16:creationId xmlns:a16="http://schemas.microsoft.com/office/drawing/2014/main" id="{799E1ECB-C66F-AC54-C71A-53AFFC0F759F}"/>
+                      <a16:creationId xmlns:a16="http://schemas.microsoft.com/office/drawing/2014/main" id="{B1766404-486B-76E8-D90A-88F94F3DEB4F}"/>
                     </a:ext>
                   </a:extLst>
                 </p:cNvPr>
@@ -10470,8 +13782,8 @@
               </p:nvSpPr>
               <p:spPr>
                 <a:xfrm>
-                  <a:off x="4841021" y="2981494"/>
-                  <a:ext cx="567157" cy="393954"/>
+                  <a:off x="2642521" y="6126816"/>
+                  <a:ext cx="2050561" cy="400110"/>
                 </a:xfrm>
                 <a:prstGeom prst="rect">
                   <a:avLst/>
@@ -10479,653 +13791,180 @@
                 <a:noFill/>
               </p:spPr>
               <p:txBody>
-                <a:bodyPr wrap="square" rtlCol="0">
+                <a:bodyPr wrap="none" rtlCol="0">
                   <a:spAutoFit/>
                 </a:bodyPr>
                 <a:lstStyle/>
                 <a:p>
-                  <a:pPr algn="ctr"/>
-                  <a14:m>
-                    <m:oMathPara xmlns:m="http://schemas.openxmlformats.org/officeDocument/2006/math">
-                      <m:oMathParaPr>
-                        <m:jc m:val="center"/>
-                      </m:oMathParaPr>
-                      <m:oMath xmlns:m="http://schemas.openxmlformats.org/officeDocument/2006/math">
-                        <m:sSubSup>
-                          <m:sSubSupPr>
-                            <m:ctrlPr>
-                              <a:rPr lang="en-US" sz="1400" b="1" i="1" smtClean="0">
-                                <a:latin typeface="Cambria Math" panose="02040503050406030204" pitchFamily="18" charset="0"/>
-                              </a:rPr>
-                            </m:ctrlPr>
-                          </m:sSubSupPr>
-                          <m:e>
-                            <m:r>
-                              <a:rPr lang="en-US" sz="1400" b="1" i="1" smtClean="0">
-                                <a:latin typeface="Cambria Math" panose="02040503050406030204" pitchFamily="18" charset="0"/>
-                              </a:rPr>
-                              <m:t>𝒙</m:t>
-                            </m:r>
-                          </m:e>
-                          <m:sub>
-                            <m:r>
-                              <m:rPr>
-                                <m:nor/>
-                              </m:rPr>
-                              <a:rPr lang="en-US" sz="1400" b="0" i="0" smtClean="0">
-                                <a:latin typeface="Cambria Math" panose="02040503050406030204" pitchFamily="18" charset="0"/>
-                              </a:rPr>
-                              <m:t>llm</m:t>
-                            </m:r>
-                          </m:sub>
-                          <m:sup>
-                            <m:r>
-                              <a:rPr lang="en-US" sz="1400" b="0" i="1" smtClean="0">
-                                <a:latin typeface="Cambria Math" panose="02040503050406030204" pitchFamily="18" charset="0"/>
-                              </a:rPr>
-                              <m:t>(</m:t>
-                            </m:r>
-                            <m:r>
-                              <a:rPr lang="en-US" sz="1400" b="0" i="1" smtClean="0">
-                                <a:latin typeface="Cambria Math" panose="02040503050406030204" pitchFamily="18" charset="0"/>
-                              </a:rPr>
-                              <m:t>𝑖</m:t>
-                            </m:r>
-                            <m:r>
-                              <a:rPr lang="en-US" sz="1400" b="0" i="1" smtClean="0">
-                                <a:latin typeface="Cambria Math" panose="02040503050406030204" pitchFamily="18" charset="0"/>
-                              </a:rPr>
-                              <m:t>)</m:t>
-                            </m:r>
-                          </m:sup>
-                        </m:sSubSup>
-                      </m:oMath>
-                    </m:oMathPara>
-                  </a14:m>
-                  <a:endParaRPr lang="en-US" sz="1400" dirty="0"/>
+                  <a:r>
+                    <a:rPr lang="en-US" sz="2000" i="1" dirty="0">
+                      <a:latin typeface="Helvetica" pitchFamily="2" charset="0"/>
+                    </a:rPr>
+                    <a:t>LLM generated?</a:t>
+                  </a:r>
                 </a:p>
               </p:txBody>
             </p:sp>
-          </mc:Choice>
-          <mc:Fallback>
             <p:sp>
               <p:nvSpPr>
-                <p:cNvPr id="57" name="TextBox 56">
+                <p:cNvPr id="32" name="Down Arrow 31">
                   <a:extLst>
                     <a:ext uri="{FF2B5EF4-FFF2-40B4-BE49-F238E27FC236}">
-                      <a16:creationId xmlns:a16="http://schemas.microsoft.com/office/drawing/2014/main" id="{799E1ECB-C66F-AC54-C71A-53AFFC0F759F}"/>
+                      <a16:creationId xmlns:a16="http://schemas.microsoft.com/office/drawing/2014/main" id="{2B0A67E3-E883-FE1C-6133-1C5C320C1E36}"/>
                     </a:ext>
                   </a:extLst>
                 </p:cNvPr>
-                <p:cNvSpPr txBox="1">
-                  <a:spLocks noRot="1" noChangeAspect="1" noMove="1" noResize="1" noEditPoints="1" noAdjustHandles="1" noChangeArrowheads="1" noChangeShapeType="1" noTextEdit="1"/>
-                </p:cNvSpPr>
+                <p:cNvSpPr/>
                 <p:nvPr/>
               </p:nvSpPr>
               <p:spPr>
                 <a:xfrm>
-                  <a:off x="4841021" y="2981494"/>
-                  <a:ext cx="567157" cy="393954"/>
+                  <a:off x="5104712" y="353518"/>
+                  <a:ext cx="761293" cy="543566"/>
                 </a:xfrm>
-                <a:prstGeom prst="rect">
+                <a:prstGeom prst="downArrow">
                   <a:avLst/>
                 </a:prstGeom>
-                <a:blipFill>
-                  <a:blip r:embed="rId7"/>
-                  <a:stretch>
-                    <a:fillRect b="-3125"/>
-                  </a:stretch>
-                </a:blipFill>
+                <a:solidFill>
+                  <a:schemeClr val="tx1">
+                    <a:lumMod val="50000"/>
+                    <a:lumOff val="50000"/>
+                  </a:schemeClr>
+                </a:solidFill>
+                <a:ln w="9525">
+                  <a:solidFill>
+                    <a:schemeClr val="tx1"/>
+                  </a:solidFill>
+                </a:ln>
               </p:spPr>
+              <p:style>
+                <a:lnRef idx="2">
+                  <a:schemeClr val="accent1">
+                    <a:shade val="15000"/>
+                  </a:schemeClr>
+                </a:lnRef>
+                <a:fillRef idx="1">
+                  <a:schemeClr val="accent1"/>
+                </a:fillRef>
+                <a:effectRef idx="0">
+                  <a:schemeClr val="accent1"/>
+                </a:effectRef>
+                <a:fontRef idx="minor">
+                  <a:schemeClr val="lt1"/>
+                </a:fontRef>
+              </p:style>
               <p:txBody>
-                <a:bodyPr/>
+                <a:bodyPr rtlCol="0" anchor="ctr"/>
                 <a:lstStyle/>
                 <a:p>
-                  <a:r>
-                    <a:rPr lang="en-US">
-                      <a:noFill/>
-                    </a:rPr>
-                    <a:t> </a:t>
-                  </a:r>
+                  <a:pPr algn="ctr"/>
+                  <a:endParaRPr lang="en-US"/>
                 </a:p>
               </p:txBody>
             </p:sp>
-          </mc:Fallback>
-        </mc:AlternateContent>
-      </p:grpSp>
-      <p:sp>
-        <p:nvSpPr>
-          <p:cNvPr id="67" name="TextBox 66">
-            <a:extLst>
-              <a:ext uri="{FF2B5EF4-FFF2-40B4-BE49-F238E27FC236}">
-                <a16:creationId xmlns:a16="http://schemas.microsoft.com/office/drawing/2014/main" id="{A7B7E7C6-6B32-5059-2E5C-40D68ACFDCC6}"/>
-              </a:ext>
-            </a:extLst>
-          </p:cNvPr>
-          <p:cNvSpPr txBox="1"/>
-          <p:nvPr/>
-        </p:nvSpPr>
-        <p:spPr>
-          <a:xfrm>
-            <a:off x="2533540" y="4803910"/>
-            <a:ext cx="1284269" cy="338554"/>
-          </a:xfrm>
-          <a:prstGeom prst="rect">
-            <a:avLst/>
-          </a:prstGeom>
-          <a:noFill/>
-        </p:spPr>
-        <p:txBody>
-          <a:bodyPr wrap="square" rtlCol="0">
-            <a:spAutoFit/>
-          </a:bodyPr>
-          <a:lstStyle/>
-          <a:p>
-            <a:pPr algn="ctr"/>
-            <a:r>
-              <a:rPr lang="en-US" sz="1600" dirty="0">
-                <a:latin typeface="Helvetica" pitchFamily="2" charset="0"/>
-              </a:rPr>
-              <a:t>AUROC</a:t>
-            </a:r>
-            <a:endParaRPr lang="en-US" dirty="0">
-              <a:latin typeface="Helvetica" pitchFamily="2" charset="0"/>
-            </a:endParaRPr>
-          </a:p>
-        </p:txBody>
-      </p:sp>
-      <p:grpSp>
-        <p:nvGrpSpPr>
-          <p:cNvPr id="101" name="Group 100">
-            <a:extLst>
-              <a:ext uri="{FF2B5EF4-FFF2-40B4-BE49-F238E27FC236}">
-                <a16:creationId xmlns:a16="http://schemas.microsoft.com/office/drawing/2014/main" id="{DFC312B2-3452-51E7-CF72-230041C15239}"/>
-              </a:ext>
-            </a:extLst>
-          </p:cNvPr>
-          <p:cNvGrpSpPr/>
-          <p:nvPr/>
-        </p:nvGrpSpPr>
-        <p:grpSpPr>
-          <a:xfrm>
-            <a:off x="1282284" y="4262920"/>
-            <a:ext cx="3829641" cy="1059621"/>
-            <a:chOff x="1216528" y="4418912"/>
-            <a:chExt cx="3829641" cy="1059621"/>
-          </a:xfrm>
-        </p:grpSpPr>
-        <p:pic>
-          <p:nvPicPr>
-            <p:cNvPr id="63" name="Picture 2" descr="AUC ROC Curve in Machine Learning | GeeksforGeeks">
+          </p:grpSp>
+          <p:sp>
+            <p:nvSpPr>
+              <p:cNvPr id="8" name="TextBox 7">
+                <a:extLst>
+                  <a:ext uri="{FF2B5EF4-FFF2-40B4-BE49-F238E27FC236}">
+                    <a16:creationId xmlns:a16="http://schemas.microsoft.com/office/drawing/2014/main" id="{60ADC3D1-E739-85BD-4CDC-C57DBD81E7F6}"/>
+                  </a:ext>
+                </a:extLst>
+              </p:cNvPr>
+              <p:cNvSpPr txBox="1"/>
+              <p:nvPr/>
+            </p:nvSpPr>
+            <p:spPr>
+              <a:xfrm>
+                <a:off x="4663083" y="284052"/>
+                <a:ext cx="1781258" cy="400110"/>
+              </a:xfrm>
+              <a:prstGeom prst="rect">
+                <a:avLst/>
+              </a:prstGeom>
+              <a:noFill/>
+            </p:spPr>
+            <p:txBody>
+              <a:bodyPr wrap="none" rtlCol="0">
+                <a:spAutoFit/>
+              </a:bodyPr>
+              <a:lstStyle/>
+              <a:p>
+                <a:pPr algn="ctr"/>
+                <a:r>
+                  <a:rPr lang="en-US" sz="2000" i="1" dirty="0">
+                    <a:latin typeface="Helvetica" pitchFamily="2" charset="0"/>
+                    <a:cs typeface="Times New Roman" panose="02020603050405020304" pitchFamily="18" charset="0"/>
+                  </a:rPr>
+                  <a:t>input example</a:t>
+                </a:r>
+              </a:p>
+            </p:txBody>
+          </p:sp>
+        </p:grpSp>
+        <p:sp>
+          <p:nvSpPr>
+            <p:cNvPr id="6" name="Down Arrow 5">
               <a:extLst>
                 <a:ext uri="{FF2B5EF4-FFF2-40B4-BE49-F238E27FC236}">
-                  <a16:creationId xmlns:a16="http://schemas.microsoft.com/office/drawing/2014/main" id="{892B49FE-381E-71F5-E78F-2BE1E18283CD}"/>
+                  <a16:creationId xmlns:a16="http://schemas.microsoft.com/office/drawing/2014/main" id="{110D4F9E-FBB2-2C2B-E629-B28855331C7A}"/>
                 </a:ext>
               </a:extLst>
             </p:cNvPr>
-            <p:cNvPicPr>
-              <a:picLocks noChangeAspect="1" noChangeArrowheads="1"/>
-            </p:cNvPicPr>
+            <p:cNvSpPr/>
             <p:nvPr/>
-          </p:nvPicPr>
-          <p:blipFill>
-            <a:blip r:embed="rId8">
-              <a:extLst>
-                <a:ext uri="{28A0092B-C50C-407E-A947-70E740481C1C}">
-                  <a14:useLocalDpi xmlns:a14="http://schemas.microsoft.com/office/drawing/2010/main" val="0"/>
-                </a:ext>
-              </a:extLst>
-            </a:blip>
-            <a:srcRect/>
-            <a:stretch>
-              <a:fillRect/>
-            </a:stretch>
-          </p:blipFill>
-          <p:spPr bwMode="auto">
+          </p:nvSpPr>
+          <p:spPr>
             <a:xfrm>
-              <a:off x="3605084" y="4418912"/>
-              <a:ext cx="1441085" cy="1059621"/>
+              <a:off x="5171006" y="6064002"/>
+              <a:ext cx="761293" cy="369333"/>
             </a:xfrm>
-            <a:prstGeom prst="rect">
+            <a:prstGeom prst="downArrow">
               <a:avLst/>
             </a:prstGeom>
-            <a:noFill/>
-            <a:extLst>
-              <a:ext uri="{909E8E84-426E-40DD-AFC4-6F175D3DCCD1}">
-                <a14:hiddenFill xmlns:a14="http://schemas.microsoft.com/office/drawing/2010/main">
-                  <a:solidFill>
-                    <a:srgbClr val="FFFFFF"/>
-                  </a:solidFill>
-                </a14:hiddenFill>
-              </a:ext>
-            </a:extLst>
-          </p:spPr>
-        </p:pic>
-        <p:pic>
-          <p:nvPicPr>
-            <p:cNvPr id="100" name="Picture 2" descr="AUC ROC Curve in Machine Learning | GeeksforGeeks">
-              <a:extLst>
-                <a:ext uri="{FF2B5EF4-FFF2-40B4-BE49-F238E27FC236}">
-                  <a16:creationId xmlns:a16="http://schemas.microsoft.com/office/drawing/2014/main" id="{D4426AEA-2620-28AB-357F-FCEB9FED5512}"/>
-                </a:ext>
-              </a:extLst>
-            </p:cNvPr>
-            <p:cNvPicPr>
-              <a:picLocks noChangeAspect="1" noChangeArrowheads="1"/>
-            </p:cNvPicPr>
-            <p:nvPr/>
-          </p:nvPicPr>
-          <p:blipFill>
-            <a:blip r:embed="rId9">
-              <a:grayscl/>
-              <a:extLst>
-                <a:ext uri="{28A0092B-C50C-407E-A947-70E740481C1C}">
-                  <a14:useLocalDpi xmlns:a14="http://schemas.microsoft.com/office/drawing/2010/main" val="0"/>
-                </a:ext>
-              </a:extLst>
-            </a:blip>
-            <a:srcRect/>
-            <a:stretch>
-              <a:fillRect/>
-            </a:stretch>
-          </p:blipFill>
-          <p:spPr bwMode="auto">
-            <a:xfrm>
-              <a:off x="1216528" y="4418912"/>
-              <a:ext cx="1441085" cy="1059621"/>
-            </a:xfrm>
-            <a:prstGeom prst="rect">
-              <a:avLst/>
-            </a:prstGeom>
-            <a:noFill/>
-            <a:extLst>
-              <a:ext uri="{909E8E84-426E-40DD-AFC4-6F175D3DCCD1}">
-                <a14:hiddenFill xmlns:a14="http://schemas.microsoft.com/office/drawing/2010/main">
-                  <a:solidFill>
-                    <a:srgbClr val="FFFFFF"/>
-                  </a:solidFill>
-                </a14:hiddenFill>
-              </a:ext>
-            </a:extLst>
-          </p:spPr>
-        </p:pic>
-      </p:grpSp>
-      <p:cxnSp>
-        <p:nvCxnSpPr>
-          <p:cNvPr id="105" name="Elbow Connector 104">
-            <a:extLst>
-              <a:ext uri="{FF2B5EF4-FFF2-40B4-BE49-F238E27FC236}">
-                <a16:creationId xmlns:a16="http://schemas.microsoft.com/office/drawing/2014/main" id="{B0DEF531-1463-9FDF-2ECD-7BEC0351F960}"/>
-              </a:ext>
-            </a:extLst>
-          </p:cNvPr>
-          <p:cNvCxnSpPr>
-            <a:cxnSpLocks/>
-            <a:stCxn id="83" idx="3"/>
-            <a:endCxn id="90" idx="1"/>
-          </p:cNvCxnSpPr>
-          <p:nvPr/>
-        </p:nvCxnSpPr>
-        <p:spPr>
-          <a:xfrm flipV="1">
-            <a:off x="3204957" y="1110103"/>
-            <a:ext cx="302890" cy="1"/>
-          </a:xfrm>
-          <a:prstGeom prst="bentConnector3">
-            <a:avLst/>
-          </a:prstGeom>
-          <a:ln w="38100">
             <a:solidFill>
-              <a:schemeClr val="tx1"/>
+              <a:schemeClr val="tx1">
+                <a:lumMod val="50000"/>
+                <a:lumOff val="50000"/>
+              </a:schemeClr>
             </a:solidFill>
-            <a:tailEnd type="triangle"/>
-          </a:ln>
-        </p:spPr>
-        <p:style>
-          <a:lnRef idx="2">
-            <a:schemeClr val="accent1"/>
-          </a:lnRef>
-          <a:fillRef idx="0">
-            <a:schemeClr val="accent1"/>
-          </a:fillRef>
-          <a:effectRef idx="1">
-            <a:schemeClr val="accent1"/>
-          </a:effectRef>
-          <a:fontRef idx="minor">
-            <a:schemeClr val="tx1"/>
-          </a:fontRef>
-        </p:style>
-      </p:cxnSp>
-      <p:cxnSp>
-        <p:nvCxnSpPr>
-          <p:cNvPr id="106" name="Elbow Connector 105">
-            <a:extLst>
-              <a:ext uri="{FF2B5EF4-FFF2-40B4-BE49-F238E27FC236}">
-                <a16:creationId xmlns:a16="http://schemas.microsoft.com/office/drawing/2014/main" id="{DDE60987-4F33-4F28-F277-4694AB8319E6}"/>
-              </a:ext>
-            </a:extLst>
-          </p:cNvPr>
-          <p:cNvCxnSpPr>
-            <a:cxnSpLocks/>
-            <a:endCxn id="57" idx="3"/>
-          </p:cNvCxnSpPr>
-          <p:nvPr/>
-        </p:nvCxnSpPr>
-        <p:spPr>
-          <a:xfrm rot="5400000">
-            <a:off x="3848413" y="1671781"/>
-            <a:ext cx="1024592" cy="707331"/>
-          </a:xfrm>
-          <a:prstGeom prst="bentConnector2">
-            <a:avLst/>
-          </a:prstGeom>
-          <a:ln w="38100">
-            <a:solidFill>
-              <a:schemeClr val="tx1"/>
-            </a:solidFill>
-            <a:tailEnd type="triangle"/>
-          </a:ln>
-        </p:spPr>
-        <p:style>
-          <a:lnRef idx="2">
-            <a:schemeClr val="accent1"/>
-          </a:lnRef>
-          <a:fillRef idx="0">
-            <a:schemeClr val="accent1"/>
-          </a:fillRef>
-          <a:effectRef idx="1">
-            <a:schemeClr val="accent1"/>
-          </a:effectRef>
-          <a:fontRef idx="minor">
-            <a:schemeClr val="tx1"/>
-          </a:fontRef>
-        </p:style>
-      </p:cxnSp>
-      <p:cxnSp>
-        <p:nvCxnSpPr>
-          <p:cNvPr id="113" name="Elbow Connector 112">
-            <a:extLst>
-              <a:ext uri="{FF2B5EF4-FFF2-40B4-BE49-F238E27FC236}">
-                <a16:creationId xmlns:a16="http://schemas.microsoft.com/office/drawing/2014/main" id="{8666E3E5-8705-059C-FD4D-82F1425C8601}"/>
-              </a:ext>
-            </a:extLst>
-          </p:cNvPr>
-          <p:cNvCxnSpPr>
-            <a:cxnSpLocks/>
-            <a:endCxn id="72" idx="1"/>
-          </p:cNvCxnSpPr>
-          <p:nvPr/>
-        </p:nvCxnSpPr>
-        <p:spPr>
-          <a:xfrm rot="16200000" flipH="1">
-            <a:off x="1457289" y="1768374"/>
-            <a:ext cx="1038859" cy="528412"/>
-          </a:xfrm>
-          <a:prstGeom prst="bentConnector2">
-            <a:avLst/>
-          </a:prstGeom>
-          <a:ln w="38100">
-            <a:solidFill>
-              <a:schemeClr val="tx1"/>
-            </a:solidFill>
-            <a:tailEnd type="triangle"/>
-          </a:ln>
-        </p:spPr>
-        <p:style>
-          <a:lnRef idx="2">
-            <a:schemeClr val="accent1"/>
-          </a:lnRef>
-          <a:fillRef idx="0">
-            <a:schemeClr val="accent1"/>
-          </a:fillRef>
-          <a:effectRef idx="1">
-            <a:schemeClr val="accent1"/>
-          </a:effectRef>
-          <a:fontRef idx="minor">
-            <a:schemeClr val="tx1"/>
-          </a:fontRef>
-        </p:style>
-      </p:cxnSp>
-      <p:sp>
-        <p:nvSpPr>
-          <p:cNvPr id="118" name="Bent Arrow 117">
-            <a:extLst>
-              <a:ext uri="{FF2B5EF4-FFF2-40B4-BE49-F238E27FC236}">
-                <a16:creationId xmlns:a16="http://schemas.microsoft.com/office/drawing/2014/main" id="{F42762D6-6FA2-6BFB-C650-5732518E07E9}"/>
-              </a:ext>
-            </a:extLst>
-          </p:cNvPr>
-          <p:cNvSpPr/>
-          <p:nvPr/>
-        </p:nvSpPr>
-        <p:spPr>
-          <a:xfrm rot="10800000">
-            <a:off x="2589088" y="4104555"/>
-            <a:ext cx="723822" cy="635392"/>
-          </a:xfrm>
-          <a:prstGeom prst="bentArrow">
-            <a:avLst>
-              <a:gd name="adj1" fmla="val 14536"/>
-              <a:gd name="adj2" fmla="val 16402"/>
-              <a:gd name="adj3" fmla="val 25000"/>
-              <a:gd name="adj4" fmla="val 4659"/>
-            </a:avLst>
-          </a:prstGeom>
-          <a:solidFill>
-            <a:schemeClr val="bg1">
-              <a:lumMod val="85000"/>
-            </a:schemeClr>
-          </a:solidFill>
-          <a:ln>
-            <a:solidFill>
-              <a:schemeClr val="tx1"/>
-            </a:solidFill>
-          </a:ln>
-        </p:spPr>
-        <p:style>
-          <a:lnRef idx="2">
-            <a:schemeClr val="accent1">
-              <a:shade val="15000"/>
-            </a:schemeClr>
-          </a:lnRef>
-          <a:fillRef idx="1">
-            <a:schemeClr val="accent1"/>
-          </a:fillRef>
-          <a:effectRef idx="0">
-            <a:schemeClr val="accent1"/>
-          </a:effectRef>
-          <a:fontRef idx="minor">
-            <a:schemeClr val="lt1"/>
-          </a:fontRef>
-        </p:style>
-        <p:txBody>
-          <a:bodyPr rtlCol="0" anchor="ctr"/>
-          <a:lstStyle/>
-          <a:p>
-            <a:pPr algn="ctr"/>
-            <a:endParaRPr lang="en-US">
+            <a:ln w="9525">
               <a:solidFill>
                 <a:schemeClr val="tx1"/>
               </a:solidFill>
-            </a:endParaRPr>
-          </a:p>
-        </p:txBody>
-      </p:sp>
-      <p:sp>
-        <p:nvSpPr>
-          <p:cNvPr id="119" name="Bent Arrow 118">
-            <a:extLst>
-              <a:ext uri="{FF2B5EF4-FFF2-40B4-BE49-F238E27FC236}">
-                <a16:creationId xmlns:a16="http://schemas.microsoft.com/office/drawing/2014/main" id="{59A22DF8-5B47-ED35-F871-C69F133A02B9}"/>
-              </a:ext>
-            </a:extLst>
-          </p:cNvPr>
-          <p:cNvSpPr/>
-          <p:nvPr/>
-        </p:nvSpPr>
-        <p:spPr>
-          <a:xfrm rot="10800000" flipH="1">
-            <a:off x="3435558" y="4104558"/>
-            <a:ext cx="437799" cy="635393"/>
-          </a:xfrm>
-          <a:prstGeom prst="bentArrow">
-            <a:avLst>
-              <a:gd name="adj1" fmla="val 20983"/>
-              <a:gd name="adj2" fmla="val 25000"/>
-              <a:gd name="adj3" fmla="val 36203"/>
-              <a:gd name="adj4" fmla="val 4738"/>
-            </a:avLst>
-          </a:prstGeom>
-          <a:solidFill>
-            <a:schemeClr val="accent6">
-              <a:lumMod val="20000"/>
-              <a:lumOff val="80000"/>
-            </a:schemeClr>
-          </a:solidFill>
-        </p:spPr>
-        <p:style>
-          <a:lnRef idx="2">
-            <a:schemeClr val="accent1">
-              <a:shade val="15000"/>
-            </a:schemeClr>
-          </a:lnRef>
-          <a:fillRef idx="1">
-            <a:schemeClr val="accent1"/>
-          </a:fillRef>
-          <a:effectRef idx="0">
-            <a:schemeClr val="accent1"/>
-          </a:effectRef>
-          <a:fontRef idx="minor">
-            <a:schemeClr val="lt1"/>
-          </a:fontRef>
-        </p:style>
-        <p:txBody>
-          <a:bodyPr rtlCol="0" anchor="ctr"/>
-          <a:lstStyle/>
-          <a:p>
-            <a:pPr algn="ctr"/>
-            <a:endParaRPr lang="en-US">
-              <a:solidFill>
-                <a:schemeClr val="tx1"/>
-              </a:solidFill>
-            </a:endParaRPr>
-          </a:p>
-        </p:txBody>
-      </p:sp>
-      <p:sp>
-        <p:nvSpPr>
-          <p:cNvPr id="131" name="Down Arrow 130">
-            <a:extLst>
-              <a:ext uri="{FF2B5EF4-FFF2-40B4-BE49-F238E27FC236}">
-                <a16:creationId xmlns:a16="http://schemas.microsoft.com/office/drawing/2014/main" id="{51368F4D-4053-E598-7C36-1196F30555A2}"/>
-              </a:ext>
-            </a:extLst>
-          </p:cNvPr>
-          <p:cNvSpPr/>
-          <p:nvPr/>
-        </p:nvSpPr>
-        <p:spPr>
-          <a:xfrm>
-            <a:off x="2002827" y="2816892"/>
-            <a:ext cx="884866" cy="343490"/>
-          </a:xfrm>
-          <a:prstGeom prst="downArrow">
-            <a:avLst>
-              <a:gd name="adj1" fmla="val 30083"/>
-              <a:gd name="adj2" fmla="val 56030"/>
-            </a:avLst>
-          </a:prstGeom>
-          <a:solidFill>
-            <a:schemeClr val="tx2">
-              <a:lumMod val="25000"/>
-              <a:lumOff val="75000"/>
-            </a:schemeClr>
-          </a:solidFill>
-        </p:spPr>
-        <p:style>
-          <a:lnRef idx="2">
-            <a:schemeClr val="accent1">
-              <a:shade val="15000"/>
-            </a:schemeClr>
-          </a:lnRef>
-          <a:fillRef idx="1">
-            <a:schemeClr val="accent1"/>
-          </a:fillRef>
-          <a:effectRef idx="0">
-            <a:schemeClr val="accent1"/>
-          </a:effectRef>
-          <a:fontRef idx="minor">
-            <a:schemeClr val="lt1"/>
-          </a:fontRef>
-        </p:style>
-        <p:txBody>
-          <a:bodyPr rtlCol="0" anchor="ctr"/>
-          <a:lstStyle/>
-          <a:p>
-            <a:pPr algn="ctr"/>
-            <a:endParaRPr lang="en-US"/>
-          </a:p>
-        </p:txBody>
-      </p:sp>
-      <p:sp>
-        <p:nvSpPr>
-          <p:cNvPr id="132" name="Down Arrow 131">
-            <a:extLst>
-              <a:ext uri="{FF2B5EF4-FFF2-40B4-BE49-F238E27FC236}">
-                <a16:creationId xmlns:a16="http://schemas.microsoft.com/office/drawing/2014/main" id="{9C0B1984-E76F-E8D5-CED1-A513BBCF31D7}"/>
-              </a:ext>
-            </a:extLst>
-          </p:cNvPr>
-          <p:cNvSpPr/>
-          <p:nvPr/>
-        </p:nvSpPr>
-        <p:spPr>
-          <a:xfrm>
-            <a:off x="3509092" y="2821759"/>
-            <a:ext cx="884866" cy="332420"/>
-          </a:xfrm>
-          <a:prstGeom prst="downArrow">
-            <a:avLst>
-              <a:gd name="adj1" fmla="val 30083"/>
-              <a:gd name="adj2" fmla="val 56030"/>
-            </a:avLst>
-          </a:prstGeom>
-          <a:solidFill>
-            <a:schemeClr val="tx2">
-              <a:lumMod val="25000"/>
-              <a:lumOff val="75000"/>
-            </a:schemeClr>
-          </a:solidFill>
-        </p:spPr>
-        <p:style>
-          <a:lnRef idx="2">
-            <a:schemeClr val="accent1">
-              <a:shade val="15000"/>
-            </a:schemeClr>
-          </a:lnRef>
-          <a:fillRef idx="1">
-            <a:schemeClr val="accent1"/>
-          </a:fillRef>
-          <a:effectRef idx="0">
-            <a:schemeClr val="accent1"/>
-          </a:effectRef>
-          <a:fontRef idx="minor">
-            <a:schemeClr val="lt1"/>
-          </a:fontRef>
-        </p:style>
-        <p:txBody>
-          <a:bodyPr rtlCol="0" anchor="ctr"/>
-          <a:lstStyle/>
-          <a:p>
-            <a:pPr algn="ctr"/>
-            <a:endParaRPr lang="en-US"/>
-          </a:p>
-        </p:txBody>
-      </p:sp>
+            </a:ln>
+          </p:spPr>
+          <p:style>
+            <a:lnRef idx="2">
+              <a:schemeClr val="accent1">
+                <a:shade val="15000"/>
+              </a:schemeClr>
+            </a:lnRef>
+            <a:fillRef idx="1">
+              <a:schemeClr val="accent1"/>
+            </a:fillRef>
+            <a:effectRef idx="0">
+              <a:schemeClr val="accent1"/>
+            </a:effectRef>
+            <a:fontRef idx="minor">
+              <a:schemeClr val="lt1"/>
+            </a:fontRef>
+          </p:style>
+          <p:txBody>
+            <a:bodyPr rtlCol="0" anchor="ctr"/>
+            <a:lstStyle/>
+            <a:p>
+              <a:pPr algn="ctr"/>
+              <a:endParaRPr lang="en-US"/>
+            </a:p>
+          </p:txBody>
+        </p:sp>
+      </p:grpSp>
     </p:spTree>
     <p:extLst>
       <p:ext uri="{BB962C8B-B14F-4D97-AF65-F5344CB8AC3E}">
-        <p14:creationId xmlns:p14="http://schemas.microsoft.com/office/powerpoint/2010/main" val="4286875819"/>
+        <p14:creationId xmlns:p14="http://schemas.microsoft.com/office/powerpoint/2010/main" val="129481480"/>
       </p:ext>
     </p:extLst>
   </p:cSld>
